--- a/IoT-Smarthome.pptx
+++ b/IoT-Smarthome.pptx
@@ -20,16 +20,16 @@
     <p:sldId id="292" r:id="rId9"/>
     <p:sldId id="304" r:id="rId10"/>
     <p:sldId id="305" r:id="rId11"/>
-    <p:sldId id="303" r:id="rId12"/>
-    <p:sldId id="289" r:id="rId13"/>
-    <p:sldId id="290" r:id="rId14"/>
-    <p:sldId id="291" r:id="rId15"/>
-    <p:sldId id="293" r:id="rId16"/>
-    <p:sldId id="294" r:id="rId17"/>
-    <p:sldId id="295" r:id="rId18"/>
-    <p:sldId id="296" r:id="rId19"/>
-    <p:sldId id="297" r:id="rId20"/>
-    <p:sldId id="299" r:id="rId21"/>
+    <p:sldId id="306" r:id="rId12"/>
+    <p:sldId id="303" r:id="rId13"/>
+    <p:sldId id="289" r:id="rId14"/>
+    <p:sldId id="290" r:id="rId15"/>
+    <p:sldId id="291" r:id="rId16"/>
+    <p:sldId id="293" r:id="rId17"/>
+    <p:sldId id="294" r:id="rId18"/>
+    <p:sldId id="295" r:id="rId19"/>
+    <p:sldId id="296" r:id="rId20"/>
+    <p:sldId id="297" r:id="rId21"/>
     <p:sldId id="300" r:id="rId22"/>
   </p:sldIdLst>
   <p:sldSz cx="12188825" cy="6858000"/>
@@ -132,37 +132,37 @@
   <p:extLst>
     <p:ext uri="{EFAFB233-063F-42B5-8137-9DF3F51BA10A}">
       <p15:sldGuideLst xmlns:p15="http://schemas.microsoft.com/office/powerpoint/2012/main">
-        <p15:guide id="1" orient="horz" pos="2160">
+        <p15:guide id="1" orient="horz" pos="2160" userDrawn="1">
           <p15:clr>
             <a:srgbClr val="A4A3A4"/>
           </p15:clr>
         </p15:guide>
-        <p15:guide id="2" orient="horz" pos="1008">
+        <p15:guide id="2" orient="horz" pos="1008" userDrawn="1">
           <p15:clr>
             <a:srgbClr val="A4A3A4"/>
           </p15:clr>
         </p15:guide>
-        <p15:guide id="3" orient="horz" pos="3888">
+        <p15:guide id="3" orient="horz" pos="3888" userDrawn="1">
           <p15:clr>
             <a:srgbClr val="A4A3A4"/>
           </p15:clr>
         </p15:guide>
-        <p15:guide id="4" orient="horz" pos="321">
+        <p15:guide id="4" orient="horz" pos="321" userDrawn="1">
           <p15:clr>
             <a:srgbClr val="A4A3A4"/>
           </p15:clr>
         </p15:guide>
-        <p15:guide id="5" pos="3839">
+        <p15:guide id="5" pos="3839" userDrawn="1">
           <p15:clr>
             <a:srgbClr val="A4A3A4"/>
           </p15:clr>
         </p15:guide>
-        <p15:guide id="6" pos="1007">
+        <p15:guide id="6" pos="1006" userDrawn="1">
           <p15:clr>
             <a:srgbClr val="A4A3A4"/>
           </p15:clr>
         </p15:guide>
-        <p15:guide id="7" pos="7173">
+        <p15:guide id="7" pos="7173" userDrawn="1">
           <p15:clr>
             <a:srgbClr val="A4A3A4"/>
           </p15:clr>
@@ -2806,7 +2806,7 @@
             <a:fld id="{BDB7646E-8811-423A-9C42-2CBFADA00A96}" type="datetimeFigureOut">
               <a:rPr lang="en-US" smtClean="0"/>
               <a:pPr/>
-              <a:t>10/14/2015</a:t>
+              <a:t>12/2/2015</a:t>
             </a:fld>
             <a:endParaRPr lang="en-US" dirty="0"/>
           </a:p>
@@ -2981,7 +2981,7 @@
             <a:fld id="{D677E230-58DD-43ED-96A1-552DDAB53532}" type="datetimeFigureOut">
               <a:rPr lang="en-US" smtClean="0"/>
               <a:pPr/>
-              <a:t>10/14/2015</a:t>
+              <a:t>12/2/2015</a:t>
             </a:fld>
             <a:endParaRPr lang="en-US" dirty="0"/>
           </a:p>
@@ -3285,7 +3285,12 @@
             <p:ph type="sldImg"/>
           </p:nvPr>
         </p:nvSpPr>
-        <p:spPr/>
+        <p:spPr>
+          <a:xfrm>
+            <a:off x="382588" y="685800"/>
+            <a:ext cx="6092825" cy="3429000"/>
+          </a:xfrm>
+        </p:spPr>
       </p:sp>
       <p:sp>
         <p:nvSpPr>
@@ -3372,7 +3377,7 @@
         </p:nvSpPr>
         <p:spPr>
           <a:xfrm>
-            <a:off x="2588539" y="2514601"/>
+            <a:off x="2588540" y="2514601"/>
             <a:ext cx="8913077" cy="2262781"/>
           </a:xfrm>
         </p:spPr>
@@ -3406,7 +3411,7 @@
         </p:nvSpPr>
         <p:spPr>
           <a:xfrm>
-            <a:off x="2588539" y="4777380"/>
+            <a:off x="2588540" y="4777382"/>
             <a:ext cx="8913077" cy="1126283"/>
           </a:xfrm>
         </p:spPr>
@@ -3532,7 +3537,7 @@
             <a:fld id="{EA321C1E-F4C4-428E-AB2C-0A968B3AEA02}" type="datetime1">
               <a:rPr lang="en-US" smtClean="0"/>
               <a:pPr/>
-              <a:t>10/14/2015</a:t>
+              <a:t>12/2/2015</a:t>
             </a:fld>
             <a:endParaRPr lang="en-US" dirty="0"/>
           </a:p>
@@ -3565,7 +3570,7 @@
         </p:nvSpPr>
         <p:spPr bwMode="auto">
           <a:xfrm>
-            <a:off x="0" y="4323811"/>
+            <a:off x="0" y="4323813"/>
             <a:ext cx="1744198" cy="778589"/>
           </a:xfrm>
           <a:custGeom>
@@ -3651,7 +3656,7 @@
         </p:nvSpPr>
         <p:spPr>
           <a:xfrm>
-            <a:off x="531674" y="4529541"/>
+            <a:off x="531675" y="4529543"/>
             <a:ext cx="779564" cy="365125"/>
           </a:xfrm>
         </p:spPr>
@@ -3729,7 +3734,7 @@
         </p:nvSpPr>
         <p:spPr>
           <a:xfrm>
-            <a:off x="2588538" y="609600"/>
+            <a:off x="2588540" y="609600"/>
             <a:ext cx="8913077" cy="3117040"/>
           </a:xfrm>
         </p:spPr>
@@ -3763,7 +3768,7 @@
         </p:nvSpPr>
         <p:spPr>
           <a:xfrm>
-            <a:off x="2588538" y="4354046"/>
+            <a:off x="2588540" y="4354046"/>
             <a:ext cx="8913077" cy="1555864"/>
           </a:xfrm>
         </p:spPr>
@@ -3891,7 +3896,7 @@
             <a:fld id="{41ECAE35-1C35-4D77-9B3D-53EF4C69F436}" type="datetime1">
               <a:rPr lang="en-US" smtClean="0"/>
               <a:pPr/>
-              <a:t>10/14/2015</a:t>
+              <a:t>12/2/2015</a:t>
             </a:fld>
             <a:endParaRPr lang="en-US" dirty="0"/>
           </a:p>
@@ -3924,7 +3929,7 @@
         </p:nvSpPr>
         <p:spPr bwMode="auto">
           <a:xfrm flipV="1">
-            <a:off x="-4187" y="3178176"/>
+            <a:off x="-4186" y="3178178"/>
             <a:ext cx="1588113" cy="507297"/>
           </a:xfrm>
           <a:custGeom>
@@ -4010,7 +4015,7 @@
         </p:nvSpPr>
         <p:spPr>
           <a:xfrm>
-            <a:off x="531674" y="3244140"/>
+            <a:off x="531675" y="3244142"/>
             <a:ext cx="779564" cy="365125"/>
           </a:xfrm>
         </p:spPr>
@@ -4071,7 +4076,7 @@
         <p:spPr>
           <a:xfrm>
             <a:off x="2849207" y="609600"/>
-            <a:ext cx="8391740" cy="2895600"/>
+            <a:ext cx="8391739" cy="2895600"/>
           </a:xfrm>
         </p:spPr>
         <p:txBody>
@@ -4104,7 +4109,7 @@
         </p:nvSpPr>
         <p:spPr>
           <a:xfrm>
-            <a:off x="3274159" y="3505200"/>
+            <a:off x="3274160" y="3505200"/>
             <a:ext cx="7534591" cy="381000"/>
           </a:xfrm>
         </p:spPr>
@@ -4167,7 +4172,7 @@
         </p:nvSpPr>
         <p:spPr>
           <a:xfrm>
-            <a:off x="2588538" y="4354046"/>
+            <a:off x="2588540" y="4354046"/>
             <a:ext cx="8913077" cy="1555864"/>
           </a:xfrm>
         </p:spPr>
@@ -4295,7 +4300,7 @@
             <a:fld id="{41ECAE35-1C35-4D77-9B3D-53EF4C69F436}" type="datetime1">
               <a:rPr lang="en-US" smtClean="0"/>
               <a:pPr/>
-              <a:t>10/14/2015</a:t>
+              <a:t>12/2/2015</a:t>
             </a:fld>
             <a:endParaRPr lang="en-US" dirty="0"/>
           </a:p>
@@ -4328,7 +4333,7 @@
         </p:nvSpPr>
         <p:spPr bwMode="auto">
           <a:xfrm flipV="1">
-            <a:off x="-4187" y="3178176"/>
+            <a:off x="-4186" y="3178178"/>
             <a:ext cx="1588113" cy="507297"/>
           </a:xfrm>
           <a:custGeom>
@@ -4414,7 +4419,7 @@
         </p:nvSpPr>
         <p:spPr>
           <a:xfrm>
-            <a:off x="531674" y="3244140"/>
+            <a:off x="531675" y="3244142"/>
             <a:ext cx="779564" cy="365125"/>
           </a:xfrm>
         </p:spPr>
@@ -4439,7 +4444,7 @@
         </p:nvSpPr>
         <p:spPr>
           <a:xfrm>
-            <a:off x="2467010" y="648005"/>
+            <a:off x="2467011" y="648005"/>
             <a:ext cx="609441" cy="584776"/>
           </a:xfrm>
           <a:prstGeom prst="rect">
@@ -4477,7 +4482,7 @@
         </p:nvSpPr>
         <p:spPr>
           <a:xfrm>
-            <a:off x="11111958" y="2905306"/>
+            <a:off x="11111959" y="2905306"/>
             <a:ext cx="609441" cy="584776"/>
           </a:xfrm>
           <a:prstGeom prst="rect">
@@ -4550,7 +4555,7 @@
         </p:nvSpPr>
         <p:spPr>
           <a:xfrm>
-            <a:off x="2588539" y="2438401"/>
+            <a:off x="2588539" y="2438403"/>
             <a:ext cx="8913078" cy="2724845"/>
           </a:xfrm>
         </p:spPr>
@@ -4634,7 +4639,7 @@
             <a:fld id="{41ECAE35-1C35-4D77-9B3D-53EF4C69F436}" type="datetime1">
               <a:rPr lang="en-US" smtClean="0"/>
               <a:pPr/>
-              <a:t>10/14/2015</a:t>
+              <a:t>12/2/2015</a:t>
             </a:fld>
             <a:endParaRPr lang="en-US" dirty="0"/>
           </a:p>
@@ -4667,7 +4672,7 @@
         </p:nvSpPr>
         <p:spPr bwMode="auto">
           <a:xfrm flipV="1">
-            <a:off x="-4187" y="4911726"/>
+            <a:off x="-4186" y="4911728"/>
             <a:ext cx="1588113" cy="507297"/>
           </a:xfrm>
           <a:custGeom>
@@ -4753,7 +4758,7 @@
         </p:nvSpPr>
         <p:spPr>
           <a:xfrm>
-            <a:off x="531674" y="4983088"/>
+            <a:off x="531675" y="4983090"/>
             <a:ext cx="779564" cy="365125"/>
           </a:xfrm>
         </p:spPr>
@@ -4814,7 +4819,7 @@
         <p:spPr>
           <a:xfrm>
             <a:off x="2849207" y="609600"/>
-            <a:ext cx="8391740" cy="2895600"/>
+            <a:ext cx="8391739" cy="2895600"/>
           </a:xfrm>
         </p:spPr>
         <p:txBody>
@@ -4957,7 +4962,7 @@
             <a:fld id="{41ECAE35-1C35-4D77-9B3D-53EF4C69F436}" type="datetime1">
               <a:rPr lang="en-US" smtClean="0"/>
               <a:pPr/>
-              <a:t>10/14/2015</a:t>
+              <a:t>12/2/2015</a:t>
             </a:fld>
             <a:endParaRPr lang="en-US" dirty="0"/>
           </a:p>
@@ -4990,7 +4995,7 @@
         </p:nvSpPr>
         <p:spPr bwMode="auto">
           <a:xfrm flipV="1">
-            <a:off x="-4187" y="4911726"/>
+            <a:off x="-4186" y="4911728"/>
             <a:ext cx="1588113" cy="507297"/>
           </a:xfrm>
           <a:custGeom>
@@ -5076,7 +5081,7 @@
         </p:nvSpPr>
         <p:spPr>
           <a:xfrm>
-            <a:off x="531674" y="4983088"/>
+            <a:off x="531675" y="4983090"/>
             <a:ext cx="779564" cy="365125"/>
           </a:xfrm>
         </p:spPr>
@@ -5101,7 +5106,7 @@
         </p:nvSpPr>
         <p:spPr>
           <a:xfrm>
-            <a:off x="2467010" y="648005"/>
+            <a:off x="2467011" y="648005"/>
             <a:ext cx="609441" cy="584776"/>
           </a:xfrm>
           <a:prstGeom prst="rect">
@@ -5139,7 +5144,7 @@
         </p:nvSpPr>
         <p:spPr>
           <a:xfrm>
-            <a:off x="11111958" y="2905306"/>
+            <a:off x="11111959" y="2905306"/>
             <a:ext cx="609441" cy="584776"/>
           </a:xfrm>
           <a:prstGeom prst="rect">
@@ -5212,7 +5217,7 @@
         </p:nvSpPr>
         <p:spPr>
           <a:xfrm>
-            <a:off x="2588538" y="627407"/>
+            <a:off x="2588540" y="627407"/>
             <a:ext cx="8913077" cy="2880020"/>
           </a:xfrm>
         </p:spPr>
@@ -5356,7 +5361,7 @@
             <a:fld id="{41ECAE35-1C35-4D77-9B3D-53EF4C69F436}" type="datetime1">
               <a:rPr lang="en-US" smtClean="0"/>
               <a:pPr/>
-              <a:t>10/14/2015</a:t>
+              <a:t>12/2/2015</a:t>
             </a:fld>
             <a:endParaRPr lang="en-US" dirty="0"/>
           </a:p>
@@ -5389,7 +5394,7 @@
         </p:nvSpPr>
         <p:spPr bwMode="auto">
           <a:xfrm flipV="1">
-            <a:off x="-4187" y="4911726"/>
+            <a:off x="-4186" y="4911728"/>
             <a:ext cx="1588113" cy="507297"/>
           </a:xfrm>
           <a:custGeom>
@@ -5475,7 +5480,7 @@
         </p:nvSpPr>
         <p:spPr>
           <a:xfrm>
-            <a:off x="531674" y="4983088"/>
+            <a:off x="531675" y="4983090"/>
             <a:ext cx="779564" cy="365125"/>
           </a:xfrm>
         </p:spPr>
@@ -5616,7 +5621,7 @@
             <a:fld id="{5050183B-2599-4C1D-AD6D-5B16EB7D3C87}" type="datetime1">
               <a:rPr lang="en-US" smtClean="0"/>
               <a:pPr/>
-              <a:t>10/14/2015</a:t>
+              <a:t>12/2/2015</a:t>
             </a:fld>
             <a:endParaRPr lang="en-US" dirty="0"/>
           </a:p>
@@ -5649,7 +5654,7 @@
         </p:nvSpPr>
         <p:spPr bwMode="auto">
           <a:xfrm flipV="1">
-            <a:off x="-4187" y="714376"/>
+            <a:off x="-4186" y="714378"/>
             <a:ext cx="1588113" cy="507297"/>
           </a:xfrm>
           <a:custGeom>
@@ -5808,7 +5813,7 @@
         </p:nvSpPr>
         <p:spPr>
           <a:xfrm>
-            <a:off x="9292392" y="627406"/>
+            <a:off x="9292392" y="627408"/>
             <a:ext cx="2207026" cy="5283817"/>
           </a:xfrm>
         </p:spPr>
@@ -5836,7 +5841,7 @@
         </p:nvSpPr>
         <p:spPr>
           <a:xfrm>
-            <a:off x="2588538" y="627406"/>
+            <a:off x="2588538" y="627408"/>
             <a:ext cx="6475313" cy="5283817"/>
           </a:xfrm>
         </p:spPr>
@@ -5899,7 +5904,7 @@
             <a:fld id="{1FB62E89-3582-4B1F-984C-F3ECC7AE9F55}" type="datetime1">
               <a:rPr lang="en-US" smtClean="0"/>
               <a:pPr/>
-              <a:t>10/14/2015</a:t>
+              <a:t>12/2/2015</a:t>
             </a:fld>
             <a:endParaRPr lang="en-US" dirty="0"/>
           </a:p>
@@ -5932,7 +5937,7 @@
         </p:nvSpPr>
         <p:spPr bwMode="auto">
           <a:xfrm flipV="1">
-            <a:off x="-4187" y="714376"/>
+            <a:off x="-4186" y="714378"/>
             <a:ext cx="1588113" cy="507297"/>
           </a:xfrm>
           <a:custGeom>
@@ -6091,7 +6096,7 @@
         </p:nvSpPr>
         <p:spPr>
           <a:xfrm>
-            <a:off x="2592250" y="624110"/>
+            <a:off x="2592251" y="624110"/>
             <a:ext cx="8909366" cy="1280890"/>
           </a:xfrm>
         </p:spPr>
@@ -6182,7 +6187,7 @@
             <a:fld id="{754F6C13-54DF-4C1D-865C-61E076D0D04F}" type="datetime1">
               <a:rPr lang="en-US" smtClean="0"/>
               <a:pPr/>
-              <a:t>10/14/2015</a:t>
+              <a:t>12/2/2015</a:t>
             </a:fld>
             <a:endParaRPr lang="en-US" dirty="0"/>
           </a:p>
@@ -6215,7 +6220,7 @@
         </p:nvSpPr>
         <p:spPr bwMode="auto">
           <a:xfrm flipV="1">
-            <a:off x="-4187" y="714376"/>
+            <a:off x="-4186" y="714378"/>
             <a:ext cx="1588113" cy="507297"/>
           </a:xfrm>
           <a:custGeom>
@@ -6374,7 +6379,7 @@
         </p:nvSpPr>
         <p:spPr>
           <a:xfrm>
-            <a:off x="2588538" y="2058750"/>
+            <a:off x="2588540" y="2058750"/>
             <a:ext cx="8913077" cy="1468800"/>
           </a:xfrm>
         </p:spPr>
@@ -6406,7 +6411,7 @@
         </p:nvSpPr>
         <p:spPr>
           <a:xfrm>
-            <a:off x="2588538" y="3530129"/>
+            <a:off x="2588540" y="3530129"/>
             <a:ext cx="8913077" cy="860400"/>
           </a:xfrm>
         </p:spPr>
@@ -6532,7 +6537,7 @@
             <a:fld id="{88C79F7B-F80B-466F-B0C8-AEA3BFB37BF1}" type="datetime1">
               <a:rPr lang="en-US" smtClean="0"/>
               <a:pPr/>
-              <a:t>10/14/2015</a:t>
+              <a:t>12/2/2015</a:t>
             </a:fld>
             <a:endParaRPr lang="en-US" dirty="0"/>
           </a:p>
@@ -6565,7 +6570,7 @@
         </p:nvSpPr>
         <p:spPr bwMode="auto">
           <a:xfrm flipV="1">
-            <a:off x="-4187" y="3178176"/>
+            <a:off x="-4186" y="3178178"/>
             <a:ext cx="1588113" cy="507297"/>
           </a:xfrm>
           <a:custGeom>
@@ -6651,7 +6656,7 @@
         </p:nvSpPr>
         <p:spPr>
           <a:xfrm>
-            <a:off x="531674" y="3244140"/>
+            <a:off x="531675" y="3244142"/>
             <a:ext cx="779564" cy="365125"/>
           </a:xfrm>
         </p:spPr>
@@ -6752,7 +6757,7 @@
         </p:nvSpPr>
         <p:spPr>
           <a:xfrm>
-            <a:off x="2588538" y="2133600"/>
+            <a:off x="2588539" y="2133600"/>
             <a:ext cx="4312741" cy="3777622"/>
           </a:xfrm>
         </p:spPr>
@@ -6876,7 +6881,7 @@
             <a:fld id="{46AB0801-7BCB-48C4-8CDC-E750B9A4D358}" type="datetime1">
               <a:rPr lang="en-US" smtClean="0"/>
               <a:pPr/>
-              <a:t>10/14/2015</a:t>
+              <a:t>12/2/2015</a:t>
             </a:fld>
             <a:endParaRPr lang="en-US" dirty="0"/>
           </a:p>
@@ -6909,7 +6914,7 @@
         </p:nvSpPr>
         <p:spPr bwMode="auto">
           <a:xfrm flipV="1">
-            <a:off x="-4187" y="714376"/>
+            <a:off x="-4186" y="714378"/>
             <a:ext cx="1588113" cy="507297"/>
           </a:xfrm>
           <a:custGeom>
@@ -6995,7 +7000,7 @@
         </p:nvSpPr>
         <p:spPr>
           <a:xfrm>
-            <a:off x="531674" y="787783"/>
+            <a:off x="531675" y="787785"/>
             <a:ext cx="779564" cy="365125"/>
           </a:xfrm>
         </p:spPr>
@@ -7096,7 +7101,7 @@
         </p:nvSpPr>
         <p:spPr>
           <a:xfrm>
-            <a:off x="2938608" y="1972703"/>
+            <a:off x="2938609" y="1972703"/>
             <a:ext cx="3991692" cy="576262"/>
           </a:xfrm>
         </p:spPr>
@@ -7222,7 +7227,7 @@
         </p:nvSpPr>
         <p:spPr>
           <a:xfrm>
-            <a:off x="7504674" y="1969475"/>
+            <a:off x="7504675" y="1969475"/>
             <a:ext cx="3997960" cy="576262"/>
           </a:xfrm>
         </p:spPr>
@@ -7289,8 +7294,8 @@
         </p:nvSpPr>
         <p:spPr>
           <a:xfrm>
-            <a:off x="7165091" y="2545738"/>
-            <a:ext cx="4337544" cy="3354060"/>
+            <a:off x="7165092" y="2545738"/>
+            <a:ext cx="4337543" cy="3354060"/>
           </a:xfrm>
         </p:spPr>
         <p:txBody>
@@ -7354,7 +7359,7 @@
             <a:fld id="{AC23ED97-2A6F-4771-AFCD-9917647BC800}" type="datetime1">
               <a:rPr lang="en-US" smtClean="0"/>
               <a:pPr/>
-              <a:t>10/14/2015</a:t>
+              <a:t>12/2/2015</a:t>
             </a:fld>
             <a:endParaRPr lang="en-US" dirty="0"/>
           </a:p>
@@ -7387,7 +7392,7 @@
         </p:nvSpPr>
         <p:spPr bwMode="auto">
           <a:xfrm flipV="1">
-            <a:off x="-4187" y="714376"/>
+            <a:off x="-4186" y="714378"/>
             <a:ext cx="1588113" cy="507297"/>
           </a:xfrm>
           <a:custGeom>
@@ -7473,7 +7478,7 @@
         </p:nvSpPr>
         <p:spPr>
           <a:xfrm>
-            <a:off x="531674" y="787783"/>
+            <a:off x="531675" y="787785"/>
             <a:ext cx="779564" cy="365125"/>
           </a:xfrm>
         </p:spPr>
@@ -7580,7 +7585,7 @@
             <a:fld id="{D45C437A-0FE7-4C86-BFB0-B6B8407562F9}" type="datetime1">
               <a:rPr lang="en-US" smtClean="0"/>
               <a:pPr/>
-              <a:t>10/14/2015</a:t>
+              <a:t>12/2/2015</a:t>
             </a:fld>
             <a:endParaRPr lang="en-US" dirty="0"/>
           </a:p>
@@ -7613,7 +7618,7 @@
         </p:nvSpPr>
         <p:spPr bwMode="auto">
           <a:xfrm flipV="1">
-            <a:off x="-4187" y="714376"/>
+            <a:off x="-4186" y="714378"/>
             <a:ext cx="1588113" cy="507297"/>
           </a:xfrm>
           <a:custGeom>
@@ -7778,7 +7783,7 @@
             <a:fld id="{C0C697BB-4962-43D1-8FB7-F31ABEEF66A1}" type="datetime1">
               <a:rPr lang="en-US" smtClean="0"/>
               <a:pPr/>
-              <a:t>10/14/2015</a:t>
+              <a:t>12/2/2015</a:t>
             </a:fld>
             <a:endParaRPr lang="en-US" dirty="0"/>
           </a:p>
@@ -7811,7 +7816,7 @@
         </p:nvSpPr>
         <p:spPr bwMode="auto">
           <a:xfrm flipV="1">
-            <a:off x="-4187" y="714376"/>
+            <a:off x="-4186" y="714378"/>
             <a:ext cx="1588113" cy="507297"/>
           </a:xfrm>
           <a:custGeom>
@@ -8002,7 +8007,7 @@
         </p:nvSpPr>
         <p:spPr>
           <a:xfrm>
-            <a:off x="6321365" y="446089"/>
+            <a:off x="6321365" y="446091"/>
             <a:ext cx="5180251" cy="5414963"/>
           </a:xfrm>
         </p:spPr>
@@ -8132,7 +8137,7 @@
             <a:fld id="{FE118707-E6E5-4948-AA0F-51CA07925AE1}" type="datetime1">
               <a:rPr lang="en-US" smtClean="0"/>
               <a:pPr/>
-              <a:t>10/14/2015</a:t>
+              <a:t>12/2/2015</a:t>
             </a:fld>
             <a:endParaRPr lang="en-US" dirty="0"/>
           </a:p>
@@ -8165,7 +8170,7 @@
         </p:nvSpPr>
         <p:spPr bwMode="auto">
           <a:xfrm flipV="1">
-            <a:off x="-4187" y="714376"/>
+            <a:off x="-4186" y="714378"/>
             <a:ext cx="1588113" cy="507297"/>
           </a:xfrm>
           <a:custGeom>
@@ -8498,7 +8503,7 @@
             <a:fld id="{EAD71185-418D-40F3-80A2-3798EF34B440}" type="datetime1">
               <a:rPr lang="en-US" smtClean="0"/>
               <a:pPr/>
-              <a:t>10/14/2015</a:t>
+              <a:t>12/2/2015</a:t>
             </a:fld>
             <a:endParaRPr lang="en-US" dirty="0"/>
           </a:p>
@@ -8531,7 +8536,7 @@
         </p:nvSpPr>
         <p:spPr bwMode="auto">
           <a:xfrm flipV="1">
-            <a:off x="-4187" y="4911726"/>
+            <a:off x="-4186" y="4911728"/>
             <a:ext cx="1588113" cy="507297"/>
           </a:xfrm>
           <a:custGeom>
@@ -8617,7 +8622,7 @@
         </p:nvSpPr>
         <p:spPr>
           <a:xfrm>
-            <a:off x="531674" y="4983088"/>
+            <a:off x="531675" y="4983090"/>
             <a:ext cx="779564" cy="365125"/>
           </a:xfrm>
         </p:spPr>
@@ -8642,7 +8647,7 @@
         </p:nvSpPr>
         <p:spPr>
           <a:xfrm>
-            <a:off x="5103812" y="0"/>
+            <a:off x="5103813" y="0"/>
             <a:ext cx="6324601" cy="6858000"/>
           </a:xfrm>
           <a:prstGeom prst="rect">
@@ -8678,7 +8683,7 @@
           <a:lstStyle/>
           <a:p>
             <a:pPr lvl="0" algn="ctr"/>
-            <a:endParaRPr dirty="0"/>
+            <a:endParaRPr sz="1800" dirty="0"/>
           </a:p>
         </p:txBody>
       </p:sp>
@@ -8744,7 +8749,7 @@
         </p:nvGrpSpPr>
         <p:grpSpPr>
           <a:xfrm>
-            <a:off x="1" y="228600"/>
+            <a:off x="2" y="228600"/>
             <a:ext cx="2850773" cy="6638628"/>
             <a:chOff x="2487613" y="285750"/>
             <a:chExt cx="2428875" cy="5654676"/>
@@ -9616,7 +9621,7 @@
         </p:nvGrpSpPr>
         <p:grpSpPr>
           <a:xfrm>
-            <a:off x="27214" y="-786"/>
+            <a:off x="27215" y="-786"/>
             <a:ext cx="2356060" cy="6854039"/>
             <a:chOff x="6627813" y="194833"/>
             <a:chExt cx="1952625" cy="5678918"/>
@@ -10684,7 +10689,7 @@
             <a:fld id="{41ECAE35-1C35-4D77-9B3D-53EF4C69F436}" type="datetime1">
               <a:rPr lang="en-US" smtClean="0"/>
               <a:pPr/>
-              <a:t>10/14/2015</a:t>
+              <a:t>12/2/2015</a:t>
             </a:fld>
             <a:endParaRPr lang="en-US" dirty="0"/>
           </a:p>
@@ -10702,8 +10707,8 @@
         </p:nvSpPr>
         <p:spPr>
           <a:xfrm>
-            <a:off x="2588538" y="6135809"/>
-            <a:ext cx="7618015" cy="365125"/>
+            <a:off x="2588538" y="6135811"/>
+            <a:ext cx="7618016" cy="365125"/>
           </a:xfrm>
           <a:prstGeom prst="rect">
             <a:avLst/>
@@ -10739,7 +10744,7 @@
         </p:nvSpPr>
         <p:spPr bwMode="gray">
           <a:xfrm>
-            <a:off x="531674" y="787783"/>
+            <a:off x="531675" y="787785"/>
             <a:ext cx="779564" cy="365125"/>
           </a:xfrm>
           <a:prstGeom prst="rect">
@@ -11203,7 +11208,7 @@
       </a:lvl9pPr>
     </p:otherStyle>
   </p:txStyles>
-  <p:extLst>
+  <p:extLst mod="1">
     <p:ext uri="{27BBF7A9-308A-43DC-89C8-2F10F3537804}">
       <p15:sldGuideLst xmlns:p15="http://schemas.microsoft.com/office/powerpoint/2012/main"/>
     </p:ext>
@@ -11240,7 +11245,7 @@
         </p:nvSpPr>
         <p:spPr>
           <a:xfrm>
-            <a:off x="150811" y="2057400"/>
+            <a:off x="150813" y="2057400"/>
             <a:ext cx="12038013" cy="3429000"/>
           </a:xfrm>
         </p:spPr>
@@ -11282,7 +11287,7 @@
               <a:t>TRONG CÔNG </a:t>
             </a:r>
             <a:r>
-              <a:rPr lang="en-US" sz="4800" dirty="0" smtClean="0">
+              <a:rPr lang="en-US" sz="4800" dirty="0">
                 <a:latin typeface="Cambria Math" panose="02040503050406030204" pitchFamily="18" charset="0"/>
                 <a:ea typeface="Cambria Math" panose="02040503050406030204" pitchFamily="18" charset="0"/>
                 <a:cs typeface="Times New Roman" panose="02020603050405020304" pitchFamily="18" charset="0"/>
@@ -11333,8 +11338,21 @@
                 <a:ea typeface="Cambria Math" panose="02040503050406030204" pitchFamily="18" charset="0"/>
                 <a:cs typeface="Times New Roman" panose="02020603050405020304" pitchFamily="18" charset="0"/>
               </a:rPr>
-              <a:t>IOT - SMARTHOME</a:t>
-            </a:r>
+              <a:t>IOT </a:t>
+            </a:r>
+            <a:r>
+              <a:rPr lang="en-US" sz="4400" dirty="0">
+                <a:latin typeface="Cambria Math" panose="02040503050406030204" pitchFamily="18" charset="0"/>
+                <a:ea typeface="Cambria Math" panose="02040503050406030204" pitchFamily="18" charset="0"/>
+                <a:cs typeface="Times New Roman" panose="02020603050405020304" pitchFamily="18" charset="0"/>
+              </a:rPr>
+              <a:t>- SMART HOME</a:t>
+            </a:r>
+            <a:endParaRPr lang="en-US" sz="4400" dirty="0">
+              <a:latin typeface="Cambria Math" panose="02040503050406030204" pitchFamily="18" charset="0"/>
+              <a:ea typeface="Cambria Math" panose="02040503050406030204" pitchFamily="18" charset="0"/>
+              <a:cs typeface="Times New Roman" panose="02020603050405020304" pitchFamily="18" charset="0"/>
+            </a:endParaRPr>
           </a:p>
         </p:txBody>
       </p:sp>
@@ -11426,7 +11444,7 @@
         </p:nvSpPr>
         <p:spPr>
           <a:xfrm>
-            <a:off x="1593436" y="139164"/>
+            <a:off x="1593440" y="139168"/>
             <a:ext cx="9782801" cy="1239837"/>
           </a:xfrm>
         </p:spPr>
@@ -11450,7 +11468,7 @@
         </p:nvSpPr>
         <p:spPr>
           <a:xfrm>
-            <a:off x="3997669" y="304800"/>
+            <a:off x="3997673" y="304804"/>
             <a:ext cx="4402167" cy="830997"/>
           </a:xfrm>
           <a:prstGeom prst="rect">
@@ -11496,8 +11514,8 @@
         </p:nvSpPr>
         <p:spPr>
           <a:xfrm>
-            <a:off x="1416373" y="1817422"/>
-            <a:ext cx="2197525" cy="523220"/>
+            <a:off x="1593440" y="1256555"/>
+            <a:ext cx="5541389" cy="523220"/>
           </a:xfrm>
           <a:prstGeom prst="rect">
             <a:avLst/>
@@ -11510,10 +11528,10 @@
           <a:lstStyle/>
           <a:p>
             <a:r>
-              <a:rPr lang="en-US" sz="2800" b="1" dirty="0" smtClean="0">
-                <a:latin typeface="Cambria" panose="02040503050406030204" pitchFamily="18" charset="0"/>
-              </a:rPr>
-              <a:t>Zigbee là gì?</a:t>
+              <a:rPr lang="en-US" sz="2800" b="1" dirty="0">
+                <a:latin typeface="Cambria" panose="02040503050406030204" pitchFamily="18" charset="0"/>
+              </a:rPr>
+              <a:t>Quá trình thiết lập mạng Zigbee</a:t>
             </a:r>
             <a:endParaRPr lang="en-US" sz="2800" dirty="0">
               <a:latin typeface="Cambria" panose="02040503050406030204" pitchFamily="18" charset="0"/>
@@ -11592,7 +11610,7 @@
           <a:p>
             <a:pPr algn="ctr"/>
             <a:r>
-              <a:rPr lang="en-US" dirty="0" smtClean="0"/>
+              <a:rPr lang="en-US" dirty="0"/>
               <a:t>10</a:t>
             </a:r>
             <a:endParaRPr lang="en-US" dirty="0"/>
@@ -11607,8 +11625,8 @@
         </p:nvSpPr>
         <p:spPr>
           <a:xfrm>
-            <a:off x="1406222" y="2514600"/>
-            <a:ext cx="4611990" cy="3762056"/>
+            <a:off x="1624430" y="1923397"/>
+            <a:ext cx="9148651" cy="3552767"/>
           </a:xfrm>
           <a:prstGeom prst="rect">
             <a:avLst/>
@@ -11620,7 +11638,7 @@
           </a:bodyPr>
           <a:lstStyle/>
           <a:p>
-            <a:pPr marL="457200" lvl="0" indent="-457200">
+            <a:pPr marL="457200" indent="-457200">
               <a:lnSpc>
                 <a:spcPct val="90000"/>
               </a:lnSpc>
@@ -11631,74 +11649,17 @@
               <a:buChar char="Ø"/>
             </a:pPr>
             <a:r>
-              <a:rPr lang="en-US" sz="2800" dirty="0">
-                <a:latin typeface="Cambria" panose="02040503050406030204" pitchFamily="18" charset="0"/>
-              </a:rPr>
-              <a:t>Đối tượng mà công nghệ Zigbee nhắm đến là các giải pháp nhà thông </a:t>
-            </a:r>
-            <a:r>
-              <a:rPr lang="en-US" sz="2800" dirty="0" smtClean="0">
-                <a:latin typeface="Cambria" panose="02040503050406030204" pitchFamily="18" charset="0"/>
-              </a:rPr>
-              <a:t>minh (SmartHome</a:t>
-            </a:r>
-            <a:r>
-              <a:rPr lang="en-US" sz="2800" dirty="0">
-                <a:latin typeface="Cambria" panose="02040503050406030204" pitchFamily="18" charset="0"/>
-              </a:rPr>
-              <a:t>) hay các hệ thống tự </a:t>
-            </a:r>
-            <a:r>
-              <a:rPr lang="en-US" sz="2800" dirty="0" smtClean="0">
-                <a:latin typeface="Cambria" panose="02040503050406030204" pitchFamily="18" charset="0"/>
-              </a:rPr>
-              <a:t>động</a:t>
-            </a:r>
-            <a:r>
-              <a:rPr lang="en-US" sz="2800" dirty="0">
-                <a:latin typeface="Cambria" panose="02040503050406030204" pitchFamily="18" charset="0"/>
-              </a:rPr>
-              <a:t/>
-            </a:r>
-            <a:br>
-              <a:rPr lang="en-US" sz="2800" dirty="0">
-                <a:latin typeface="Cambria" panose="02040503050406030204" pitchFamily="18" charset="0"/>
-              </a:rPr>
-            </a:br>
-            <a:r>
-              <a:rPr lang="en-US" sz="2800" i="1" dirty="0" smtClean="0">
-                <a:latin typeface="Cambria" panose="02040503050406030204" pitchFamily="18" charset="0"/>
-              </a:rPr>
-              <a:t>	</a:t>
-            </a:r>
-            <a:r>
-              <a:rPr lang="en-US" sz="2400" i="1" dirty="0" smtClean="0">
-                <a:latin typeface="Cambria" panose="02040503050406030204" pitchFamily="18" charset="0"/>
-              </a:rPr>
-              <a:t/>
-            </a:r>
-            <a:br>
-              <a:rPr lang="en-US" sz="2400" i="1" dirty="0" smtClean="0">
-                <a:latin typeface="Cambria" panose="02040503050406030204" pitchFamily="18" charset="0"/>
-              </a:rPr>
-            </a:br>
-            <a:r>
-              <a:rPr lang="en-US" sz="2800" i="1" dirty="0" smtClean="0">
-                <a:latin typeface="Cambria" panose="02040503050406030204" pitchFamily="18" charset="0"/>
-              </a:rPr>
-              <a:t/>
-            </a:r>
-            <a:br>
-              <a:rPr lang="en-US" sz="2800" i="1" dirty="0" smtClean="0">
-                <a:latin typeface="Cambria" panose="02040503050406030204" pitchFamily="18" charset="0"/>
-              </a:rPr>
-            </a:br>
-            <a:endParaRPr lang="en-US" sz="2800" i="1" dirty="0" smtClean="0">
+              <a:rPr lang="en-US" sz="2200" dirty="0">
+                <a:latin typeface="Cambria" panose="02040503050406030204" pitchFamily="18" charset="0"/>
+              </a:rPr>
+              <a:t>Quét mạng: Các thiết bị trong mạng quét các kệnh tín hiệu</a:t>
+            </a:r>
+            <a:endParaRPr lang="en-US" sz="2200" dirty="0">
               <a:latin typeface="Cambria" panose="02040503050406030204" pitchFamily="18" charset="0"/>
             </a:endParaRPr>
           </a:p>
           <a:p>
-            <a:pPr marL="457200" lvl="0" indent="-457200">
+            <a:pPr marL="457200" indent="-457200">
               <a:lnSpc>
                 <a:spcPct val="90000"/>
               </a:lnSpc>
@@ -11708,62 +11669,119 @@
               <a:buFont typeface="Wingdings" panose="05000000000000000000" pitchFamily="2" charset="2"/>
               <a:buChar char="Ø"/>
             </a:pPr>
-            <a:endParaRPr lang="en-US" sz="2800" i="1" dirty="0">
+            <a:r>
+              <a:rPr lang="en-US" sz="2200" dirty="0">
+                <a:latin typeface="Cambria" panose="02040503050406030204" pitchFamily="18" charset="0"/>
+              </a:rPr>
+              <a:t>Thiết lập/Gia nhập mạng: Thiết bị tạo ra 1 mạng trên 1 kênh hoặc gia nhập mạng đã tồn tại sẵn</a:t>
+            </a:r>
+            <a:endParaRPr lang="en-US" sz="2200" dirty="0">
               <a:latin typeface="Cambria" panose="02040503050406030204" pitchFamily="18" charset="0"/>
             </a:endParaRPr>
           </a:p>
-        </p:txBody>
-      </p:sp>
-      <p:pic>
-        <p:nvPicPr>
-          <p:cNvPr id="13" name="Picture 12" descr="Khái quát về mạng không dây 10"/>
-          <p:cNvPicPr/>
-          <p:nvPr/>
-        </p:nvPicPr>
-        <p:blipFill>
-          <a:blip r:embed="rId3">
-            <a:extLst>
-              <a:ext uri="{28A0092B-C50C-407E-A947-70E740481C1C}">
-                <a14:useLocalDpi xmlns:a14="http://schemas.microsoft.com/office/drawing/2010/main" val="0"/>
-              </a:ext>
-            </a:extLst>
-          </a:blip>
-          <a:srcRect/>
-          <a:stretch>
-            <a:fillRect/>
-          </a:stretch>
-        </p:blipFill>
-        <p:spPr bwMode="auto">
-          <a:xfrm>
-            <a:off x="6018212" y="1601726"/>
-            <a:ext cx="5633936" cy="4722874"/>
-          </a:xfrm>
-          <a:prstGeom prst="rect">
-            <a:avLst/>
-          </a:prstGeom>
-          <a:noFill/>
-          <a:ln>
-            <a:noFill/>
-          </a:ln>
-        </p:spPr>
-      </p:pic>
+          <a:p>
+            <a:pPr marL="457200" indent="-457200">
+              <a:lnSpc>
+                <a:spcPct val="90000"/>
+              </a:lnSpc>
+              <a:spcBef>
+                <a:spcPts val="1400"/>
+              </a:spcBef>
+              <a:buFont typeface="Wingdings" panose="05000000000000000000" pitchFamily="2" charset="2"/>
+              <a:buChar char="Ø"/>
+            </a:pPr>
+            <a:r>
+              <a:rPr lang="en-US" sz="2200" dirty="0">
+                <a:latin typeface="Cambria" panose="02040503050406030204" pitchFamily="18" charset="0"/>
+              </a:rPr>
+              <a:t>Phát hiện thiết bị: Thiết bị sẽ yêu cầu mạng phát hiện ra địa chỉ của mình trên các kênh được kích </a:t>
+            </a:r>
+            <a:r>
+              <a:rPr lang="en-US" sz="2200" dirty="0">
+                <a:latin typeface="Cambria" panose="02040503050406030204" pitchFamily="18" charset="0"/>
+              </a:rPr>
+              <a:t>hoạt</a:t>
+            </a:r>
+            <a:endParaRPr lang="en-US" sz="2200" dirty="0">
+              <a:latin typeface="Cambria" panose="02040503050406030204" pitchFamily="18" charset="0"/>
+            </a:endParaRPr>
+          </a:p>
+          <a:p>
+            <a:pPr marL="457200" indent="-457200">
+              <a:lnSpc>
+                <a:spcPct val="90000"/>
+              </a:lnSpc>
+              <a:spcBef>
+                <a:spcPts val="1400"/>
+              </a:spcBef>
+              <a:buFont typeface="Wingdings" panose="05000000000000000000" pitchFamily="2" charset="2"/>
+              <a:buChar char="Ø"/>
+            </a:pPr>
+            <a:r>
+              <a:rPr lang="en-US" sz="2200" dirty="0">
+                <a:latin typeface="Cambria" panose="02040503050406030204" pitchFamily="18" charset="0"/>
+              </a:rPr>
+              <a:t>Phát </a:t>
+            </a:r>
+            <a:r>
+              <a:rPr lang="en-US" sz="2200" dirty="0">
+                <a:latin typeface="Cambria" panose="02040503050406030204" pitchFamily="18" charset="0"/>
+              </a:rPr>
+              <a:t>hiện dịch vụ: Thiết bị quét các dịch vụ được hỗ trợ trên thiết bị trong phạm vi </a:t>
+            </a:r>
+            <a:r>
+              <a:rPr lang="en-US" sz="2200" dirty="0">
+                <a:latin typeface="Cambria" panose="02040503050406030204" pitchFamily="18" charset="0"/>
+              </a:rPr>
+              <a:t>mạng</a:t>
+            </a:r>
+            <a:endParaRPr lang="en-US" sz="2200" dirty="0">
+              <a:latin typeface="Cambria" panose="02040503050406030204" pitchFamily="18" charset="0"/>
+            </a:endParaRPr>
+          </a:p>
+          <a:p>
+            <a:pPr marL="457200" indent="-457200">
+              <a:lnSpc>
+                <a:spcPct val="90000"/>
+              </a:lnSpc>
+              <a:spcBef>
+                <a:spcPts val="1400"/>
+              </a:spcBef>
+              <a:buFont typeface="Wingdings" panose="05000000000000000000" pitchFamily="2" charset="2"/>
+              <a:buChar char="Ø"/>
+            </a:pPr>
+            <a:r>
+              <a:rPr lang="en-US" sz="2200" dirty="0">
+                <a:latin typeface="Cambria" panose="02040503050406030204" pitchFamily="18" charset="0"/>
+              </a:rPr>
+              <a:t>Liên </a:t>
+            </a:r>
+            <a:r>
+              <a:rPr lang="en-US" sz="2200" dirty="0">
+                <a:latin typeface="Cambria" panose="02040503050406030204" pitchFamily="18" charset="0"/>
+              </a:rPr>
+              <a:t>kết: Thiết bị giao tiếp với nhau thông qua các lệnh và các tin nhắn điều khiển</a:t>
+            </a:r>
+          </a:p>
+        </p:txBody>
+      </p:sp>
     </p:spTree>
     <p:extLst>
       <p:ext uri="{BB962C8B-B14F-4D97-AF65-F5344CB8AC3E}">
-        <p14:creationId xmlns:p14="http://schemas.microsoft.com/office/powerpoint/2010/main" val="3931087937"/>
+        <p14:creationId xmlns:p14="http://schemas.microsoft.com/office/powerpoint/2010/main" val="464792135"/>
       </p:ext>
     </p:extLst>
   </p:cSld>
   <p:clrMapOvr>
     <a:masterClrMapping/>
   </p:clrMapOvr>
-  <mc:AlternateContent xmlns:mc="http://schemas.openxmlformats.org/markup-compatibility/2006">
-    <mc:Choice xmlns:p14="http://schemas.microsoft.com/office/powerpoint/2010/main" Requires="p14">
+  <mc:AlternateContent xmlns:mc="http://schemas.openxmlformats.org/markup-compatibility/2006" xmlns:p14="http://schemas.microsoft.com/office/powerpoint/2010/main">
+    <mc:Choice Requires="p14">
       <p:transition spd="med" p14:dur="700">
         <p:fade/>
       </p:transition>
     </mc:Choice>
-    <mc:Fallback>
+    <mc:Fallback xmlns="">
       <p:transition spd="med">
         <p:fade/>
       </p:transition>
@@ -11808,7 +11826,7 @@
         </p:nvSpPr>
         <p:spPr>
           <a:xfrm>
-            <a:off x="1593436" y="139164"/>
+            <a:off x="1593440" y="139168"/>
             <a:ext cx="9782801" cy="1239837"/>
           </a:xfrm>
         </p:spPr>
@@ -11832,7 +11850,7 @@
         </p:nvSpPr>
         <p:spPr>
           <a:xfrm>
-            <a:off x="3997669" y="304800"/>
+            <a:off x="3997673" y="304804"/>
             <a:ext cx="4402167" cy="830997"/>
           </a:xfrm>
           <a:prstGeom prst="rect">
@@ -11867,39 +11885,6 @@
               </a:rPr>
               <a:t>GIỚI THIỆU IOT</a:t>
             </a:r>
-          </a:p>
-        </p:txBody>
-      </p:sp>
-      <p:sp>
-        <p:nvSpPr>
-          <p:cNvPr id="10" name="Rectangle 9"/>
-          <p:cNvSpPr/>
-          <p:nvPr/>
-        </p:nvSpPr>
-        <p:spPr>
-          <a:xfrm>
-            <a:off x="1406222" y="1474190"/>
-            <a:ext cx="2422010" cy="523220"/>
-          </a:xfrm>
-          <a:prstGeom prst="rect">
-            <a:avLst/>
-          </a:prstGeom>
-        </p:spPr>
-        <p:txBody>
-          <a:bodyPr wrap="none">
-            <a:spAutoFit/>
-          </a:bodyPr>
-          <a:lstStyle/>
-          <a:p>
-            <a:r>
-              <a:rPr lang="en-US" sz="2800" b="1" dirty="0" smtClean="0">
-                <a:latin typeface="Cambria" panose="02040503050406030204" pitchFamily="18" charset="0"/>
-              </a:rPr>
-              <a:t>Ứng dụng IoT</a:t>
-            </a:r>
-            <a:endParaRPr lang="en-US" sz="2800" dirty="0">
-              <a:latin typeface="Cambria" panose="02040503050406030204" pitchFamily="18" charset="0"/>
-            </a:endParaRPr>
           </a:p>
         </p:txBody>
       </p:sp>
@@ -11974,7 +11959,7 @@
           <a:p>
             <a:pPr algn="ctr"/>
             <a:r>
-              <a:rPr lang="en-US" dirty="0" smtClean="0"/>
+              <a:rPr lang="en-US" dirty="0"/>
               <a:t>11</a:t>
             </a:r>
             <a:endParaRPr lang="en-US" dirty="0"/>
@@ -11989,8 +11974,8 @@
         </p:nvSpPr>
         <p:spPr>
           <a:xfrm>
-            <a:off x="1406221" y="2092599"/>
-            <a:ext cx="9335865" cy="5351209"/>
+            <a:off x="1141412" y="1601726"/>
+            <a:ext cx="4611990" cy="3762056"/>
           </a:xfrm>
           <a:prstGeom prst="rect">
             <a:avLst/>
@@ -12013,171 +11998,74 @@
               <a:buChar char="Ø"/>
             </a:pPr>
             <a:r>
-              <a:rPr lang="en-US" sz="2400" dirty="0">
-                <a:latin typeface="Cambria" panose="02040503050406030204" pitchFamily="18" charset="0"/>
-              </a:rPr>
-              <a:t>Quản lí chất thải</a:t>
-            </a:r>
-          </a:p>
-          <a:p>
-            <a:pPr marL="457200" indent="-457200">
-              <a:lnSpc>
-                <a:spcPct val="90000"/>
-              </a:lnSpc>
-              <a:spcBef>
-                <a:spcPts val="1400"/>
-              </a:spcBef>
-              <a:buFont typeface="Wingdings" panose="05000000000000000000" pitchFamily="2" charset="2"/>
-              <a:buChar char="Ø"/>
-            </a:pPr>
-            <a:r>
-              <a:rPr lang="en-US" sz="2400" dirty="0">
-                <a:latin typeface="Cambria" panose="02040503050406030204" pitchFamily="18" charset="0"/>
-              </a:rPr>
-              <a:t>Quản lí và lập kế hoạch quản lí đô </a:t>
-            </a:r>
-            <a:r>
-              <a:rPr lang="en-US" sz="2400" dirty="0" smtClean="0">
-                <a:latin typeface="Cambria" panose="02040503050406030204" pitchFamily="18" charset="0"/>
-              </a:rPr>
-              <a:t>thị</a:t>
-            </a:r>
-          </a:p>
-          <a:p>
-            <a:pPr marL="457200" indent="-457200">
-              <a:lnSpc>
-                <a:spcPct val="90000"/>
-              </a:lnSpc>
-              <a:spcBef>
-                <a:spcPts val="1400"/>
-              </a:spcBef>
-              <a:buFont typeface="Wingdings" panose="05000000000000000000" pitchFamily="2" charset="2"/>
-              <a:buChar char="Ø"/>
-            </a:pPr>
-            <a:r>
-              <a:rPr lang="en-US" sz="2400" dirty="0">
-                <a:latin typeface="Cambria" panose="02040503050406030204" pitchFamily="18" charset="0"/>
-              </a:rPr>
-              <a:t>Quản lí môi trường</a:t>
-            </a:r>
-          </a:p>
-          <a:p>
-            <a:pPr marL="457200" indent="-457200">
-              <a:lnSpc>
-                <a:spcPct val="90000"/>
-              </a:lnSpc>
-              <a:spcBef>
-                <a:spcPts val="1400"/>
-              </a:spcBef>
-              <a:buFont typeface="Wingdings" panose="05000000000000000000" pitchFamily="2" charset="2"/>
-              <a:buChar char="Ø"/>
-            </a:pPr>
-            <a:r>
-              <a:rPr lang="en-US" sz="2400" dirty="0">
-                <a:latin typeface="Cambria" panose="02040503050406030204" pitchFamily="18" charset="0"/>
-              </a:rPr>
-              <a:t>Phản hồi trong các tinh huống khẩn cấp</a:t>
-            </a:r>
-          </a:p>
-          <a:p>
-            <a:pPr marL="457200" indent="-457200">
-              <a:lnSpc>
-                <a:spcPct val="90000"/>
-              </a:lnSpc>
-              <a:spcBef>
-                <a:spcPts val="1400"/>
-              </a:spcBef>
-              <a:buFont typeface="Wingdings" panose="05000000000000000000" pitchFamily="2" charset="2"/>
-              <a:buChar char="Ø"/>
-            </a:pPr>
-            <a:r>
-              <a:rPr lang="en-US" sz="2400" dirty="0">
-                <a:latin typeface="Cambria" panose="02040503050406030204" pitchFamily="18" charset="0"/>
-              </a:rPr>
-              <a:t>Mua sắm thông minh</a:t>
-            </a:r>
-          </a:p>
-          <a:p>
-            <a:pPr marL="457200" indent="-457200">
-              <a:lnSpc>
-                <a:spcPct val="90000"/>
-              </a:lnSpc>
-              <a:spcBef>
-                <a:spcPts val="1400"/>
-              </a:spcBef>
-              <a:buFont typeface="Wingdings" panose="05000000000000000000" pitchFamily="2" charset="2"/>
-              <a:buChar char="Ø"/>
-            </a:pPr>
-            <a:r>
-              <a:rPr lang="en-US" sz="2400" dirty="0">
-                <a:latin typeface="Cambria" panose="02040503050406030204" pitchFamily="18" charset="0"/>
-              </a:rPr>
-              <a:t>Quản lí các thiết bị cá nhân</a:t>
-            </a:r>
-          </a:p>
-          <a:p>
-            <a:pPr marL="457200" indent="-457200">
-              <a:lnSpc>
-                <a:spcPct val="90000"/>
-              </a:lnSpc>
-              <a:spcBef>
-                <a:spcPts val="1400"/>
-              </a:spcBef>
-              <a:buFont typeface="Wingdings" panose="05000000000000000000" pitchFamily="2" charset="2"/>
-              <a:buChar char="Ø"/>
-            </a:pPr>
-            <a:r>
-              <a:rPr lang="en-US" sz="2400" dirty="0">
-                <a:latin typeface="Cambria" panose="02040503050406030204" pitchFamily="18" charset="0"/>
-              </a:rPr>
-              <a:t>Đồng hồ đo thông minh</a:t>
-            </a:r>
-          </a:p>
-          <a:p>
-            <a:pPr marL="457200" indent="-457200">
-              <a:lnSpc>
-                <a:spcPct val="90000"/>
-              </a:lnSpc>
-              <a:spcBef>
-                <a:spcPts val="1400"/>
-              </a:spcBef>
-              <a:buFont typeface="Wingdings" panose="05000000000000000000" pitchFamily="2" charset="2"/>
-              <a:buChar char="Ø"/>
-            </a:pPr>
-            <a:r>
-              <a:rPr lang="en-US" sz="2400" dirty="0" smtClean="0">
-                <a:latin typeface="Cambria" panose="02040503050406030204" pitchFamily="18" charset="0"/>
-              </a:rPr>
-              <a:t>Tự động hóa ngôi nhà</a:t>
-            </a:r>
-            <a:r>
-              <a:rPr lang="en-US" sz="2000" dirty="0">
+              <a:rPr lang="en-US" sz="2800" dirty="0">
+                <a:latin typeface="Cambria" panose="02040503050406030204" pitchFamily="18" charset="0"/>
+              </a:rPr>
+              <a:t>Đối tượng mà công nghệ Zigbee nhắm đến là các giải pháp nhà thông </a:t>
+            </a:r>
+            <a:r>
+              <a:rPr lang="en-US" sz="2800" dirty="0">
+                <a:latin typeface="Cambria" panose="02040503050406030204" pitchFamily="18" charset="0"/>
+              </a:rPr>
+              <a:t>minh (SmartHome</a:t>
+            </a:r>
+            <a:r>
+              <a:rPr lang="en-US" sz="2800" dirty="0">
+                <a:latin typeface="Cambria" panose="02040503050406030204" pitchFamily="18" charset="0"/>
+              </a:rPr>
+              <a:t>) hay các hệ thống tự </a:t>
+            </a:r>
+            <a:r>
+              <a:rPr lang="en-US" sz="2800" dirty="0">
+                <a:latin typeface="Cambria" panose="02040503050406030204" pitchFamily="18" charset="0"/>
+              </a:rPr>
+              <a:t>động</a:t>
+            </a:r>
+            <a:r>
+              <a:rPr lang="en-US" sz="2800" dirty="0">
                 <a:latin typeface="Cambria" panose="02040503050406030204" pitchFamily="18" charset="0"/>
               </a:rPr>
               <a:t/>
             </a:r>
             <a:br>
-              <a:rPr lang="en-US" sz="2000" dirty="0">
+              <a:rPr lang="en-US" sz="2800" dirty="0">
                 <a:latin typeface="Cambria" panose="02040503050406030204" pitchFamily="18" charset="0"/>
               </a:rPr>
             </a:br>
             <a:r>
-              <a:rPr lang="en-US" sz="2800" i="1" dirty="0" smtClean="0">
+              <a:rPr lang="en-US" sz="2800" i="1" dirty="0">
+                <a:latin typeface="Cambria" panose="02040503050406030204" pitchFamily="18" charset="0"/>
+              </a:rPr>
+              <a:t>	</a:t>
+            </a:r>
+            <a:r>
+              <a:rPr lang="en-US" sz="2400" i="1" dirty="0">
                 <a:latin typeface="Cambria" panose="02040503050406030204" pitchFamily="18" charset="0"/>
               </a:rPr>
               <a:t/>
             </a:r>
             <a:br>
-              <a:rPr lang="en-US" sz="2800" i="1" dirty="0" smtClean="0">
+              <a:rPr lang="en-US" sz="2400" i="1" dirty="0">
                 <a:latin typeface="Cambria" panose="02040503050406030204" pitchFamily="18" charset="0"/>
               </a:rPr>
             </a:br>
-            <a:endParaRPr lang="en-US" sz="2800" i="1" dirty="0" smtClean="0">
+            <a:r>
+              <a:rPr lang="en-US" sz="2800" i="1" dirty="0">
+                <a:latin typeface="Cambria" panose="02040503050406030204" pitchFamily="18" charset="0"/>
+              </a:rPr>
+              <a:t/>
+            </a:r>
+            <a:br>
+              <a:rPr lang="en-US" sz="2800" i="1" dirty="0">
+                <a:latin typeface="Cambria" panose="02040503050406030204" pitchFamily="18" charset="0"/>
+              </a:rPr>
+            </a:br>
+            <a:endParaRPr lang="en-US" sz="2800" i="1" dirty="0">
               <a:latin typeface="Cambria" panose="02040503050406030204" pitchFamily="18" charset="0"/>
             </a:endParaRPr>
           </a:p>
           <a:p>
-            <a:pPr marL="457200" lvl="0" indent="-457200">
+            <a:pPr marL="457200" indent="-457200">
               <a:lnSpc>
                 <a:spcPct val="90000"/>
               </a:lnSpc>
@@ -12193,10 +12081,43 @@
           </a:p>
         </p:txBody>
       </p:sp>
+      <p:pic>
+        <p:nvPicPr>
+          <p:cNvPr id="13" name="Picture 12" descr="Khái quát về mạng không dây 10"/>
+          <p:cNvPicPr/>
+          <p:nvPr/>
+        </p:nvPicPr>
+        <p:blipFill>
+          <a:blip r:embed="rId3">
+            <a:extLst>
+              <a:ext uri="{28A0092B-C50C-407E-A947-70E740481C1C}">
+                <a14:useLocalDpi xmlns:a14="http://schemas.microsoft.com/office/drawing/2010/main" val="0"/>
+              </a:ext>
+            </a:extLst>
+          </a:blip>
+          <a:srcRect/>
+          <a:stretch>
+            <a:fillRect/>
+          </a:stretch>
+        </p:blipFill>
+        <p:spPr bwMode="auto">
+          <a:xfrm>
+            <a:off x="5753402" y="1601726"/>
+            <a:ext cx="5898746" cy="4722874"/>
+          </a:xfrm>
+          <a:prstGeom prst="rect">
+            <a:avLst/>
+          </a:prstGeom>
+          <a:noFill/>
+          <a:ln>
+            <a:noFill/>
+          </a:ln>
+        </p:spPr>
+      </p:pic>
     </p:spTree>
     <p:extLst>
       <p:ext uri="{BB962C8B-B14F-4D97-AF65-F5344CB8AC3E}">
-        <p14:creationId xmlns:p14="http://schemas.microsoft.com/office/powerpoint/2010/main" val="2963382982"/>
+        <p14:creationId xmlns:p14="http://schemas.microsoft.com/office/powerpoint/2010/main" val="3931087937"/>
       </p:ext>
     </p:extLst>
   </p:cSld>
@@ -12254,7 +12175,7 @@
         </p:nvSpPr>
         <p:spPr>
           <a:xfrm>
-            <a:off x="1593436" y="139164"/>
+            <a:off x="1593440" y="139168"/>
             <a:ext cx="9782801" cy="1239837"/>
           </a:xfrm>
         </p:spPr>
@@ -12278,8 +12199,8 @@
         </p:nvSpPr>
         <p:spPr>
           <a:xfrm>
-            <a:off x="4305449" y="304800"/>
-            <a:ext cx="3786614" cy="830997"/>
+            <a:off x="3997673" y="304804"/>
+            <a:ext cx="4402167" cy="830997"/>
           </a:xfrm>
           <a:prstGeom prst="rect">
             <a:avLst/>
@@ -12300,7 +12221,7 @@
               </a:buClr>
             </a:pPr>
             <a:r>
-              <a:rPr lang="en-US" sz="4800" dirty="0" smtClean="0">
+              <a:rPr lang="en-US" sz="4800" dirty="0">
                 <a:solidFill>
                   <a:schemeClr val="tx1">
                     <a:lumMod val="65000"/>
@@ -12311,19 +12232,8 @@
                 <a:ea typeface="Cambria Math" panose="02040503050406030204" pitchFamily="18" charset="0"/>
                 <a:cs typeface="Times New Roman" panose="02020603050405020304" pitchFamily="18" charset="0"/>
               </a:rPr>
-              <a:t>SMARTHOME</a:t>
-            </a:r>
-            <a:endParaRPr lang="en-US" sz="4800" dirty="0">
-              <a:solidFill>
-                <a:schemeClr val="tx1">
-                  <a:lumMod val="65000"/>
-                  <a:lumOff val="35000"/>
-                </a:schemeClr>
-              </a:solidFill>
-              <a:latin typeface="Cambria Math" panose="02040503050406030204" pitchFamily="18" charset="0"/>
-              <a:ea typeface="Cambria Math" panose="02040503050406030204" pitchFamily="18" charset="0"/>
-              <a:cs typeface="Times New Roman" panose="02020603050405020304" pitchFamily="18" charset="0"/>
-            </a:endParaRPr>
+              <a:t>GIỚI THIỆU IOT</a:t>
+            </a:r>
           </a:p>
         </p:txBody>
       </p:sp>
@@ -12335,8 +12245,8 @@
         </p:nvSpPr>
         <p:spPr>
           <a:xfrm>
-            <a:off x="1416373" y="1817422"/>
-            <a:ext cx="3026791" cy="523220"/>
+            <a:off x="1406222" y="1474190"/>
+            <a:ext cx="2422010" cy="523220"/>
           </a:xfrm>
           <a:prstGeom prst="rect">
             <a:avLst/>
@@ -12349,10 +12259,10 @@
           <a:lstStyle/>
           <a:p>
             <a:r>
-              <a:rPr lang="en-US" sz="2800" b="1" dirty="0" smtClean="0">
-                <a:latin typeface="Cambria" panose="02040503050406030204" pitchFamily="18" charset="0"/>
-              </a:rPr>
-              <a:t>Smarthome là gì?</a:t>
+              <a:rPr lang="en-US" sz="2800" b="1" dirty="0">
+                <a:latin typeface="Cambria" panose="02040503050406030204" pitchFamily="18" charset="0"/>
+              </a:rPr>
+              <a:t>Ứng dụng IoT</a:t>
             </a:r>
             <a:endParaRPr lang="en-US" sz="2800" dirty="0">
               <a:latin typeface="Cambria" panose="02040503050406030204" pitchFamily="18" charset="0"/>
@@ -12431,7 +12341,7 @@
           <a:p>
             <a:pPr algn="ctr"/>
             <a:r>
-              <a:rPr lang="en-US" dirty="0" smtClean="0"/>
+              <a:rPr lang="en-US" dirty="0"/>
               <a:t>12</a:t>
             </a:r>
             <a:endParaRPr lang="en-US" dirty="0"/>
@@ -12446,8 +12356,8 @@
         </p:nvSpPr>
         <p:spPr>
           <a:xfrm>
-            <a:off x="1406222" y="2514600"/>
-            <a:ext cx="4078590" cy="5492786"/>
+            <a:off x="1406221" y="2092599"/>
+            <a:ext cx="9335865" cy="5351209"/>
           </a:xfrm>
           <a:prstGeom prst="rect">
             <a:avLst/>
@@ -12459,7 +12369,7 @@
           </a:bodyPr>
           <a:lstStyle/>
           <a:p>
-            <a:pPr marL="457200" lvl="0" indent="-457200">
+            <a:pPr marL="457200" indent="-457200">
               <a:lnSpc>
                 <a:spcPct val="90000"/>
               </a:lnSpc>
@@ -12470,14 +12380,14 @@
               <a:buChar char="Ø"/>
             </a:pPr>
             <a:r>
-              <a:rPr lang="en-US" sz="2800" dirty="0" smtClean="0">
-                <a:latin typeface="Cambria" panose="02040503050406030204" pitchFamily="18" charset="0"/>
-              </a:rPr>
-              <a:t>Là ngôi nhà được trang bị các thiết bị điện thông minh</a:t>
-            </a:r>
-          </a:p>
-          <a:p>
-            <a:pPr marL="457200" lvl="0" indent="-457200">
+              <a:rPr lang="en-US" sz="2400" dirty="0">
+                <a:latin typeface="Cambria" panose="02040503050406030204" pitchFamily="18" charset="0"/>
+              </a:rPr>
+              <a:t>Quản lí chất thải</a:t>
+            </a:r>
+          </a:p>
+          <a:p>
+            <a:pPr marL="457200" indent="-457200">
               <a:lnSpc>
                 <a:spcPct val="90000"/>
               </a:lnSpc>
@@ -12488,50 +12398,153 @@
               <a:buChar char="Ø"/>
             </a:pPr>
             <a:r>
-              <a:rPr lang="en-US" sz="2800" dirty="0" smtClean="0">
-                <a:latin typeface="Cambria" panose="02040503050406030204" pitchFamily="18" charset="0"/>
-              </a:rPr>
-              <a:t>Ngôi nhà được coi là thông minh khi máy tính/smartphone có thể theo dõi và điều khiển rất nhiều khía cạnh</a:t>
+              <a:rPr lang="en-US" sz="2400" dirty="0">
+                <a:latin typeface="Cambria" panose="02040503050406030204" pitchFamily="18" charset="0"/>
+              </a:rPr>
+              <a:t>Quản lí và lập kế hoạch quản lí đô </a:t>
+            </a:r>
+            <a:r>
+              <a:rPr lang="en-US" sz="2400" dirty="0">
+                <a:latin typeface="Cambria" panose="02040503050406030204" pitchFamily="18" charset="0"/>
+              </a:rPr>
+              <a:t>thị</a:t>
+            </a:r>
+          </a:p>
+          <a:p>
+            <a:pPr marL="457200" indent="-457200">
+              <a:lnSpc>
+                <a:spcPct val="90000"/>
+              </a:lnSpc>
+              <a:spcBef>
+                <a:spcPts val="1400"/>
+              </a:spcBef>
+              <a:buFont typeface="Wingdings" panose="05000000000000000000" pitchFamily="2" charset="2"/>
+              <a:buChar char="Ø"/>
+            </a:pPr>
+            <a:r>
+              <a:rPr lang="en-US" sz="2400" dirty="0">
+                <a:latin typeface="Cambria" panose="02040503050406030204" pitchFamily="18" charset="0"/>
+              </a:rPr>
+              <a:t>Quản lí môi trường</a:t>
+            </a:r>
+          </a:p>
+          <a:p>
+            <a:pPr marL="457200" indent="-457200">
+              <a:lnSpc>
+                <a:spcPct val="90000"/>
+              </a:lnSpc>
+              <a:spcBef>
+                <a:spcPts val="1400"/>
+              </a:spcBef>
+              <a:buFont typeface="Wingdings" panose="05000000000000000000" pitchFamily="2" charset="2"/>
+              <a:buChar char="Ø"/>
+            </a:pPr>
+            <a:r>
+              <a:rPr lang="en-US" sz="2400" dirty="0">
+                <a:latin typeface="Cambria" panose="02040503050406030204" pitchFamily="18" charset="0"/>
+              </a:rPr>
+              <a:t>Phản hồi trong các tinh huống khẩn cấp</a:t>
+            </a:r>
+          </a:p>
+          <a:p>
+            <a:pPr marL="457200" indent="-457200">
+              <a:lnSpc>
+                <a:spcPct val="90000"/>
+              </a:lnSpc>
+              <a:spcBef>
+                <a:spcPts val="1400"/>
+              </a:spcBef>
+              <a:buFont typeface="Wingdings" panose="05000000000000000000" pitchFamily="2" charset="2"/>
+              <a:buChar char="Ø"/>
+            </a:pPr>
+            <a:r>
+              <a:rPr lang="en-US" sz="2400" dirty="0">
+                <a:latin typeface="Cambria" panose="02040503050406030204" pitchFamily="18" charset="0"/>
+              </a:rPr>
+              <a:t>Mua sắm thông minh</a:t>
+            </a:r>
+          </a:p>
+          <a:p>
+            <a:pPr marL="457200" indent="-457200">
+              <a:lnSpc>
+                <a:spcPct val="90000"/>
+              </a:lnSpc>
+              <a:spcBef>
+                <a:spcPts val="1400"/>
+              </a:spcBef>
+              <a:buFont typeface="Wingdings" panose="05000000000000000000" pitchFamily="2" charset="2"/>
+              <a:buChar char="Ø"/>
+            </a:pPr>
+            <a:r>
+              <a:rPr lang="en-US" sz="2400" dirty="0">
+                <a:latin typeface="Cambria" panose="02040503050406030204" pitchFamily="18" charset="0"/>
+              </a:rPr>
+              <a:t>Quản lí các thiết bị cá nhân</a:t>
+            </a:r>
+          </a:p>
+          <a:p>
+            <a:pPr marL="457200" indent="-457200">
+              <a:lnSpc>
+                <a:spcPct val="90000"/>
+              </a:lnSpc>
+              <a:spcBef>
+                <a:spcPts val="1400"/>
+              </a:spcBef>
+              <a:buFont typeface="Wingdings" panose="05000000000000000000" pitchFamily="2" charset="2"/>
+              <a:buChar char="Ø"/>
+            </a:pPr>
+            <a:r>
+              <a:rPr lang="en-US" sz="2400" dirty="0">
+                <a:latin typeface="Cambria" panose="02040503050406030204" pitchFamily="18" charset="0"/>
+              </a:rPr>
+              <a:t>Đồng hồ đo thông minh</a:t>
+            </a:r>
+          </a:p>
+          <a:p>
+            <a:pPr marL="457200" indent="-457200">
+              <a:lnSpc>
+                <a:spcPct val="90000"/>
+              </a:lnSpc>
+              <a:spcBef>
+                <a:spcPts val="1400"/>
+              </a:spcBef>
+              <a:buFont typeface="Wingdings" panose="05000000000000000000" pitchFamily="2" charset="2"/>
+              <a:buChar char="Ø"/>
+            </a:pPr>
+            <a:r>
+              <a:rPr lang="en-US" sz="2400" dirty="0">
+                <a:latin typeface="Cambria" panose="02040503050406030204" pitchFamily="18" charset="0"/>
+              </a:rPr>
+              <a:t>Tự động hóa ngôi nhà</a:t>
+            </a:r>
+            <a:r>
+              <a:rPr lang="en-US" sz="2000" dirty="0">
+                <a:latin typeface="Cambria" panose="02040503050406030204" pitchFamily="18" charset="0"/>
+              </a:rPr>
+              <a:t/>
             </a:r>
             <a:br>
-              <a:rPr lang="en-US" sz="2800" dirty="0" smtClean="0">
+              <a:rPr lang="en-US" sz="2000" dirty="0">
                 <a:latin typeface="Cambria" panose="02040503050406030204" pitchFamily="18" charset="0"/>
               </a:rPr>
             </a:br>
             <a:r>
-              <a:rPr lang="en-US" sz="2800" i="1" dirty="0" smtClean="0">
-                <a:latin typeface="Cambria" panose="02040503050406030204" pitchFamily="18" charset="0"/>
-              </a:rPr>
-              <a:t>	</a:t>
-            </a:r>
-            <a:r>
-              <a:rPr lang="en-US" sz="2400" i="1" dirty="0" smtClean="0">
+              <a:rPr lang="en-US" sz="2800" i="1" dirty="0">
                 <a:latin typeface="Cambria" panose="02040503050406030204" pitchFamily="18" charset="0"/>
               </a:rPr>
               <a:t/>
             </a:r>
             <a:br>
-              <a:rPr lang="en-US" sz="2400" i="1" dirty="0" smtClean="0">
+              <a:rPr lang="en-US" sz="2800" i="1" dirty="0">
                 <a:latin typeface="Cambria" panose="02040503050406030204" pitchFamily="18" charset="0"/>
               </a:rPr>
             </a:br>
-            <a:r>
-              <a:rPr lang="en-US" sz="2800" i="1" dirty="0" smtClean="0">
-                <a:latin typeface="Cambria" panose="02040503050406030204" pitchFamily="18" charset="0"/>
-              </a:rPr>
-              <a:t/>
-            </a:r>
-            <a:br>
-              <a:rPr lang="en-US" sz="2800" i="1" dirty="0" smtClean="0">
-                <a:latin typeface="Cambria" panose="02040503050406030204" pitchFamily="18" charset="0"/>
-              </a:rPr>
-            </a:br>
-            <a:endParaRPr lang="en-US" sz="2800" i="1" dirty="0" smtClean="0">
+            <a:endParaRPr lang="en-US" sz="2800" i="1" dirty="0">
               <a:latin typeface="Cambria" panose="02040503050406030204" pitchFamily="18" charset="0"/>
             </a:endParaRPr>
           </a:p>
           <a:p>
-            <a:pPr marL="457200" lvl="0" indent="-457200">
+            <a:pPr marL="457200" indent="-457200">
               <a:lnSpc>
                 <a:spcPct val="90000"/>
               </a:lnSpc>
@@ -12547,45 +12560,10 @@
           </a:p>
         </p:txBody>
       </p:sp>
-      <p:pic>
-        <p:nvPicPr>
-          <p:cNvPr id="13" name="Picture 12" descr="http://vnreview.vn/image/88/42/884249.jpg?t=1387958935496">
-            <a:hlinkClick r:id="rId3" tgtFrame="&quot;_blank&quot;"/>
-          </p:cNvPr>
-          <p:cNvPicPr/>
-          <p:nvPr/>
-        </p:nvPicPr>
-        <p:blipFill>
-          <a:blip r:embed="rId4">
-            <a:extLst>
-              <a:ext uri="{28A0092B-C50C-407E-A947-70E740481C1C}">
-                <a14:useLocalDpi xmlns:a14="http://schemas.microsoft.com/office/drawing/2010/main" val="0"/>
-              </a:ext>
-            </a:extLst>
-          </a:blip>
-          <a:srcRect/>
-          <a:stretch>
-            <a:fillRect/>
-          </a:stretch>
-        </p:blipFill>
-        <p:spPr bwMode="auto">
-          <a:xfrm>
-            <a:off x="6068748" y="1436089"/>
-            <a:ext cx="5700395" cy="4888511"/>
-          </a:xfrm>
-          <a:prstGeom prst="rect">
-            <a:avLst/>
-          </a:prstGeom>
-          <a:noFill/>
-          <a:ln>
-            <a:noFill/>
-          </a:ln>
-        </p:spPr>
-      </p:pic>
     </p:spTree>
     <p:extLst>
       <p:ext uri="{BB962C8B-B14F-4D97-AF65-F5344CB8AC3E}">
-        <p14:creationId xmlns:p14="http://schemas.microsoft.com/office/powerpoint/2010/main" val="1639581388"/>
+        <p14:creationId xmlns:p14="http://schemas.microsoft.com/office/powerpoint/2010/main" val="2963382982"/>
       </p:ext>
     </p:extLst>
   </p:cSld>
@@ -12643,7 +12621,7 @@
         </p:nvSpPr>
         <p:spPr>
           <a:xfrm>
-            <a:off x="1593436" y="139164"/>
+            <a:off x="1593440" y="139168"/>
             <a:ext cx="9782801" cy="1239837"/>
           </a:xfrm>
         </p:spPr>
@@ -12667,8 +12645,8 @@
         </p:nvSpPr>
         <p:spPr>
           <a:xfrm>
-            <a:off x="4272586" y="304800"/>
-            <a:ext cx="3852338" cy="830997"/>
+            <a:off x="4305449" y="304804"/>
+            <a:ext cx="3786614" cy="830997"/>
           </a:xfrm>
           <a:prstGeom prst="rect">
             <a:avLst/>
@@ -12702,6 +12680,17 @@
               </a:rPr>
               <a:t>SMARTHOME</a:t>
             </a:r>
+            <a:endParaRPr lang="en-US" sz="4800" dirty="0">
+              <a:solidFill>
+                <a:schemeClr val="tx1">
+                  <a:lumMod val="65000"/>
+                  <a:lumOff val="35000"/>
+                </a:schemeClr>
+              </a:solidFill>
+              <a:latin typeface="Cambria Math" panose="02040503050406030204" pitchFamily="18" charset="0"/>
+              <a:ea typeface="Cambria Math" panose="02040503050406030204" pitchFamily="18" charset="0"/>
+              <a:cs typeface="Times New Roman" panose="02020603050405020304" pitchFamily="18" charset="0"/>
+            </a:endParaRPr>
           </a:p>
         </p:txBody>
       </p:sp>
@@ -12713,8 +12702,8 @@
         </p:nvSpPr>
         <p:spPr>
           <a:xfrm>
-            <a:off x="1406222" y="1474190"/>
-            <a:ext cx="5170005" cy="523220"/>
+            <a:off x="1416373" y="1817422"/>
+            <a:ext cx="3026791" cy="523220"/>
           </a:xfrm>
           <a:prstGeom prst="rect">
             <a:avLst/>
@@ -12727,10 +12716,10 @@
           <a:lstStyle/>
           <a:p>
             <a:r>
-              <a:rPr lang="en-US" sz="2800" b="1" dirty="0" smtClean="0">
-                <a:latin typeface="Cambria" panose="02040503050406030204" pitchFamily="18" charset="0"/>
-              </a:rPr>
-              <a:t>Mô hình Smarthome bao gồm?</a:t>
+              <a:rPr lang="en-US" sz="2800" b="1" dirty="0">
+                <a:latin typeface="Cambria" panose="02040503050406030204" pitchFamily="18" charset="0"/>
+              </a:rPr>
+              <a:t>Smarthome là gì?</a:t>
             </a:r>
             <a:endParaRPr lang="en-US" sz="2800" dirty="0">
               <a:latin typeface="Cambria" panose="02040503050406030204" pitchFamily="18" charset="0"/>
@@ -12809,7 +12798,7 @@
           <a:p>
             <a:pPr algn="ctr"/>
             <a:r>
-              <a:rPr lang="en-US" dirty="0" smtClean="0"/>
+              <a:rPr lang="en-US" dirty="0"/>
               <a:t>13</a:t>
             </a:r>
             <a:endParaRPr lang="en-US" dirty="0"/>
@@ -12824,8 +12813,8 @@
         </p:nvSpPr>
         <p:spPr>
           <a:xfrm>
-            <a:off x="1406221" y="2092599"/>
-            <a:ext cx="9335865" cy="4300665"/>
+            <a:off x="1406222" y="2514600"/>
+            <a:ext cx="4078590" cy="5492786"/>
           </a:xfrm>
           <a:prstGeom prst="rect">
             <a:avLst/>
@@ -12848,14 +12837,11 @@
               <a:buChar char="Ø"/>
             </a:pPr>
             <a:r>
-              <a:rPr lang="en-US" sz="2400" dirty="0" smtClean="0">
-                <a:latin typeface="Cambria" panose="02040503050406030204" pitchFamily="18" charset="0"/>
-              </a:rPr>
-              <a:t>Các công tắc cảm ứng điều khiển hệ thống điện gia dụng</a:t>
-            </a:r>
-            <a:endParaRPr lang="en-US" sz="2400" dirty="0">
-              <a:latin typeface="Cambria" panose="02040503050406030204" pitchFamily="18" charset="0"/>
-            </a:endParaRPr>
+              <a:rPr lang="en-US" sz="2800" dirty="0">
+                <a:latin typeface="Cambria" panose="02040503050406030204" pitchFamily="18" charset="0"/>
+              </a:rPr>
+              <a:t>Là ngôi nhà được trang bị các thiết bị điện thông minh</a:t>
+            </a:r>
           </a:p>
           <a:p>
             <a:pPr marL="457200" indent="-457200">
@@ -12869,78 +12855,50 @@
               <a:buChar char="Ø"/>
             </a:pPr>
             <a:r>
-              <a:rPr lang="en-US" sz="2400" dirty="0" smtClean="0">
-                <a:latin typeface="Cambria" panose="02040503050406030204" pitchFamily="18" charset="0"/>
-              </a:rPr>
-              <a:t>Các bộ cảm biến, bộ điều khiển trung tâm hoặc máy chủ (Theo dõi các trạng thái bên trong ngôi nhà để đưa ra quyết định điều khiển thiết bị một cách phù hợp)</a:t>
-            </a:r>
-          </a:p>
-          <a:p>
-            <a:pPr marL="457200" indent="-457200">
-              <a:lnSpc>
-                <a:spcPct val="90000"/>
-              </a:lnSpc>
-              <a:spcBef>
-                <a:spcPts val="1400"/>
-              </a:spcBef>
-              <a:buFont typeface="Wingdings" panose="05000000000000000000" pitchFamily="2" charset="2"/>
-              <a:buChar char="Ø"/>
-            </a:pPr>
-            <a:r>
-              <a:rPr lang="en-US" sz="2400" dirty="0" smtClean="0">
-                <a:latin typeface="Cambria" panose="02040503050406030204" pitchFamily="18" charset="0"/>
-              </a:rPr>
-              <a:t>Đường truyền Internet</a:t>
-            </a:r>
-            <a:endParaRPr lang="en-US" sz="2400" dirty="0">
+              <a:rPr lang="en-US" sz="2800" dirty="0">
+                <a:latin typeface="Cambria" panose="02040503050406030204" pitchFamily="18" charset="0"/>
+              </a:rPr>
+              <a:t>Ngôi nhà được coi là thông minh khi máy tính/smartphone có thể theo dõi và điều khiển rất nhiều khía cạnh</a:t>
+            </a:r>
+            <a:br>
+              <a:rPr lang="en-US" sz="2800" dirty="0">
+                <a:latin typeface="Cambria" panose="02040503050406030204" pitchFamily="18" charset="0"/>
+              </a:rPr>
+            </a:br>
+            <a:r>
+              <a:rPr lang="en-US" sz="2800" i="1" dirty="0">
+                <a:latin typeface="Cambria" panose="02040503050406030204" pitchFamily="18" charset="0"/>
+              </a:rPr>
+              <a:t>	</a:t>
+            </a:r>
+            <a:r>
+              <a:rPr lang="en-US" sz="2400" i="1" dirty="0">
+                <a:latin typeface="Cambria" panose="02040503050406030204" pitchFamily="18" charset="0"/>
+              </a:rPr>
+              <a:t/>
+            </a:r>
+            <a:br>
+              <a:rPr lang="en-US" sz="2400" i="1" dirty="0">
+                <a:latin typeface="Cambria" panose="02040503050406030204" pitchFamily="18" charset="0"/>
+              </a:rPr>
+            </a:br>
+            <a:r>
+              <a:rPr lang="en-US" sz="2800" i="1" dirty="0">
+                <a:latin typeface="Cambria" panose="02040503050406030204" pitchFamily="18" charset="0"/>
+              </a:rPr>
+              <a:t/>
+            </a:r>
+            <a:br>
+              <a:rPr lang="en-US" sz="2800" i="1" dirty="0">
+                <a:latin typeface="Cambria" panose="02040503050406030204" pitchFamily="18" charset="0"/>
+              </a:rPr>
+            </a:br>
+            <a:endParaRPr lang="en-US" sz="2800" i="1" dirty="0">
               <a:latin typeface="Cambria" panose="02040503050406030204" pitchFamily="18" charset="0"/>
             </a:endParaRPr>
           </a:p>
           <a:p>
             <a:pPr marL="457200" indent="-457200">
-              <a:lnSpc>
-                <a:spcPct val="90000"/>
-              </a:lnSpc>
-              <a:spcBef>
-                <a:spcPts val="1400"/>
-              </a:spcBef>
-              <a:buFont typeface="Wingdings" panose="05000000000000000000" pitchFamily="2" charset="2"/>
-              <a:buChar char="Ø"/>
-            </a:pPr>
-            <a:r>
-              <a:rPr lang="en-US" sz="2400" dirty="0" smtClean="0">
-                <a:latin typeface="Cambria" panose="02040503050406030204" pitchFamily="18" charset="0"/>
-              </a:rPr>
-              <a:t>Thiết bị di động thông minh và các thiết bị chấp hành khác (Điều khiển ngôi nhà thông minh từ bất kì đâu)</a:t>
-            </a:r>
-            <a:r>
-              <a:rPr lang="en-US" sz="2000" dirty="0">
-                <a:latin typeface="Cambria" panose="02040503050406030204" pitchFamily="18" charset="0"/>
-              </a:rPr>
-              <a:t/>
-            </a:r>
-            <a:br>
-              <a:rPr lang="en-US" sz="2000" dirty="0">
-                <a:latin typeface="Cambria" panose="02040503050406030204" pitchFamily="18" charset="0"/>
-              </a:rPr>
-            </a:br>
-            <a:r>
-              <a:rPr lang="en-US" sz="2800" i="1" dirty="0" smtClean="0">
-                <a:latin typeface="Cambria" panose="02040503050406030204" pitchFamily="18" charset="0"/>
-              </a:rPr>
-              <a:t/>
-            </a:r>
-            <a:br>
-              <a:rPr lang="en-US" sz="2800" i="1" dirty="0" smtClean="0">
-                <a:latin typeface="Cambria" panose="02040503050406030204" pitchFamily="18" charset="0"/>
-              </a:rPr>
-            </a:br>
-            <a:endParaRPr lang="en-US" sz="2800" i="1" dirty="0" smtClean="0">
-              <a:latin typeface="Cambria" panose="02040503050406030204" pitchFamily="18" charset="0"/>
-            </a:endParaRPr>
-          </a:p>
-          <a:p>
-            <a:pPr marL="457200" lvl="0" indent="-457200">
               <a:lnSpc>
                 <a:spcPct val="90000"/>
               </a:lnSpc>
@@ -12956,10 +12914,45 @@
           </a:p>
         </p:txBody>
       </p:sp>
+      <p:pic>
+        <p:nvPicPr>
+          <p:cNvPr id="13" name="Picture 12" descr="http://vnreview.vn/image/88/42/884249.jpg?t=1387958935496">
+            <a:hlinkClick r:id="rId3" tgtFrame="&quot;_blank&quot;"/>
+          </p:cNvPr>
+          <p:cNvPicPr/>
+          <p:nvPr/>
+        </p:nvPicPr>
+        <p:blipFill>
+          <a:blip r:embed="rId4">
+            <a:extLst>
+              <a:ext uri="{28A0092B-C50C-407E-A947-70E740481C1C}">
+                <a14:useLocalDpi xmlns:a14="http://schemas.microsoft.com/office/drawing/2010/main" val="0"/>
+              </a:ext>
+            </a:extLst>
+          </a:blip>
+          <a:srcRect/>
+          <a:stretch>
+            <a:fillRect/>
+          </a:stretch>
+        </p:blipFill>
+        <p:spPr bwMode="auto">
+          <a:xfrm>
+            <a:off x="6068752" y="1436093"/>
+            <a:ext cx="5700395" cy="4888511"/>
+          </a:xfrm>
+          <a:prstGeom prst="rect">
+            <a:avLst/>
+          </a:prstGeom>
+          <a:noFill/>
+          <a:ln>
+            <a:noFill/>
+          </a:ln>
+        </p:spPr>
+      </p:pic>
     </p:spTree>
     <p:extLst>
       <p:ext uri="{BB962C8B-B14F-4D97-AF65-F5344CB8AC3E}">
-        <p14:creationId xmlns:p14="http://schemas.microsoft.com/office/powerpoint/2010/main" val="964730327"/>
+        <p14:creationId xmlns:p14="http://schemas.microsoft.com/office/powerpoint/2010/main" val="1639581388"/>
       </p:ext>
     </p:extLst>
   </p:cSld>
@@ -13017,7 +13010,7 @@
         </p:nvSpPr>
         <p:spPr>
           <a:xfrm>
-            <a:off x="1593436" y="139164"/>
+            <a:off x="1593440" y="139168"/>
             <a:ext cx="9782801" cy="1239837"/>
           </a:xfrm>
         </p:spPr>
@@ -13041,8 +13034,8 @@
         </p:nvSpPr>
         <p:spPr>
           <a:xfrm>
-            <a:off x="3011032" y="304800"/>
-            <a:ext cx="6375463" cy="830997"/>
+            <a:off x="4272586" y="304804"/>
+            <a:ext cx="3852338" cy="830997"/>
           </a:xfrm>
           <a:prstGeom prst="rect">
             <a:avLst/>
@@ -13063,7 +13056,7 @@
               </a:buClr>
             </a:pPr>
             <a:r>
-              <a:rPr lang="en-US" sz="4800" dirty="0" smtClean="0">
+              <a:rPr lang="en-US" sz="4800" dirty="0">
                 <a:solidFill>
                   <a:schemeClr val="tx1">
                     <a:lumMod val="65000"/>
@@ -13074,19 +13067,8 @@
                 <a:ea typeface="Cambria Math" panose="02040503050406030204" pitchFamily="18" charset="0"/>
                 <a:cs typeface="Times New Roman" panose="02020603050405020304" pitchFamily="18" charset="0"/>
               </a:rPr>
-              <a:t>GIẢI PHÁP TRIỂN KHAI</a:t>
-            </a:r>
-            <a:endParaRPr lang="en-US" sz="4800" dirty="0">
-              <a:solidFill>
-                <a:schemeClr val="tx1">
-                  <a:lumMod val="65000"/>
-                  <a:lumOff val="35000"/>
-                </a:schemeClr>
-              </a:solidFill>
-              <a:latin typeface="Cambria Math" panose="02040503050406030204" pitchFamily="18" charset="0"/>
-              <a:ea typeface="Cambria Math" panose="02040503050406030204" pitchFamily="18" charset="0"/>
-              <a:cs typeface="Times New Roman" panose="02020603050405020304" pitchFamily="18" charset="0"/>
-            </a:endParaRPr>
+              <a:t>SMARTHOME</a:t>
+            </a:r>
           </a:p>
         </p:txBody>
       </p:sp>
@@ -13099,7 +13081,7 @@
         <p:spPr>
           <a:xfrm>
             <a:off x="1406222" y="1474190"/>
-            <a:ext cx="3236784" cy="523220"/>
+            <a:ext cx="5170005" cy="523220"/>
           </a:xfrm>
           <a:prstGeom prst="rect">
             <a:avLst/>
@@ -13112,10 +13094,10 @@
           <a:lstStyle/>
           <a:p>
             <a:r>
-              <a:rPr lang="en-US" sz="2800" b="1" dirty="0" smtClean="0">
-                <a:latin typeface="Cambria" panose="02040503050406030204" pitchFamily="18" charset="0"/>
-              </a:rPr>
-              <a:t>Mô hình triển khai</a:t>
+              <a:rPr lang="en-US" sz="2800" b="1" dirty="0">
+                <a:latin typeface="Cambria" panose="02040503050406030204" pitchFamily="18" charset="0"/>
+              </a:rPr>
+              <a:t>Mô hình Smarthome bao gồm?</a:t>
             </a:r>
             <a:endParaRPr lang="en-US" sz="2800" dirty="0">
               <a:latin typeface="Cambria" panose="02040503050406030204" pitchFamily="18" charset="0"/>
@@ -13194,7 +13176,7 @@
           <a:p>
             <a:pPr algn="ctr"/>
             <a:r>
-              <a:rPr lang="en-US" dirty="0" smtClean="0"/>
+              <a:rPr lang="en-US" dirty="0"/>
               <a:t>14</a:t>
             </a:r>
             <a:endParaRPr lang="en-US" dirty="0"/>
@@ -13210,7 +13192,7 @@
         <p:spPr>
           <a:xfrm>
             <a:off x="1406221" y="2092599"/>
-            <a:ext cx="9335865" cy="1712264"/>
+            <a:ext cx="9335865" cy="4300665"/>
           </a:xfrm>
           <a:prstGeom prst="rect">
             <a:avLst/>
@@ -13222,14 +13204,82 @@
           </a:bodyPr>
           <a:lstStyle/>
           <a:p>
-            <a:pPr>
+            <a:pPr marL="457200" indent="-457200">
               <a:lnSpc>
                 <a:spcPct val="90000"/>
               </a:lnSpc>
               <a:spcBef>
                 <a:spcPts val="1400"/>
               </a:spcBef>
+              <a:buFont typeface="Wingdings" panose="05000000000000000000" pitchFamily="2" charset="2"/>
+              <a:buChar char="Ø"/>
             </a:pPr>
+            <a:r>
+              <a:rPr lang="en-US" sz="2400" dirty="0">
+                <a:latin typeface="Cambria" panose="02040503050406030204" pitchFamily="18" charset="0"/>
+              </a:rPr>
+              <a:t>Các công tắc cảm ứng điều khiển hệ thống điện gia dụng</a:t>
+            </a:r>
+            <a:endParaRPr lang="en-US" sz="2400" dirty="0">
+              <a:latin typeface="Cambria" panose="02040503050406030204" pitchFamily="18" charset="0"/>
+            </a:endParaRPr>
+          </a:p>
+          <a:p>
+            <a:pPr marL="457200" indent="-457200">
+              <a:lnSpc>
+                <a:spcPct val="90000"/>
+              </a:lnSpc>
+              <a:spcBef>
+                <a:spcPts val="1400"/>
+              </a:spcBef>
+              <a:buFont typeface="Wingdings" panose="05000000000000000000" pitchFamily="2" charset="2"/>
+              <a:buChar char="Ø"/>
+            </a:pPr>
+            <a:r>
+              <a:rPr lang="en-US" sz="2400" dirty="0">
+                <a:latin typeface="Cambria" panose="02040503050406030204" pitchFamily="18" charset="0"/>
+              </a:rPr>
+              <a:t>Các bộ cảm biến, bộ điều khiển trung tâm hoặc máy chủ (Theo dõi các trạng thái bên trong ngôi nhà để đưa ra quyết định điều khiển thiết bị một cách phù hợp)</a:t>
+            </a:r>
+          </a:p>
+          <a:p>
+            <a:pPr marL="457200" indent="-457200">
+              <a:lnSpc>
+                <a:spcPct val="90000"/>
+              </a:lnSpc>
+              <a:spcBef>
+                <a:spcPts val="1400"/>
+              </a:spcBef>
+              <a:buFont typeface="Wingdings" panose="05000000000000000000" pitchFamily="2" charset="2"/>
+              <a:buChar char="Ø"/>
+            </a:pPr>
+            <a:r>
+              <a:rPr lang="en-US" sz="2400" dirty="0">
+                <a:latin typeface="Cambria" panose="02040503050406030204" pitchFamily="18" charset="0"/>
+              </a:rPr>
+              <a:t>Đường truyền Internet</a:t>
+            </a:r>
+            <a:endParaRPr lang="en-US" sz="2400" dirty="0">
+              <a:latin typeface="Cambria" panose="02040503050406030204" pitchFamily="18" charset="0"/>
+            </a:endParaRPr>
+          </a:p>
+          <a:p>
+            <a:pPr marL="457200" indent="-457200">
+              <a:lnSpc>
+                <a:spcPct val="90000"/>
+              </a:lnSpc>
+              <a:spcBef>
+                <a:spcPts val="1400"/>
+              </a:spcBef>
+              <a:buFont typeface="Wingdings" panose="05000000000000000000" pitchFamily="2" charset="2"/>
+              <a:buChar char="Ø"/>
+            </a:pPr>
+            <a:r>
+              <a:rPr lang="en-US" sz="2400" dirty="0">
+                <a:latin typeface="Cambria" panose="02040503050406030204" pitchFamily="18" charset="0"/>
+              </a:rPr>
+              <a:t>Thiết bị di động thông minh và các thiết bị chấp hành khác (Điều khiển ngôi nhà thông minh từ bất kì đâu)</a:t>
+            </a:r>
             <a:r>
               <a:rPr lang="en-US" sz="2000" dirty="0">
                 <a:latin typeface="Cambria" panose="02040503050406030204" pitchFamily="18" charset="0"/>
@@ -13242,22 +13292,22 @@
               </a:rPr>
             </a:br>
             <a:r>
-              <a:rPr lang="en-US" sz="2800" i="1" dirty="0" smtClean="0">
+              <a:rPr lang="en-US" sz="2800" i="1" dirty="0">
                 <a:latin typeface="Cambria" panose="02040503050406030204" pitchFamily="18" charset="0"/>
               </a:rPr>
               <a:t/>
             </a:r>
             <a:br>
-              <a:rPr lang="en-US" sz="2800" i="1" dirty="0" smtClean="0">
+              <a:rPr lang="en-US" sz="2800" i="1" dirty="0">
                 <a:latin typeface="Cambria" panose="02040503050406030204" pitchFamily="18" charset="0"/>
               </a:rPr>
             </a:br>
-            <a:endParaRPr lang="en-US" sz="2800" i="1" dirty="0" smtClean="0">
+            <a:endParaRPr lang="en-US" sz="2800" i="1" dirty="0">
               <a:latin typeface="Cambria" panose="02040503050406030204" pitchFamily="18" charset="0"/>
             </a:endParaRPr>
           </a:p>
           <a:p>
-            <a:pPr marL="457200" lvl="0" indent="-457200">
+            <a:pPr marL="457200" indent="-457200">
               <a:lnSpc>
                 <a:spcPct val="90000"/>
               </a:lnSpc>
@@ -13273,34 +13323,10 @@
           </a:p>
         </p:txBody>
       </p:sp>
-      <p:pic>
-        <p:nvPicPr>
-          <p:cNvPr id="2" name="Picture 1"/>
-          <p:cNvPicPr>
-            <a:picLocks noChangeAspect="1"/>
-          </p:cNvPicPr>
-          <p:nvPr/>
-        </p:nvPicPr>
-        <p:blipFill>
-          <a:blip r:embed="rId3"/>
-          <a:stretch>
-            <a:fillRect/>
-          </a:stretch>
-        </p:blipFill>
-        <p:spPr>
-          <a:xfrm>
-            <a:off x="1406221" y="2092599"/>
-            <a:ext cx="9439275" cy="4086225"/>
-          </a:xfrm>
-          <a:prstGeom prst="rect">
-            <a:avLst/>
-          </a:prstGeom>
-        </p:spPr>
-      </p:pic>
     </p:spTree>
     <p:extLst>
       <p:ext uri="{BB962C8B-B14F-4D97-AF65-F5344CB8AC3E}">
-        <p14:creationId xmlns:p14="http://schemas.microsoft.com/office/powerpoint/2010/main" val="3012977020"/>
+        <p14:creationId xmlns:p14="http://schemas.microsoft.com/office/powerpoint/2010/main" val="964730327"/>
       </p:ext>
     </p:extLst>
   </p:cSld>
@@ -13358,7 +13384,7 @@
         </p:nvSpPr>
         <p:spPr>
           <a:xfrm>
-            <a:off x="1593436" y="139164"/>
+            <a:off x="1593440" y="139168"/>
             <a:ext cx="9782801" cy="1239837"/>
           </a:xfrm>
         </p:spPr>
@@ -13382,7 +13408,7 @@
         </p:nvSpPr>
         <p:spPr>
           <a:xfrm>
-            <a:off x="3011022" y="304800"/>
+            <a:off x="3011036" y="304804"/>
             <a:ext cx="6375463" cy="830997"/>
           </a:xfrm>
           <a:prstGeom prst="rect">
@@ -13417,6 +13443,17 @@
               </a:rPr>
               <a:t>GIẢI PHÁP TRIỂN KHAI</a:t>
             </a:r>
+            <a:endParaRPr lang="en-US" sz="4800" dirty="0">
+              <a:solidFill>
+                <a:schemeClr val="tx1">
+                  <a:lumMod val="65000"/>
+                  <a:lumOff val="35000"/>
+                </a:schemeClr>
+              </a:solidFill>
+              <a:latin typeface="Cambria Math" panose="02040503050406030204" pitchFamily="18" charset="0"/>
+              <a:ea typeface="Cambria Math" panose="02040503050406030204" pitchFamily="18" charset="0"/>
+              <a:cs typeface="Times New Roman" panose="02020603050405020304" pitchFamily="18" charset="0"/>
+            </a:endParaRPr>
           </a:p>
         </p:txBody>
       </p:sp>
@@ -13429,7 +13466,7 @@
         <p:spPr>
           <a:xfrm>
             <a:off x="1406222" y="1474190"/>
-            <a:ext cx="9263946" cy="523220"/>
+            <a:ext cx="3236784" cy="523220"/>
           </a:xfrm>
           <a:prstGeom prst="rect">
             <a:avLst/>
@@ -13442,10 +13479,10 @@
           <a:lstStyle/>
           <a:p>
             <a:r>
-              <a:rPr lang="en-US" sz="2800" b="1" dirty="0" smtClean="0">
-                <a:latin typeface="Cambria" panose="02040503050406030204" pitchFamily="18" charset="0"/>
-              </a:rPr>
-              <a:t>Sử dụng NodeJS với framework Express làm web server</a:t>
+              <a:rPr lang="en-US" sz="2800" b="1" dirty="0">
+                <a:latin typeface="Cambria" panose="02040503050406030204" pitchFamily="18" charset="0"/>
+              </a:rPr>
+              <a:t>Mô hình triển khai</a:t>
             </a:r>
             <a:endParaRPr lang="en-US" sz="2800" dirty="0">
               <a:latin typeface="Cambria" panose="02040503050406030204" pitchFamily="18" charset="0"/>
@@ -13524,7 +13561,7 @@
           <a:p>
             <a:pPr algn="ctr"/>
             <a:r>
-              <a:rPr lang="en-US" dirty="0" smtClean="0"/>
+              <a:rPr lang="en-US" dirty="0"/>
               <a:t>15</a:t>
             </a:r>
             <a:endParaRPr lang="en-US" dirty="0"/>
@@ -13540,7 +13577,7 @@
         <p:spPr>
           <a:xfrm>
             <a:off x="1406221" y="2092599"/>
-            <a:ext cx="9335865" cy="1435265"/>
+            <a:ext cx="9335865" cy="1712264"/>
           </a:xfrm>
           <a:prstGeom prst="rect">
             <a:avLst/>
@@ -13561,22 +13598,33 @@
               </a:spcBef>
             </a:pPr>
             <a:r>
-              <a:rPr lang="en-US" sz="2800" i="1" dirty="0" smtClean="0">
+              <a:rPr lang="en-US" sz="2000" dirty="0">
                 <a:latin typeface="Cambria" panose="02040503050406030204" pitchFamily="18" charset="0"/>
               </a:rPr>
               <a:t/>
             </a:r>
             <a:br>
-              <a:rPr lang="en-US" sz="2800" i="1" dirty="0" smtClean="0">
+              <a:rPr lang="en-US" sz="2000" dirty="0">
                 <a:latin typeface="Cambria" panose="02040503050406030204" pitchFamily="18" charset="0"/>
               </a:rPr>
             </a:br>
-            <a:endParaRPr lang="en-US" sz="2800" i="1" dirty="0" smtClean="0">
+            <a:r>
+              <a:rPr lang="en-US" sz="2800" i="1" dirty="0">
+                <a:latin typeface="Cambria" panose="02040503050406030204" pitchFamily="18" charset="0"/>
+              </a:rPr>
+              <a:t/>
+            </a:r>
+            <a:br>
+              <a:rPr lang="en-US" sz="2800" i="1" dirty="0">
+                <a:latin typeface="Cambria" panose="02040503050406030204" pitchFamily="18" charset="0"/>
+              </a:rPr>
+            </a:br>
+            <a:endParaRPr lang="en-US" sz="2800" i="1" dirty="0">
               <a:latin typeface="Cambria" panose="02040503050406030204" pitchFamily="18" charset="0"/>
             </a:endParaRPr>
           </a:p>
           <a:p>
-            <a:pPr marL="457200" lvl="0" indent="-457200">
+            <a:pPr marL="457200" indent="-457200">
               <a:lnSpc>
                 <a:spcPct val="90000"/>
               </a:lnSpc>
@@ -13594,28 +13642,22 @@
       </p:sp>
       <p:pic>
         <p:nvPicPr>
-          <p:cNvPr id="5" name="Picture 4"/>
+          <p:cNvPr id="4" name="Picture 3"/>
           <p:cNvPicPr>
             <a:picLocks noChangeAspect="1"/>
           </p:cNvPicPr>
           <p:nvPr/>
         </p:nvPicPr>
         <p:blipFill>
-          <a:blip r:embed="rId3">
-            <a:extLst>
-              <a:ext uri="{28A0092B-C50C-407E-A947-70E740481C1C}">
-                <a14:useLocalDpi xmlns:a14="http://schemas.microsoft.com/office/drawing/2010/main" val="0"/>
-              </a:ext>
-            </a:extLst>
-          </a:blip>
+          <a:blip r:embed="rId3"/>
           <a:stretch>
             <a:fillRect/>
           </a:stretch>
         </p:blipFill>
         <p:spPr>
           <a:xfrm>
-            <a:off x="1903412" y="2092599"/>
-            <a:ext cx="8229600" cy="4232001"/>
+            <a:off x="1921257" y="2092603"/>
+            <a:ext cx="8305799" cy="4238625"/>
           </a:xfrm>
           <a:prstGeom prst="rect">
             <a:avLst/>
@@ -13625,7 +13667,7 @@
     </p:spTree>
     <p:extLst>
       <p:ext uri="{BB962C8B-B14F-4D97-AF65-F5344CB8AC3E}">
-        <p14:creationId xmlns:p14="http://schemas.microsoft.com/office/powerpoint/2010/main" val="3983761155"/>
+        <p14:creationId xmlns:p14="http://schemas.microsoft.com/office/powerpoint/2010/main" val="3012977020"/>
       </p:ext>
     </p:extLst>
   </p:cSld>
@@ -13683,7 +13725,7 @@
         </p:nvSpPr>
         <p:spPr>
           <a:xfrm>
-            <a:off x="1593436" y="139164"/>
+            <a:off x="1593440" y="139168"/>
             <a:ext cx="9782801" cy="1239837"/>
           </a:xfrm>
         </p:spPr>
@@ -13707,7 +13749,7 @@
         </p:nvSpPr>
         <p:spPr>
           <a:xfrm>
-            <a:off x="3011022" y="304800"/>
+            <a:off x="3011026" y="304804"/>
             <a:ext cx="6375463" cy="830997"/>
           </a:xfrm>
           <a:prstGeom prst="rect">
@@ -13754,7 +13796,7 @@
         <p:spPr>
           <a:xfrm>
             <a:off x="1406222" y="1474190"/>
-            <a:ext cx="2265364" cy="523220"/>
+            <a:ext cx="9263946" cy="523220"/>
           </a:xfrm>
           <a:prstGeom prst="rect">
             <a:avLst/>
@@ -13767,10 +13809,10 @@
           <a:lstStyle/>
           <a:p>
             <a:r>
-              <a:rPr lang="en-US" sz="2800" b="1" dirty="0" smtClean="0">
-                <a:latin typeface="Cambria" panose="02040503050406030204" pitchFamily="18" charset="0"/>
-              </a:rPr>
-              <a:t>NodeJS là gì?</a:t>
+              <a:rPr lang="en-US" sz="2800" b="1" dirty="0">
+                <a:latin typeface="Cambria" panose="02040503050406030204" pitchFamily="18" charset="0"/>
+              </a:rPr>
+              <a:t>Sử dụng NodeJS với framework Express làm web server</a:t>
             </a:r>
             <a:endParaRPr lang="en-US" sz="2800" dirty="0">
               <a:latin typeface="Cambria" panose="02040503050406030204" pitchFamily="18" charset="0"/>
@@ -13849,7 +13891,7 @@
           <a:p>
             <a:pPr algn="ctr"/>
             <a:r>
-              <a:rPr lang="en-US" dirty="0" smtClean="0"/>
+              <a:rPr lang="en-US" dirty="0"/>
               <a:t>16</a:t>
             </a:r>
             <a:endParaRPr lang="en-US" dirty="0"/>
@@ -13865,7 +13907,7 @@
         <p:spPr>
           <a:xfrm>
             <a:off x="1406221" y="2092599"/>
-            <a:ext cx="9335865" cy="3400931"/>
+            <a:ext cx="9335865" cy="1435265"/>
           </a:xfrm>
           <a:prstGeom prst="rect">
             <a:avLst/>
@@ -13877,153 +13919,31 @@
           </a:bodyPr>
           <a:lstStyle/>
           <a:p>
-            <a:pPr marL="457200" indent="-457200">
+            <a:pPr>
               <a:lnSpc>
                 <a:spcPct val="90000"/>
               </a:lnSpc>
               <a:spcBef>
                 <a:spcPts val="1400"/>
               </a:spcBef>
-              <a:buFont typeface="Wingdings" panose="05000000000000000000" pitchFamily="2" charset="2"/>
-              <a:buChar char="Ø"/>
             </a:pPr>
             <a:r>
-              <a:rPr lang="vi-VN" sz="2400" dirty="0" smtClean="0">
-                <a:latin typeface="Cambria" panose="02040503050406030204" pitchFamily="18" charset="0"/>
-              </a:rPr>
-              <a:t>Node</a:t>
-            </a:r>
-            <a:r>
-              <a:rPr lang="en-US" sz="2400" dirty="0" smtClean="0">
-                <a:latin typeface="Cambria" panose="02040503050406030204" pitchFamily="18" charset="0"/>
-              </a:rPr>
-              <a:t>JS</a:t>
-            </a:r>
-            <a:r>
-              <a:rPr lang="vi-VN" sz="2400" dirty="0" smtClean="0">
-                <a:latin typeface="Cambria" panose="02040503050406030204" pitchFamily="18" charset="0"/>
-              </a:rPr>
-              <a:t> </a:t>
-            </a:r>
-            <a:r>
-              <a:rPr lang="vi-VN" sz="2400" dirty="0">
-                <a:latin typeface="Cambria" panose="02040503050406030204" pitchFamily="18" charset="0"/>
-              </a:rPr>
-              <a:t>là một mã nguồn mở, một môi trường cho các máy chủ và ứng dụng </a:t>
-            </a:r>
-            <a:r>
-              <a:rPr lang="vi-VN" sz="2400" dirty="0" smtClean="0">
-                <a:latin typeface="Cambria" panose="02040503050406030204" pitchFamily="18" charset="0"/>
-              </a:rPr>
-              <a:t>mạng</a:t>
-            </a:r>
-            <a:endParaRPr lang="en-US" sz="2400" dirty="0">
+              <a:rPr lang="en-US" sz="2800" i="1" dirty="0">
+                <a:latin typeface="Cambria" panose="02040503050406030204" pitchFamily="18" charset="0"/>
+              </a:rPr>
+              <a:t/>
+            </a:r>
+            <a:br>
+              <a:rPr lang="en-US" sz="2800" i="1" dirty="0">
+                <a:latin typeface="Cambria" panose="02040503050406030204" pitchFamily="18" charset="0"/>
+              </a:rPr>
+            </a:br>
+            <a:endParaRPr lang="en-US" sz="2800" i="1" dirty="0">
               <a:latin typeface="Cambria" panose="02040503050406030204" pitchFamily="18" charset="0"/>
             </a:endParaRPr>
           </a:p>
           <a:p>
             <a:pPr marL="457200" indent="-457200">
-              <a:lnSpc>
-                <a:spcPct val="90000"/>
-              </a:lnSpc>
-              <a:spcBef>
-                <a:spcPts val="1400"/>
-              </a:spcBef>
-              <a:buFont typeface="Wingdings" panose="05000000000000000000" pitchFamily="2" charset="2"/>
-              <a:buChar char="Ø"/>
-            </a:pPr>
-            <a:r>
-              <a:rPr lang="vi-VN" sz="2400" dirty="0">
-                <a:latin typeface="Cambria" panose="02040503050406030204" pitchFamily="18" charset="0"/>
-              </a:rPr>
-              <a:t>Node</a:t>
-            </a:r>
-            <a:r>
-              <a:rPr lang="en-US" sz="2400" dirty="0">
-                <a:latin typeface="Cambria" panose="02040503050406030204" pitchFamily="18" charset="0"/>
-              </a:rPr>
-              <a:t>JS</a:t>
-            </a:r>
-            <a:r>
-              <a:rPr lang="vi-VN" sz="2400" dirty="0">
-                <a:latin typeface="Cambria" panose="02040503050406030204" pitchFamily="18" charset="0"/>
-              </a:rPr>
-              <a:t> </a:t>
-            </a:r>
-            <a:r>
-              <a:rPr lang="vi-VN" sz="2400" dirty="0" smtClean="0">
-                <a:latin typeface="Cambria" panose="02040503050406030204" pitchFamily="18" charset="0"/>
-              </a:rPr>
-              <a:t>là </a:t>
-            </a:r>
-            <a:r>
-              <a:rPr lang="vi-VN" sz="2400" dirty="0">
-                <a:latin typeface="Cambria" panose="02040503050406030204" pitchFamily="18" charset="0"/>
-              </a:rPr>
-              <a:t>1 nền tảng chạy trên môi trường V8 Javascript runtime</a:t>
-            </a:r>
-            <a:endParaRPr lang="en-US" sz="2400" dirty="0">
-              <a:latin typeface="Cambria" panose="02040503050406030204" pitchFamily="18" charset="0"/>
-            </a:endParaRPr>
-          </a:p>
-          <a:p>
-            <a:pPr marL="457200" indent="-457200">
-              <a:lnSpc>
-                <a:spcPct val="90000"/>
-              </a:lnSpc>
-              <a:spcBef>
-                <a:spcPts val="1400"/>
-              </a:spcBef>
-              <a:buFont typeface="Wingdings" panose="05000000000000000000" pitchFamily="2" charset="2"/>
-              <a:buChar char="Ø"/>
-            </a:pPr>
-            <a:r>
-              <a:rPr lang="vi-VN" sz="2400" dirty="0">
-                <a:latin typeface="Cambria" panose="02040503050406030204" pitchFamily="18" charset="0"/>
-              </a:rPr>
-              <a:t>Ứng dụng Node</a:t>
-            </a:r>
-            <a:r>
-              <a:rPr lang="en-US" sz="2400" dirty="0">
-                <a:latin typeface="Cambria" panose="02040503050406030204" pitchFamily="18" charset="0"/>
-              </a:rPr>
-              <a:t>JS</a:t>
-            </a:r>
-            <a:r>
-              <a:rPr lang="vi-VN" sz="2400" dirty="0">
-                <a:latin typeface="Cambria" panose="02040503050406030204" pitchFamily="18" charset="0"/>
-              </a:rPr>
-              <a:t> </a:t>
-            </a:r>
-            <a:r>
-              <a:rPr lang="vi-VN" sz="2400" dirty="0" smtClean="0">
-                <a:latin typeface="Cambria" panose="02040503050406030204" pitchFamily="18" charset="0"/>
-              </a:rPr>
-              <a:t>được </a:t>
-            </a:r>
-            <a:r>
-              <a:rPr lang="vi-VN" sz="2400" dirty="0">
-                <a:latin typeface="Cambria" panose="02040503050406030204" pitchFamily="18" charset="0"/>
-              </a:rPr>
-              <a:t>viết bằng JavaScript, và có thể hoạt động trên các hệ điều hành phổ biến như OS X, Microsoft Windows, Linux và FreeBSD</a:t>
-            </a:r>
-            <a:r>
-              <a:rPr lang="en-US" sz="2800" i="1" dirty="0" smtClean="0">
-                <a:latin typeface="Cambria" panose="02040503050406030204" pitchFamily="18" charset="0"/>
-              </a:rPr>
-              <a:t/>
-            </a:r>
-            <a:br>
-              <a:rPr lang="en-US" sz="2800" i="1" dirty="0" smtClean="0">
-                <a:latin typeface="Cambria" panose="02040503050406030204" pitchFamily="18" charset="0"/>
-              </a:rPr>
-            </a:br>
-            <a:endParaRPr lang="en-US" sz="2800" i="1" dirty="0" smtClean="0">
-              <a:latin typeface="Cambria" panose="02040503050406030204" pitchFamily="18" charset="0"/>
-            </a:endParaRPr>
-          </a:p>
-          <a:p>
-            <a:pPr marL="457200" lvl="0" indent="-457200">
               <a:lnSpc>
                 <a:spcPct val="90000"/>
               </a:lnSpc>
@@ -14039,10 +13959,40 @@
           </a:p>
         </p:txBody>
       </p:sp>
+      <p:pic>
+        <p:nvPicPr>
+          <p:cNvPr id="5" name="Picture 4"/>
+          <p:cNvPicPr>
+            <a:picLocks noChangeAspect="1"/>
+          </p:cNvPicPr>
+          <p:nvPr/>
+        </p:nvPicPr>
+        <p:blipFill>
+          <a:blip r:embed="rId3">
+            <a:extLst>
+              <a:ext uri="{28A0092B-C50C-407E-A947-70E740481C1C}">
+                <a14:useLocalDpi xmlns:a14="http://schemas.microsoft.com/office/drawing/2010/main" val="0"/>
+              </a:ext>
+            </a:extLst>
+          </a:blip>
+          <a:stretch>
+            <a:fillRect/>
+          </a:stretch>
+        </p:blipFill>
+        <p:spPr>
+          <a:xfrm>
+            <a:off x="1903412" y="2092603"/>
+            <a:ext cx="8229600" cy="4232001"/>
+          </a:xfrm>
+          <a:prstGeom prst="rect">
+            <a:avLst/>
+          </a:prstGeom>
+        </p:spPr>
+      </p:pic>
     </p:spTree>
     <p:extLst>
       <p:ext uri="{BB962C8B-B14F-4D97-AF65-F5344CB8AC3E}">
-        <p14:creationId xmlns:p14="http://schemas.microsoft.com/office/powerpoint/2010/main" val="1119147952"/>
+        <p14:creationId xmlns:p14="http://schemas.microsoft.com/office/powerpoint/2010/main" val="3983761155"/>
       </p:ext>
     </p:extLst>
   </p:cSld>
@@ -14100,7 +14050,7 @@
         </p:nvSpPr>
         <p:spPr>
           <a:xfrm>
-            <a:off x="1593436" y="139164"/>
+            <a:off x="1593440" y="139168"/>
             <a:ext cx="9782801" cy="1239837"/>
           </a:xfrm>
         </p:spPr>
@@ -14124,7 +14074,7 @@
         </p:nvSpPr>
         <p:spPr>
           <a:xfrm>
-            <a:off x="3011022" y="304800"/>
+            <a:off x="3011026" y="304804"/>
             <a:ext cx="6375463" cy="830997"/>
           </a:xfrm>
           <a:prstGeom prst="rect">
@@ -14171,7 +14121,7 @@
         <p:spPr>
           <a:xfrm>
             <a:off x="1406222" y="1474190"/>
-            <a:ext cx="4840556" cy="523220"/>
+            <a:ext cx="2265364" cy="523220"/>
           </a:xfrm>
           <a:prstGeom prst="rect">
             <a:avLst/>
@@ -14184,10 +14134,10 @@
           <a:lstStyle/>
           <a:p>
             <a:r>
-              <a:rPr lang="en-US" sz="2800" b="1" dirty="0" smtClean="0">
-                <a:latin typeface="Cambria" panose="02040503050406030204" pitchFamily="18" charset="0"/>
-              </a:rPr>
-              <a:t>Tại sao nên sử dụng NodeJS?</a:t>
+              <a:rPr lang="en-US" sz="2800" b="1" dirty="0">
+                <a:latin typeface="Cambria" panose="02040503050406030204" pitchFamily="18" charset="0"/>
+              </a:rPr>
+              <a:t>NodeJS là gì?</a:t>
             </a:r>
             <a:endParaRPr lang="en-US" sz="2800" dirty="0">
               <a:latin typeface="Cambria" panose="02040503050406030204" pitchFamily="18" charset="0"/>
@@ -14266,7 +14216,7 @@
           <a:p>
             <a:pPr algn="ctr"/>
             <a:r>
-              <a:rPr lang="en-US" dirty="0" smtClean="0"/>
+              <a:rPr lang="en-US" dirty="0"/>
               <a:t>17</a:t>
             </a:r>
             <a:endParaRPr lang="en-US" dirty="0"/>
@@ -14282,7 +14232,7 @@
         <p:spPr>
           <a:xfrm>
             <a:off x="1406221" y="2092599"/>
-            <a:ext cx="9335865" cy="3068532"/>
+            <a:ext cx="9335865" cy="3400931"/>
           </a:xfrm>
           <a:prstGeom prst="rect">
             <a:avLst/>
@@ -14305,11 +14255,38 @@
               <a:buChar char="Ø"/>
             </a:pPr>
             <a:r>
+              <a:rPr lang="vi-VN" sz="2400" dirty="0">
+                <a:latin typeface="Cambria" panose="02040503050406030204" pitchFamily="18" charset="0"/>
+              </a:rPr>
+              <a:t>Node</a:t>
+            </a:r>
+            <a:r>
               <a:rPr lang="en-US" sz="2400" dirty="0">
                 <a:latin typeface="Cambria" panose="02040503050406030204" pitchFamily="18" charset="0"/>
               </a:rPr>
-              <a:t>NodeJS là hệ thống phần mềm để thiết kế viết các ứng dụng internet có khả năng mở rộng cao</a:t>
-            </a:r>
+              <a:t>JS</a:t>
+            </a:r>
+            <a:r>
+              <a:rPr lang="vi-VN" sz="2400" dirty="0">
+                <a:latin typeface="Cambria" panose="02040503050406030204" pitchFamily="18" charset="0"/>
+              </a:rPr>
+              <a:t> </a:t>
+            </a:r>
+            <a:r>
+              <a:rPr lang="vi-VN" sz="2400" dirty="0">
+                <a:latin typeface="Cambria" panose="02040503050406030204" pitchFamily="18" charset="0"/>
+              </a:rPr>
+              <a:t>là một mã nguồn mở, một môi trường cho các máy chủ và ứng dụng </a:t>
+            </a:r>
+            <a:r>
+              <a:rPr lang="vi-VN" sz="2400" dirty="0">
+                <a:latin typeface="Cambria" panose="02040503050406030204" pitchFamily="18" charset="0"/>
+              </a:rPr>
+              <a:t>mạng</a:t>
+            </a:r>
+            <a:endParaRPr lang="en-US" sz="2400" dirty="0">
+              <a:latin typeface="Cambria" panose="02040503050406030204" pitchFamily="18" charset="0"/>
+            </a:endParaRPr>
           </a:p>
           <a:p>
             <a:pPr marL="457200" indent="-457200">
@@ -14323,23 +14300,38 @@
               <a:buChar char="Ø"/>
             </a:pPr>
             <a:r>
-              <a:rPr lang="en-US" sz="2400" dirty="0" smtClean="0">
-                <a:latin typeface="Cambria" panose="02040503050406030204" pitchFamily="18" charset="0"/>
-              </a:rPr>
-              <a:t>NodeJS </a:t>
+              <a:rPr lang="vi-VN" sz="2400" dirty="0">
+                <a:latin typeface="Cambria" panose="02040503050406030204" pitchFamily="18" charset="0"/>
+              </a:rPr>
+              <a:t>Node</a:t>
             </a:r>
             <a:r>
               <a:rPr lang="en-US" sz="2400" dirty="0">
                 <a:latin typeface="Cambria" panose="02040503050406030204" pitchFamily="18" charset="0"/>
               </a:rPr>
-              <a:t>nhận và xử lý nhiều kết nối chỉ với một </a:t>
-            </a:r>
-            <a:r>
-              <a:rPr lang="en-US" sz="2400" dirty="0" smtClean="0">
-                <a:latin typeface="Cambria" panose="02040503050406030204" pitchFamily="18" charset="0"/>
-              </a:rPr>
-              <a:t>single-thread</a:t>
-            </a:r>
+              <a:t>JS</a:t>
+            </a:r>
+            <a:r>
+              <a:rPr lang="vi-VN" sz="2400" dirty="0">
+                <a:latin typeface="Cambria" panose="02040503050406030204" pitchFamily="18" charset="0"/>
+              </a:rPr>
+              <a:t> </a:t>
+            </a:r>
+            <a:r>
+              <a:rPr lang="vi-VN" sz="2400" dirty="0">
+                <a:latin typeface="Cambria" panose="02040503050406030204" pitchFamily="18" charset="0"/>
+              </a:rPr>
+              <a:t>là </a:t>
+            </a:r>
+            <a:r>
+              <a:rPr lang="vi-VN" sz="2400" dirty="0">
+                <a:latin typeface="Cambria" panose="02040503050406030204" pitchFamily="18" charset="0"/>
+              </a:rPr>
+              <a:t>1 nền tảng chạy trên môi trường V8 Javascript runtime</a:t>
+            </a:r>
+            <a:endParaRPr lang="en-US" sz="2400" dirty="0">
+              <a:latin typeface="Cambria" panose="02040503050406030204" pitchFamily="18" charset="0"/>
+            </a:endParaRPr>
           </a:p>
           <a:p>
             <a:pPr marL="457200" indent="-457200">
@@ -14353,49 +14345,19 @@
               <a:buChar char="Ø"/>
             </a:pPr>
             <a:r>
-              <a:rPr lang="en-US" sz="2400" dirty="0" smtClean="0">
-                <a:latin typeface="Cambria" panose="02040503050406030204" pitchFamily="18" charset="0"/>
-              </a:rPr>
-              <a:t>Tận </a:t>
-            </a:r>
-            <a:r>
-              <a:rPr lang="vi-VN" sz="2400" dirty="0" smtClean="0">
-                <a:latin typeface="Cambria" panose="02040503050406030204" pitchFamily="18" charset="0"/>
-              </a:rPr>
-              <a:t>dụng </a:t>
-            </a:r>
-            <a:r>
               <a:rPr lang="vi-VN" sz="2400" dirty="0">
                 <a:latin typeface="Cambria" panose="02040503050406030204" pitchFamily="18" charset="0"/>
               </a:rPr>
-              <a:t>ưu điểm non-blocking I/O của </a:t>
-            </a:r>
-            <a:r>
-              <a:rPr lang="vi-VN" sz="2400" dirty="0" smtClean="0">
-                <a:latin typeface="Cambria" panose="02040503050406030204" pitchFamily="18" charset="0"/>
-              </a:rPr>
-              <a:t>Javascript</a:t>
-            </a:r>
-            <a:r>
-              <a:rPr lang="en-US" sz="2400" dirty="0" smtClean="0">
-                <a:latin typeface="Cambria" panose="02040503050406030204" pitchFamily="18" charset="0"/>
-              </a:rPr>
-              <a:t>, </a:t>
-            </a:r>
-            <a:r>
-              <a:rPr lang="vi-VN" sz="2400" dirty="0" smtClean="0">
-                <a:latin typeface="Cambria" panose="02040503050406030204" pitchFamily="18" charset="0"/>
-              </a:rPr>
-              <a:t>Node</a:t>
-            </a:r>
-            <a:r>
-              <a:rPr lang="en-US" sz="2400" dirty="0" smtClean="0">
+              <a:t>Ứng dụng Node</a:t>
+            </a:r>
+            <a:r>
+              <a:rPr lang="en-US" sz="2400" dirty="0">
                 <a:latin typeface="Cambria" panose="02040503050406030204" pitchFamily="18" charset="0"/>
               </a:rPr>
               <a:t>JS</a:t>
             </a:r>
             <a:r>
-              <a:rPr lang="vi-VN" sz="2400" dirty="0" smtClean="0">
+              <a:rPr lang="vi-VN" sz="2400" dirty="0">
                 <a:latin typeface="Cambria" panose="02040503050406030204" pitchFamily="18" charset="0"/>
               </a:rPr>
               <a:t> </a:t>
@@ -14404,25 +14366,31 @@
               <a:rPr lang="vi-VN" sz="2400" dirty="0">
                 <a:latin typeface="Cambria" panose="02040503050406030204" pitchFamily="18" charset="0"/>
               </a:rPr>
-              <a:t>tận dụng tối đa tài nguyên của server mà không tạo ra độ trễ như PHP</a:t>
-            </a:r>
-            <a:r>
-              <a:rPr lang="en-US" sz="2800" i="1" dirty="0" smtClean="0">
+              <a:t>được </a:t>
+            </a:r>
+            <a:r>
+              <a:rPr lang="vi-VN" sz="2400" dirty="0">
+                <a:latin typeface="Cambria" panose="02040503050406030204" pitchFamily="18" charset="0"/>
+              </a:rPr>
+              <a:t>viết bằng JavaScript, và có thể hoạt động trên các hệ điều hành phổ biến như OS X, Microsoft Windows, Linux và FreeBSD</a:t>
+            </a:r>
+            <a:r>
+              <a:rPr lang="en-US" sz="2800" i="1" dirty="0">
                 <a:latin typeface="Cambria" panose="02040503050406030204" pitchFamily="18" charset="0"/>
               </a:rPr>
               <a:t/>
             </a:r>
             <a:br>
-              <a:rPr lang="en-US" sz="2800" i="1" dirty="0" smtClean="0">
+              <a:rPr lang="en-US" sz="2800" i="1" dirty="0">
                 <a:latin typeface="Cambria" panose="02040503050406030204" pitchFamily="18" charset="0"/>
               </a:rPr>
             </a:br>
-            <a:endParaRPr lang="en-US" sz="2800" i="1" dirty="0" smtClean="0">
+            <a:endParaRPr lang="en-US" sz="2800" i="1" dirty="0">
               <a:latin typeface="Cambria" panose="02040503050406030204" pitchFamily="18" charset="0"/>
             </a:endParaRPr>
           </a:p>
           <a:p>
-            <a:pPr marL="457200" lvl="0" indent="-457200">
+            <a:pPr marL="457200" indent="-457200">
               <a:lnSpc>
                 <a:spcPct val="90000"/>
               </a:lnSpc>
@@ -14441,7 +14409,7 @@
     </p:spTree>
     <p:extLst>
       <p:ext uri="{BB962C8B-B14F-4D97-AF65-F5344CB8AC3E}">
-        <p14:creationId xmlns:p14="http://schemas.microsoft.com/office/powerpoint/2010/main" val="1119301464"/>
+        <p14:creationId xmlns:p14="http://schemas.microsoft.com/office/powerpoint/2010/main" val="1119147952"/>
       </p:ext>
     </p:extLst>
   </p:cSld>
@@ -14499,7 +14467,7 @@
         </p:nvSpPr>
         <p:spPr>
           <a:xfrm>
-            <a:off x="1593436" y="139164"/>
+            <a:off x="1593440" y="139168"/>
             <a:ext cx="9782801" cy="1239837"/>
           </a:xfrm>
         </p:spPr>
@@ -14523,7 +14491,7 @@
         </p:nvSpPr>
         <p:spPr>
           <a:xfrm>
-            <a:off x="3011022" y="304800"/>
+            <a:off x="3011026" y="304804"/>
             <a:ext cx="6375463" cy="830997"/>
           </a:xfrm>
           <a:prstGeom prst="rect">
@@ -14570,7 +14538,7 @@
         <p:spPr>
           <a:xfrm>
             <a:off x="1406222" y="1474190"/>
-            <a:ext cx="2702535" cy="523220"/>
+            <a:ext cx="4840556" cy="523220"/>
           </a:xfrm>
           <a:prstGeom prst="rect">
             <a:avLst/>
@@ -14583,10 +14551,10 @@
           <a:lstStyle/>
           <a:p>
             <a:r>
-              <a:rPr lang="en-US" sz="2800" b="1" dirty="0" smtClean="0">
-                <a:latin typeface="Cambria" panose="02040503050406030204" pitchFamily="18" charset="0"/>
-              </a:rPr>
-              <a:t>ExpressJS là gì?</a:t>
+              <a:rPr lang="en-US" sz="2800" b="1" dirty="0">
+                <a:latin typeface="Cambria" panose="02040503050406030204" pitchFamily="18" charset="0"/>
+              </a:rPr>
+              <a:t>Tại sao nên sử dụng NodeJS?</a:t>
             </a:r>
             <a:endParaRPr lang="en-US" sz="2800" dirty="0">
               <a:latin typeface="Cambria" panose="02040503050406030204" pitchFamily="18" charset="0"/>
@@ -14665,7 +14633,7 @@
           <a:p>
             <a:pPr algn="ctr"/>
             <a:r>
-              <a:rPr lang="en-US" dirty="0" smtClean="0"/>
+              <a:rPr lang="en-US" dirty="0"/>
               <a:t>18</a:t>
             </a:r>
             <a:endParaRPr lang="en-US" dirty="0"/>
@@ -14681,7 +14649,7 @@
         <p:spPr>
           <a:xfrm>
             <a:off x="1406221" y="2092599"/>
-            <a:ext cx="9335865" cy="2888996"/>
+            <a:ext cx="9335865" cy="4147802"/>
           </a:xfrm>
           <a:prstGeom prst="rect">
             <a:avLst/>
@@ -14707,8 +14675,17 @@
               <a:rPr lang="en-US" sz="2400" dirty="0">
                 <a:latin typeface="Cambria" panose="02040503050406030204" pitchFamily="18" charset="0"/>
               </a:rPr>
-              <a:t>Express là một web application framework for node nó cung cấp cho chúng những rất nhiều tính năng mạnh mẽ trên nền tảng web và các ứng dụng di động</a:t>
-            </a:r>
+              <a:t>NodeJS là hệ thống phần mềm để thiết kế viết các ứng dụng internet có khả năng mở rộng </a:t>
+            </a:r>
+            <a:r>
+              <a:rPr lang="en-US" sz="2400" dirty="0">
+                <a:latin typeface="Cambria" panose="02040503050406030204" pitchFamily="18" charset="0"/>
+              </a:rPr>
+              <a:t>cao, đặc biệt là máy chủ web</a:t>
+            </a:r>
+            <a:endParaRPr lang="en-US" sz="2400" dirty="0">
+              <a:latin typeface="Cambria" panose="02040503050406030204" pitchFamily="18" charset="0"/>
+            </a:endParaRPr>
           </a:p>
           <a:p>
             <a:pPr marL="457200" indent="-457200">
@@ -14722,34 +14699,161 @@
               <a:buChar char="Ø"/>
             </a:pPr>
             <a:r>
+              <a:rPr lang="en-US" sz="2400" dirty="0">
+                <a:latin typeface="Cambria" panose="02040503050406030204" pitchFamily="18" charset="0"/>
+              </a:rPr>
+              <a:t>NodeJS </a:t>
+            </a:r>
+            <a:r>
+              <a:rPr lang="en-US" sz="2400" dirty="0">
+                <a:latin typeface="Cambria" panose="02040503050406030204" pitchFamily="18" charset="0"/>
+              </a:rPr>
+              <a:t>nhận và xử lý nhiều kết nối chỉ với một </a:t>
+            </a:r>
+            <a:r>
+              <a:rPr lang="en-US" sz="2400" dirty="0">
+                <a:latin typeface="Cambria" panose="02040503050406030204" pitchFamily="18" charset="0"/>
+              </a:rPr>
+              <a:t>single-thread</a:t>
+            </a:r>
+          </a:p>
+          <a:p>
+            <a:pPr marL="457200" indent="-457200">
+              <a:lnSpc>
+                <a:spcPct val="90000"/>
+              </a:lnSpc>
+              <a:spcBef>
+                <a:spcPts val="1400"/>
+              </a:spcBef>
+              <a:buFont typeface="Wingdings" panose="05000000000000000000" pitchFamily="2" charset="2"/>
+              <a:buChar char="Ø"/>
+            </a:pPr>
+            <a:r>
+              <a:rPr lang="en-US" sz="2400" dirty="0">
+                <a:latin typeface="Cambria" panose="02040503050406030204" pitchFamily="18" charset="0"/>
+              </a:rPr>
+              <a:t>Tận </a:t>
+            </a:r>
+            <a:r>
               <a:rPr lang="vi-VN" sz="2400" dirty="0">
                 <a:latin typeface="Cambria" panose="02040503050406030204" pitchFamily="18" charset="0"/>
               </a:rPr>
-              <a:t>Express hỗ trợ các phương thức HTTP và middleware tạo ra 1 API rất mạnh mẽ và sử dụng dễ dàng </a:t>
-            </a:r>
-            <a:r>
-              <a:rPr lang="vi-VN" sz="2400" dirty="0" smtClean="0">
-                <a:latin typeface="Cambria" panose="02040503050406030204" pitchFamily="18" charset="0"/>
-              </a:rPr>
-              <a:t>hơn</a:t>
-            </a:r>
-            <a:r>
-              <a:rPr lang="en-US" sz="2800" i="1" dirty="0" smtClean="0">
-                <a:latin typeface="Cambria" panose="02040503050406030204" pitchFamily="18" charset="0"/>
-              </a:rPr>
-              <a:t/>
-            </a:r>
-            <a:br>
-              <a:rPr lang="en-US" sz="2800" i="1" dirty="0" smtClean="0">
-                <a:latin typeface="Cambria" panose="02040503050406030204" pitchFamily="18" charset="0"/>
-              </a:rPr>
-            </a:br>
-            <a:endParaRPr lang="en-US" sz="2800" i="1" dirty="0" smtClean="0">
+              <a:t>dụng </a:t>
+            </a:r>
+            <a:r>
+              <a:rPr lang="vi-VN" sz="2400" dirty="0">
+                <a:latin typeface="Cambria" panose="02040503050406030204" pitchFamily="18" charset="0"/>
+              </a:rPr>
+              <a:t>ưu điểm non-blocking I/O của </a:t>
+            </a:r>
+            <a:r>
+              <a:rPr lang="vi-VN" sz="2400" dirty="0">
+                <a:latin typeface="Cambria" panose="02040503050406030204" pitchFamily="18" charset="0"/>
+              </a:rPr>
+              <a:t>Javascript</a:t>
+            </a:r>
+            <a:r>
+              <a:rPr lang="en-US" sz="2400" dirty="0">
+                <a:latin typeface="Cambria" panose="02040503050406030204" pitchFamily="18" charset="0"/>
+              </a:rPr>
+              <a:t>, </a:t>
+            </a:r>
+            <a:r>
+              <a:rPr lang="vi-VN" sz="2400" dirty="0">
+                <a:latin typeface="Cambria" panose="02040503050406030204" pitchFamily="18" charset="0"/>
+              </a:rPr>
+              <a:t>Node</a:t>
+            </a:r>
+            <a:r>
+              <a:rPr lang="en-US" sz="2400" dirty="0">
+                <a:latin typeface="Cambria" panose="02040503050406030204" pitchFamily="18" charset="0"/>
+              </a:rPr>
+              <a:t>JS</a:t>
+            </a:r>
+            <a:r>
+              <a:rPr lang="vi-VN" sz="2400" dirty="0">
+                <a:latin typeface="Cambria" panose="02040503050406030204" pitchFamily="18" charset="0"/>
+              </a:rPr>
+              <a:t> </a:t>
+            </a:r>
+            <a:r>
+              <a:rPr lang="vi-VN" sz="2400" dirty="0">
+                <a:latin typeface="Cambria" panose="02040503050406030204" pitchFamily="18" charset="0"/>
+              </a:rPr>
+              <a:t>tận dụng tối đa tài nguyên của server mà không tạo ra độ trễ như </a:t>
+            </a:r>
+            <a:r>
+              <a:rPr lang="vi-VN" sz="2400" dirty="0">
+                <a:latin typeface="Cambria" panose="02040503050406030204" pitchFamily="18" charset="0"/>
+              </a:rPr>
+              <a:t>PHP</a:t>
+            </a:r>
+            <a:endParaRPr lang="en-US" sz="2400" dirty="0">
               <a:latin typeface="Cambria" panose="02040503050406030204" pitchFamily="18" charset="0"/>
             </a:endParaRPr>
           </a:p>
           <a:p>
-            <a:pPr marL="457200" lvl="0" indent="-457200">
+            <a:pPr marL="457200" indent="-457200">
+              <a:lnSpc>
+                <a:spcPct val="90000"/>
+              </a:lnSpc>
+              <a:spcBef>
+                <a:spcPts val="1400"/>
+              </a:spcBef>
+              <a:buFont typeface="Wingdings" panose="05000000000000000000" pitchFamily="2" charset="2"/>
+              <a:buChar char="Ø"/>
+            </a:pPr>
+            <a:r>
+              <a:rPr lang="en-US" sz="2400" dirty="0">
+                <a:latin typeface="Cambria" panose="02040503050406030204" pitchFamily="18" charset="0"/>
+              </a:rPr>
+              <a:t>Tất cả các hàm trong Node.js là không đồng </a:t>
+            </a:r>
+            <a:r>
+              <a:rPr lang="en-US" sz="2400" dirty="0">
+                <a:latin typeface="Cambria" panose="02040503050406030204" pitchFamily="18" charset="0"/>
+              </a:rPr>
+              <a:t>bộ</a:t>
+            </a:r>
+          </a:p>
+          <a:p>
+            <a:pPr>
+              <a:lnSpc>
+                <a:spcPct val="90000"/>
+              </a:lnSpc>
+              <a:spcBef>
+                <a:spcPts val="1400"/>
+              </a:spcBef>
+            </a:pPr>
+            <a:r>
+              <a:rPr lang="en-US" sz="2400" i="1" dirty="0">
+                <a:latin typeface="Cambria" panose="02040503050406030204" pitchFamily="18" charset="0"/>
+              </a:rPr>
+              <a:t>=&gt; </a:t>
+            </a:r>
+            <a:r>
+              <a:rPr lang="en-US" sz="2800" b="1" i="1" dirty="0">
+                <a:latin typeface="Cambria" panose="02040503050406030204" pitchFamily="18" charset="0"/>
+              </a:rPr>
+              <a:t>Tối thiểu chi phí và tối đại khả năng mở rộng</a:t>
+            </a:r>
+            <a:r>
+              <a:rPr lang="en-US" sz="2800" i="1" dirty="0">
+                <a:latin typeface="Cambria" panose="02040503050406030204" pitchFamily="18" charset="0"/>
+              </a:rPr>
+              <a:t/>
+            </a:r>
+            <a:br>
+              <a:rPr lang="en-US" sz="2800" i="1" dirty="0">
+                <a:latin typeface="Cambria" panose="02040503050406030204" pitchFamily="18" charset="0"/>
+              </a:rPr>
+            </a:br>
+            <a:endParaRPr lang="en-US" sz="2800" i="1" dirty="0">
+              <a:latin typeface="Cambria" panose="02040503050406030204" pitchFamily="18" charset="0"/>
+            </a:endParaRPr>
+          </a:p>
+          <a:p>
+            <a:pPr marL="457200" indent="-457200">
               <a:lnSpc>
                 <a:spcPct val="90000"/>
               </a:lnSpc>
@@ -14768,7 +14872,7 @@
     </p:spTree>
     <p:extLst>
       <p:ext uri="{BB962C8B-B14F-4D97-AF65-F5344CB8AC3E}">
-        <p14:creationId xmlns:p14="http://schemas.microsoft.com/office/powerpoint/2010/main" val="939727114"/>
+        <p14:creationId xmlns:p14="http://schemas.microsoft.com/office/powerpoint/2010/main" val="1119301464"/>
       </p:ext>
     </p:extLst>
   </p:cSld>
@@ -14826,7 +14930,7 @@
         </p:nvSpPr>
         <p:spPr>
           <a:xfrm>
-            <a:off x="1593436" y="139164"/>
+            <a:off x="1593440" y="139168"/>
             <a:ext cx="9782801" cy="1239837"/>
           </a:xfrm>
         </p:spPr>
@@ -14850,7 +14954,7 @@
         </p:nvSpPr>
         <p:spPr>
           <a:xfrm>
-            <a:off x="3011022" y="304800"/>
+            <a:off x="3011026" y="304804"/>
             <a:ext cx="6375463" cy="830997"/>
           </a:xfrm>
           <a:prstGeom prst="rect">
@@ -14897,7 +15001,7 @@
         <p:spPr>
           <a:xfrm>
             <a:off x="1406222" y="1474190"/>
-            <a:ext cx="6893234" cy="523220"/>
+            <a:ext cx="2702535" cy="523220"/>
           </a:xfrm>
           <a:prstGeom prst="rect">
             <a:avLst/>
@@ -14910,60 +15014,12 @@
           <a:lstStyle/>
           <a:p>
             <a:r>
-              <a:rPr lang="vi-VN" sz="2800" b="1" dirty="0">
-                <a:latin typeface="Cambria" panose="02040503050406030204" pitchFamily="18" charset="0"/>
-              </a:rPr>
-              <a:t>Các hàm cơ bản trong </a:t>
-            </a:r>
-            <a:r>
-              <a:rPr lang="vi-VN" sz="2800" b="1" dirty="0" smtClean="0">
-                <a:latin typeface="Cambria" panose="02040503050406030204" pitchFamily="18" charset="0"/>
-              </a:rPr>
-              <a:t>E</a:t>
-            </a:r>
-            <a:r>
               <a:rPr lang="en-US" sz="2800" b="1" dirty="0">
                 <a:latin typeface="Cambria" panose="02040503050406030204" pitchFamily="18" charset="0"/>
               </a:rPr>
-              <a:t>x</a:t>
-            </a:r>
-            <a:r>
-              <a:rPr lang="vi-VN" sz="2800" b="1" dirty="0" smtClean="0">
-                <a:latin typeface="Cambria" panose="02040503050406030204" pitchFamily="18" charset="0"/>
-              </a:rPr>
-              <a:t>press</a:t>
-            </a:r>
-            <a:r>
-              <a:rPr lang="en-US" sz="2800" b="1" dirty="0" smtClean="0">
-                <a:latin typeface="Cambria" panose="02040503050406030204" pitchFamily="18" charset="0"/>
-              </a:rPr>
-              <a:t>JS</a:t>
-            </a:r>
-            <a:r>
-              <a:rPr lang="vi-VN" sz="2800" b="1" dirty="0" smtClean="0">
-                <a:latin typeface="Cambria" panose="02040503050406030204" pitchFamily="18" charset="0"/>
-              </a:rPr>
-              <a:t> </a:t>
-            </a:r>
-            <a:r>
-              <a:rPr lang="vi-VN" sz="2800" b="1" dirty="0">
-                <a:latin typeface="Cambria" panose="02040503050406030204" pitchFamily="18" charset="0"/>
-              </a:rPr>
-              <a:t>– </a:t>
-            </a:r>
-            <a:r>
-              <a:rPr lang="vi-VN" sz="2800" b="1" dirty="0" smtClean="0">
-                <a:latin typeface="Cambria" panose="02040503050406030204" pitchFamily="18" charset="0"/>
-              </a:rPr>
-              <a:t>Node</a:t>
-            </a:r>
-            <a:r>
-              <a:rPr lang="en-US" sz="2800" b="1" dirty="0" smtClean="0">
-                <a:latin typeface="Cambria" panose="02040503050406030204" pitchFamily="18" charset="0"/>
-              </a:rPr>
-              <a:t>JS</a:t>
-            </a:r>
-            <a:endParaRPr lang="en-US" sz="2800" b="1" dirty="0">
+              <a:t>ExpressJS là gì?</a:t>
+            </a:r>
+            <a:endParaRPr lang="en-US" sz="2800" dirty="0">
               <a:latin typeface="Cambria" panose="02040503050406030204" pitchFamily="18" charset="0"/>
             </a:endParaRPr>
           </a:p>
@@ -15040,7 +15096,7 @@
           <a:p>
             <a:pPr algn="ctr"/>
             <a:r>
-              <a:rPr lang="en-US" dirty="0" smtClean="0"/>
+              <a:rPr lang="en-US" dirty="0"/>
               <a:t>19</a:t>
             </a:r>
             <a:endParaRPr lang="en-US" dirty="0"/>
@@ -15056,7 +15112,7 @@
         <p:spPr>
           <a:xfrm>
             <a:off x="1406221" y="2092599"/>
-            <a:ext cx="9335865" cy="6029343"/>
+            <a:ext cx="9335865" cy="2888996"/>
           </a:xfrm>
           <a:prstGeom prst="rect">
             <a:avLst/>
@@ -15079,201 +15135,14 @@
               <a:buChar char="Ø"/>
             </a:pPr>
             <a:r>
-              <a:rPr lang="en-US" sz="2400" dirty="0" smtClean="0">
-                <a:latin typeface="Cambria" panose="02040503050406030204" pitchFamily="18" charset="0"/>
-              </a:rPr>
-              <a:t>Hàm get(), post() là hệ thống định tuyến của Express. VD:</a:t>
-            </a:r>
-          </a:p>
-          <a:p>
-            <a:pPr>
-              <a:lnSpc>
-                <a:spcPct val="90000"/>
-              </a:lnSpc>
-              <a:spcBef>
-                <a:spcPts val="1400"/>
-              </a:spcBef>
-            </a:pPr>
-            <a:r>
               <a:rPr lang="en-US" sz="2400" dirty="0">
                 <a:latin typeface="Cambria" panose="02040503050406030204" pitchFamily="18" charset="0"/>
               </a:rPr>
-              <a:t>	</a:t>
-            </a:r>
-            <a:r>
-              <a:rPr lang="en-US" sz="2400" dirty="0" smtClean="0">
-                <a:latin typeface="Cambria" panose="02040503050406030204" pitchFamily="18" charset="0"/>
-              </a:rPr>
-              <a:t>app.get</a:t>
-            </a:r>
-            <a:r>
-              <a:rPr lang="en-US" sz="2400" dirty="0">
-                <a:latin typeface="Cambria" panose="02040503050406030204" pitchFamily="18" charset="0"/>
-              </a:rPr>
-              <a:t>('/', function(req, res){</a:t>
-            </a:r>
-          </a:p>
-          <a:p>
-            <a:pPr>
-              <a:lnSpc>
-                <a:spcPct val="90000"/>
-              </a:lnSpc>
-              <a:spcBef>
-                <a:spcPts val="1400"/>
-              </a:spcBef>
-            </a:pPr>
-            <a:r>
-              <a:rPr lang="en-US" sz="2400" dirty="0">
-                <a:latin typeface="Cambria" panose="02040503050406030204" pitchFamily="18" charset="0"/>
-              </a:rPr>
-              <a:t>		</a:t>
-            </a:r>
-            <a:r>
-              <a:rPr lang="en-US" sz="2400" dirty="0" smtClean="0">
-                <a:latin typeface="Cambria" panose="02040503050406030204" pitchFamily="18" charset="0"/>
-              </a:rPr>
-              <a:t>res.send</a:t>
-            </a:r>
-            <a:r>
-              <a:rPr lang="en-US" sz="2400" dirty="0">
-                <a:latin typeface="Cambria" panose="02040503050406030204" pitchFamily="18" charset="0"/>
-              </a:rPr>
-              <a:t>('Hello every body');</a:t>
-            </a:r>
-          </a:p>
-          <a:p>
-            <a:pPr>
-              <a:lnSpc>
-                <a:spcPct val="90000"/>
-              </a:lnSpc>
-              <a:spcBef>
-                <a:spcPts val="1400"/>
-              </a:spcBef>
-            </a:pPr>
-            <a:r>
-              <a:rPr lang="en-US" sz="2400" dirty="0" smtClean="0">
-                <a:latin typeface="Cambria" panose="02040503050406030204" pitchFamily="18" charset="0"/>
-              </a:rPr>
-              <a:t>	});</a:t>
-            </a:r>
-          </a:p>
-          <a:p>
-            <a:pPr>
-              <a:lnSpc>
-                <a:spcPct val="90000"/>
-              </a:lnSpc>
-              <a:spcBef>
-                <a:spcPts val="1400"/>
-              </a:spcBef>
-            </a:pPr>
-            <a:r>
-              <a:rPr lang="en-US" sz="2400" dirty="0">
-                <a:latin typeface="Cambria" panose="02040503050406030204" pitchFamily="18" charset="0"/>
-              </a:rPr>
-              <a:t>	</a:t>
-            </a:r>
-            <a:r>
-              <a:rPr lang="en-US" sz="2400" dirty="0" smtClean="0">
-                <a:latin typeface="Cambria" panose="02040503050406030204" pitchFamily="18" charset="0"/>
-              </a:rPr>
-              <a:t>app.post('/', </a:t>
-            </a:r>
-            <a:r>
-              <a:rPr lang="en-US" sz="2400" dirty="0">
-                <a:latin typeface="Cambria" panose="02040503050406030204" pitchFamily="18" charset="0"/>
-              </a:rPr>
-              <a:t>function(req, res</a:t>
-            </a:r>
-            <a:r>
-              <a:rPr lang="en-US" sz="2400" dirty="0" smtClean="0">
-                <a:latin typeface="Cambria" panose="02040503050406030204" pitchFamily="18" charset="0"/>
-              </a:rPr>
-              <a:t>){</a:t>
-            </a:r>
-          </a:p>
-          <a:p>
-            <a:pPr>
-              <a:lnSpc>
-                <a:spcPct val="90000"/>
-              </a:lnSpc>
-              <a:spcBef>
-                <a:spcPts val="1400"/>
-              </a:spcBef>
-            </a:pPr>
-            <a:r>
-              <a:rPr lang="en-US" sz="2400" dirty="0" smtClean="0">
-                <a:latin typeface="Cambria" panose="02040503050406030204" pitchFamily="18" charset="0"/>
-              </a:rPr>
-              <a:t>		res.send('Got a Post request');</a:t>
-            </a:r>
-          </a:p>
-          <a:p>
-            <a:pPr>
-              <a:lnSpc>
-                <a:spcPct val="90000"/>
-              </a:lnSpc>
-              <a:spcBef>
-                <a:spcPts val="1400"/>
-              </a:spcBef>
-            </a:pPr>
-            <a:r>
-              <a:rPr lang="en-US" sz="2400" dirty="0" smtClean="0">
-                <a:latin typeface="Cambria" panose="02040503050406030204" pitchFamily="18" charset="0"/>
-              </a:rPr>
-              <a:t>	});</a:t>
-            </a:r>
-          </a:p>
-          <a:p>
-            <a:pPr>
-              <a:lnSpc>
-                <a:spcPct val="90000"/>
-              </a:lnSpc>
-              <a:spcBef>
-                <a:spcPts val="1400"/>
-              </a:spcBef>
-            </a:pPr>
-            <a:r>
-              <a:rPr lang="en-US" sz="2400" dirty="0" smtClean="0">
-                <a:latin typeface="Cambria" panose="02040503050406030204" pitchFamily="18" charset="0"/>
-              </a:rPr>
-              <a:t>Đối số đầu tiên truyền vào là đường dẫn, đối số thứ 2 là function callback -&gt; </a:t>
-            </a:r>
-            <a:r>
-              <a:rPr lang="vi-VN" sz="2400" dirty="0">
-                <a:latin typeface="Cambria" panose="02040503050406030204" pitchFamily="18" charset="0"/>
-              </a:rPr>
-              <a:t>hàm này sẽ được thực thi khi url mà client yêu cầu phù hợp với đối số thứ nhất.</a:t>
-            </a:r>
-            <a:endParaRPr lang="en-US" sz="2400" dirty="0">
-              <a:latin typeface="Cambria" panose="02040503050406030204" pitchFamily="18" charset="0"/>
-            </a:endParaRPr>
-          </a:p>
-          <a:p>
-            <a:pPr>
-              <a:lnSpc>
-                <a:spcPct val="90000"/>
-              </a:lnSpc>
-              <a:spcBef>
-                <a:spcPts val="1400"/>
-              </a:spcBef>
-            </a:pPr>
-            <a:r>
-              <a:rPr lang="en-US" sz="2400" dirty="0">
-                <a:latin typeface="Cambria" panose="02040503050406030204" pitchFamily="18" charset="0"/>
-              </a:rPr>
-              <a:t/>
-            </a:r>
-            <a:br>
-              <a:rPr lang="en-US" sz="2400" dirty="0">
-                <a:latin typeface="Cambria" panose="02040503050406030204" pitchFamily="18" charset="0"/>
-              </a:rPr>
-            </a:br>
-            <a:endParaRPr lang="en-US" sz="2400" dirty="0">
-              <a:latin typeface="Cambria" panose="02040503050406030204" pitchFamily="18" charset="0"/>
-            </a:endParaRPr>
-          </a:p>
-          <a:p>
-            <a:pPr marL="457200" lvl="0" indent="-457200">
+              <a:t>Express là một web application framework for node nó cung cấp cho chúng những rất nhiều tính năng mạnh mẽ trên nền tảng web và các ứng dụng di động</a:t>
+            </a:r>
+          </a:p>
+          <a:p>
+            <a:pPr marL="457200" indent="-457200">
               <a:lnSpc>
                 <a:spcPct val="90000"/>
               </a:lnSpc>
@@ -15283,7 +15152,45 @@
               <a:buFont typeface="Wingdings" panose="05000000000000000000" pitchFamily="2" charset="2"/>
               <a:buChar char="Ø"/>
             </a:pPr>
-            <a:endParaRPr lang="en-US" sz="2400" dirty="0">
+            <a:r>
+              <a:rPr lang="vi-VN" sz="2400" dirty="0">
+                <a:latin typeface="Cambria" panose="02040503050406030204" pitchFamily="18" charset="0"/>
+              </a:rPr>
+              <a:t>Express hỗ trợ các phương thức HTTP và middleware tạo ra 1 API rất mạnh mẽ và sử dụng dễ dàng </a:t>
+            </a:r>
+            <a:r>
+              <a:rPr lang="vi-VN" sz="2400" dirty="0">
+                <a:latin typeface="Cambria" panose="02040503050406030204" pitchFamily="18" charset="0"/>
+              </a:rPr>
+              <a:t>hơn</a:t>
+            </a:r>
+            <a:r>
+              <a:rPr lang="en-US" sz="2800" i="1" dirty="0">
+                <a:latin typeface="Cambria" panose="02040503050406030204" pitchFamily="18" charset="0"/>
+              </a:rPr>
+              <a:t/>
+            </a:r>
+            <a:br>
+              <a:rPr lang="en-US" sz="2800" i="1" dirty="0">
+                <a:latin typeface="Cambria" panose="02040503050406030204" pitchFamily="18" charset="0"/>
+              </a:rPr>
+            </a:br>
+            <a:endParaRPr lang="en-US" sz="2800" i="1" dirty="0">
+              <a:latin typeface="Cambria" panose="02040503050406030204" pitchFamily="18" charset="0"/>
+            </a:endParaRPr>
+          </a:p>
+          <a:p>
+            <a:pPr marL="457200" indent="-457200">
+              <a:lnSpc>
+                <a:spcPct val="90000"/>
+              </a:lnSpc>
+              <a:spcBef>
+                <a:spcPts val="1400"/>
+              </a:spcBef>
+              <a:buFont typeface="Wingdings" panose="05000000000000000000" pitchFamily="2" charset="2"/>
+              <a:buChar char="Ø"/>
+            </a:pPr>
+            <a:endParaRPr lang="en-US" sz="2800" i="1" dirty="0">
               <a:latin typeface="Cambria" panose="02040503050406030204" pitchFamily="18" charset="0"/>
             </a:endParaRPr>
           </a:p>
@@ -15292,7 +15199,7 @@
     </p:spTree>
     <p:extLst>
       <p:ext uri="{BB962C8B-B14F-4D97-AF65-F5344CB8AC3E}">
-        <p14:creationId xmlns:p14="http://schemas.microsoft.com/office/powerpoint/2010/main" val="4157076660"/>
+        <p14:creationId xmlns:p14="http://schemas.microsoft.com/office/powerpoint/2010/main" val="939727114"/>
       </p:ext>
     </p:extLst>
   </p:cSld>
@@ -15350,7 +15257,7 @@
         </p:nvSpPr>
         <p:spPr>
           <a:xfrm rot="20985124">
-            <a:off x="1350541" y="2588520"/>
+            <a:off x="1350543" y="2588524"/>
             <a:ext cx="9782801" cy="1239837"/>
           </a:xfrm>
         </p:spPr>
@@ -15390,7 +15297,7 @@
         </p:nvSpPr>
         <p:spPr>
           <a:xfrm>
-            <a:off x="9599612" y="2514600"/>
+            <a:off x="9599616" y="2514600"/>
             <a:ext cx="2157625" cy="1600200"/>
           </a:xfrm>
         </p:spPr>
@@ -15398,7 +15305,7 @@
           <a:bodyPr/>
           <a:lstStyle/>
           <a:p>
-            <a:pPr marL="0" lvl="0" indent="0">
+            <a:pPr marL="0" indent="0">
               <a:buNone/>
             </a:pPr>
             <a:r>
@@ -15421,7 +15328,7 @@
           </p:nvPr>
         </p:nvGraphicFramePr>
         <p:xfrm>
-          <a:off x="2884270" y="304800"/>
+          <a:off x="2884274" y="304800"/>
           <a:ext cx="8125883" cy="5417256"/>
         </p:xfrm>
         <a:graphic>
@@ -15465,7 +15372,7 @@
           <a:p>
             <a:pPr algn="ctr"/>
             <a:r>
-              <a:rPr lang="en-US" dirty="0" smtClean="0"/>
+              <a:rPr lang="en-US" dirty="0"/>
               <a:t>2</a:t>
             </a:r>
             <a:endParaRPr lang="en-US" dirty="0"/>
@@ -15719,7 +15626,7 @@
         </p:nvSpPr>
         <p:spPr>
           <a:xfrm>
-            <a:off x="1593436" y="139164"/>
+            <a:off x="1593440" y="139168"/>
             <a:ext cx="9782801" cy="1239837"/>
           </a:xfrm>
         </p:spPr>
@@ -15743,7 +15650,7 @@
         </p:nvSpPr>
         <p:spPr>
           <a:xfrm>
-            <a:off x="3011022" y="304800"/>
+            <a:off x="3011026" y="304804"/>
             <a:ext cx="6375463" cy="830997"/>
           </a:xfrm>
           <a:prstGeom prst="rect">
@@ -15803,7 +15710,7 @@
           <a:lstStyle/>
           <a:p>
             <a:pPr algn="ctr"/>
-            <a:endParaRPr lang="en-US" sz="4400" b="1" dirty="0" smtClean="0">
+            <a:endParaRPr lang="en-US" sz="4400" b="1" dirty="0">
               <a:latin typeface="Cambria" panose="02040503050406030204" pitchFamily="18" charset="0"/>
             </a:endParaRPr>
           </a:p>
@@ -15816,10 +15723,10 @@
           <a:p>
             <a:pPr algn="ctr"/>
             <a:r>
-              <a:rPr lang="en-US" sz="4400" b="1" dirty="0" smtClean="0">
-                <a:latin typeface="Cambria" panose="02040503050406030204" pitchFamily="18" charset="0"/>
-              </a:rPr>
-              <a:t>DEMO chức năng gửi HTTP</a:t>
+              <a:rPr lang="en-US" sz="4400" b="1" dirty="0">
+                <a:latin typeface="Cambria" panose="02040503050406030204" pitchFamily="18" charset="0"/>
+              </a:rPr>
+              <a:t>DEMO</a:t>
             </a:r>
             <a:endParaRPr lang="en-US" sz="4400" b="1" dirty="0">
               <a:latin typeface="Cambria" panose="02040503050406030204" pitchFamily="18" charset="0"/>
@@ -15898,7 +15805,7 @@
           <a:p>
             <a:pPr algn="ctr"/>
             <a:r>
-              <a:rPr lang="en-US" dirty="0" smtClean="0"/>
+              <a:rPr lang="en-US" dirty="0"/>
               <a:t>20</a:t>
             </a:r>
             <a:endParaRPr lang="en-US" dirty="0"/>
@@ -15935,22 +15842,22 @@
               </a:spcBef>
             </a:pPr>
             <a:r>
-              <a:rPr lang="en-US" sz="2800" i="1" dirty="0" smtClean="0">
+              <a:rPr lang="en-US" sz="2800" i="1" dirty="0">
                 <a:latin typeface="Cambria" panose="02040503050406030204" pitchFamily="18" charset="0"/>
               </a:rPr>
               <a:t/>
             </a:r>
             <a:br>
-              <a:rPr lang="en-US" sz="2800" i="1" dirty="0" smtClean="0">
+              <a:rPr lang="en-US" sz="2800" i="1" dirty="0">
                 <a:latin typeface="Cambria" panose="02040503050406030204" pitchFamily="18" charset="0"/>
               </a:rPr>
             </a:br>
-            <a:endParaRPr lang="en-US" sz="2800" i="1" dirty="0" smtClean="0">
+            <a:endParaRPr lang="en-US" sz="2800" i="1" dirty="0">
               <a:latin typeface="Cambria" panose="02040503050406030204" pitchFamily="18" charset="0"/>
             </a:endParaRPr>
           </a:p>
           <a:p>
-            <a:pPr marL="457200" lvl="0" indent="-457200">
+            <a:pPr marL="457200" indent="-457200">
               <a:lnSpc>
                 <a:spcPct val="90000"/>
               </a:lnSpc>
@@ -16053,7 +15960,7 @@
         </p:nvSpPr>
         <p:spPr>
           <a:xfrm>
-            <a:off x="4085172" y="304800"/>
+            <a:off x="4085176" y="304804"/>
             <a:ext cx="4384149" cy="830997"/>
           </a:xfrm>
           <a:prstGeom prst="rect">
@@ -16075,7 +15982,7 @@
               </a:buClr>
             </a:pPr>
             <a:r>
-              <a:rPr lang="en-US" sz="4800" dirty="0" smtClean="0">
+              <a:rPr lang="en-US" sz="4800" dirty="0">
                 <a:solidFill>
                   <a:schemeClr val="tx1">
                     <a:lumMod val="65000"/>
@@ -16137,7 +16044,7 @@
           <a:p>
             <a:pPr algn="ctr"/>
             <a:r>
-              <a:rPr lang="en-US" dirty="0" smtClean="0"/>
+              <a:rPr lang="en-US" dirty="0"/>
               <a:t>3</a:t>
             </a:r>
             <a:endParaRPr lang="en-US" dirty="0"/>
@@ -16231,7 +16138,7 @@
           </a:bodyPr>
           <a:lstStyle/>
           <a:p>
-            <a:pPr marL="457200" lvl="0" indent="-457200" algn="just">
+            <a:pPr marL="457200" indent="-457200" algn="just">
               <a:lnSpc>
                 <a:spcPct val="90000"/>
               </a:lnSpc>
@@ -16242,7 +16149,7 @@
               <a:buChar char="Ø"/>
             </a:pPr>
             <a:r>
-              <a:rPr lang="en-US" sz="2800" i="1" dirty="0" smtClean="0">
+              <a:rPr lang="en-US" sz="2800" i="1" dirty="0">
                 <a:latin typeface="Cambria" panose="02040503050406030204" pitchFamily="18" charset="0"/>
               </a:rPr>
               <a:t>Là </a:t>
@@ -16254,14 +16161,14 @@
               <a:t>một kịch bản của thế </a:t>
             </a:r>
             <a:r>
-              <a:rPr lang="en-US" sz="2800" i="1" dirty="0" smtClean="0">
+              <a:rPr lang="en-US" sz="2800" i="1" dirty="0">
                 <a:latin typeface="Cambria" panose="02040503050406030204" pitchFamily="18" charset="0"/>
               </a:rPr>
               <a:t>giới</a:t>
             </a:r>
           </a:p>
           <a:p>
-            <a:pPr marL="457200" lvl="0" indent="-457200" algn="just">
+            <a:pPr marL="457200" indent="-457200" algn="just">
               <a:lnSpc>
                 <a:spcPct val="90000"/>
               </a:lnSpc>
@@ -16278,7 +16185,7 @@
               <a:t>L</a:t>
             </a:r>
             <a:r>
-              <a:rPr lang="en-US" sz="2800" i="1" dirty="0" smtClean="0">
+              <a:rPr lang="en-US" sz="2800" i="1" dirty="0">
                 <a:latin typeface="Cambria" panose="02040503050406030204" pitchFamily="18" charset="0"/>
               </a:rPr>
               <a:t>à </a:t>
@@ -16290,18 +16197,18 @@
               <a:t>khi tất cả mọi thứ đều </a:t>
             </a:r>
             <a:r>
-              <a:rPr lang="en-US" sz="2800" i="1" dirty="0" smtClean="0">
+              <a:rPr lang="en-US" sz="2800" i="1" dirty="0">
                 <a:latin typeface="Cambria" panose="02040503050406030204" pitchFamily="18" charset="0"/>
               </a:rPr>
               <a:t/>
             </a:r>
             <a:br>
-              <a:rPr lang="en-US" sz="2800" i="1" dirty="0" smtClean="0">
+              <a:rPr lang="en-US" sz="2800" i="1" dirty="0">
                 <a:latin typeface="Cambria" panose="02040503050406030204" pitchFamily="18" charset="0"/>
               </a:rPr>
             </a:br>
             <a:r>
-              <a:rPr lang="en-US" sz="2800" i="1" dirty="0" smtClean="0">
+              <a:rPr lang="en-US" sz="2800" i="1" dirty="0">
                 <a:latin typeface="Cambria" panose="02040503050406030204" pitchFamily="18" charset="0"/>
               </a:rPr>
               <a:t>được </a:t>
@@ -16313,25 +16220,25 @@
               <a:t>kết nối với nhau </a:t>
             </a:r>
             <a:r>
-              <a:rPr lang="en-US" sz="2800" i="1" dirty="0" smtClean="0">
+              <a:rPr lang="en-US" sz="2800" i="1" dirty="0">
                 <a:latin typeface="Cambria" panose="02040503050406030204" pitchFamily="18" charset="0"/>
               </a:rPr>
               <a:t>qua </a:t>
             </a:r>
             <a:br>
-              <a:rPr lang="en-US" sz="2800" i="1" dirty="0" smtClean="0">
+              <a:rPr lang="en-US" sz="2800" i="1" dirty="0">
                 <a:latin typeface="Cambria" panose="02040503050406030204" pitchFamily="18" charset="0"/>
               </a:rPr>
             </a:br>
             <a:r>
-              <a:rPr lang="en-US" sz="2800" i="1" dirty="0" smtClean="0">
+              <a:rPr lang="en-US" sz="2800" i="1" dirty="0">
                 <a:latin typeface="Cambria" panose="02040503050406030204" pitchFamily="18" charset="0"/>
               </a:rPr>
               <a:t>mạng Internet</a:t>
             </a:r>
           </a:p>
           <a:p>
-            <a:pPr lvl="0" algn="just">
+            <a:pPr algn="just">
               <a:lnSpc>
                 <a:spcPct val="90000"/>
               </a:lnSpc>
@@ -16340,29 +16247,29 @@
               </a:spcBef>
             </a:pPr>
             <a:r>
-              <a:rPr lang="en-US" sz="2800" i="1" dirty="0" smtClean="0">
+              <a:rPr lang="en-US" sz="2800" i="1" dirty="0">
                 <a:latin typeface="Cambria" panose="02040503050406030204" pitchFamily="18" charset="0"/>
               </a:rPr>
               <a:t>=&gt; Người dùng kiểm soát đồ</a:t>
             </a:r>
             <a:br>
-              <a:rPr lang="en-US" sz="2800" i="1" dirty="0" smtClean="0">
+              <a:rPr lang="en-US" sz="2800" i="1" dirty="0">
                 <a:latin typeface="Cambria" panose="02040503050406030204" pitchFamily="18" charset="0"/>
               </a:rPr>
             </a:br>
             <a:r>
-              <a:rPr lang="en-US" sz="2800" i="1" dirty="0" smtClean="0">
+              <a:rPr lang="en-US" sz="2800" i="1" dirty="0">
                 <a:latin typeface="Cambria" panose="02040503050406030204" pitchFamily="18" charset="0"/>
               </a:rPr>
               <a:t> vật qua mạng bằng thiết bị</a:t>
             </a:r>
             <a:br>
-              <a:rPr lang="en-US" sz="2800" i="1" dirty="0" smtClean="0">
+              <a:rPr lang="en-US" sz="2800" i="1" dirty="0">
                 <a:latin typeface="Cambria" panose="02040503050406030204" pitchFamily="18" charset="0"/>
               </a:rPr>
             </a:br>
             <a:r>
-              <a:rPr lang="en-US" sz="2800" i="1" dirty="0" smtClean="0">
+              <a:rPr lang="en-US" sz="2800" i="1" dirty="0">
                 <a:latin typeface="Cambria" panose="02040503050406030204" pitchFamily="18" charset="0"/>
               </a:rPr>
               <a:t> thông minh</a:t>
@@ -16402,7 +16309,7 @@
               <a:t>Internet of Things (IoT</a:t>
             </a:r>
             <a:r>
-              <a:rPr lang="en-US" sz="3600" b="1" dirty="0" smtClean="0">
+              <a:rPr lang="en-US" sz="3600" b="1" dirty="0">
                 <a:latin typeface="Cambria" panose="02040503050406030204" pitchFamily="18" charset="0"/>
               </a:rPr>
               <a:t>)</a:t>
@@ -16483,7 +16390,7 @@
         </p:nvSpPr>
         <p:spPr>
           <a:xfrm>
-            <a:off x="1593436" y="139164"/>
+            <a:off x="1593440" y="139168"/>
             <a:ext cx="9782801" cy="1239837"/>
           </a:xfrm>
         </p:spPr>
@@ -16507,7 +16414,7 @@
         </p:nvSpPr>
         <p:spPr>
           <a:xfrm>
-            <a:off x="3997669" y="304800"/>
+            <a:off x="3997673" y="304804"/>
             <a:ext cx="4402167" cy="830997"/>
           </a:xfrm>
           <a:prstGeom prst="rect">
@@ -16676,7 +16583,7 @@
           </a:bodyPr>
           <a:lstStyle/>
           <a:p>
-            <a:pPr marL="457200" lvl="0" indent="-457200">
+            <a:pPr marL="457200" indent="-457200">
               <a:lnSpc>
                 <a:spcPct val="90000"/>
               </a:lnSpc>
@@ -16687,14 +16594,14 @@
               <a:buChar char="Ø"/>
             </a:pPr>
             <a:r>
-              <a:rPr lang="en-US" sz="2800" dirty="0" smtClean="0">
+              <a:rPr lang="en-US" sz="2800" dirty="0">
                 <a:latin typeface="Cambria" panose="02040503050406030204" pitchFamily="18" charset="0"/>
               </a:rPr>
               <a:t>Các thiết bị thông minh giao tiếp qua các kênh không dây</a:t>
             </a:r>
           </a:p>
           <a:p>
-            <a:pPr marL="457200" lvl="0" indent="-457200">
+            <a:pPr marL="457200" indent="-457200">
               <a:lnSpc>
                 <a:spcPct val="90000"/>
               </a:lnSpc>
@@ -16705,53 +16612,53 @@
               <a:buChar char="Ø"/>
             </a:pPr>
             <a:r>
-              <a:rPr lang="en-US" sz="2800" dirty="0" smtClean="0">
+              <a:rPr lang="en-US" sz="2800" dirty="0">
                 <a:latin typeface="Cambria" panose="02040503050406030204" pitchFamily="18" charset="0"/>
               </a:rPr>
               <a:t>Giao thức giao tiếp không dây được thiết kế:</a:t>
             </a:r>
             <a:br>
-              <a:rPr lang="en-US" sz="2800" dirty="0" smtClean="0">
+              <a:rPr lang="en-US" sz="2800" dirty="0">
                 <a:latin typeface="Cambria" panose="02040503050406030204" pitchFamily="18" charset="0"/>
               </a:rPr>
             </a:br>
             <a:r>
-              <a:rPr lang="en-US" sz="2800" i="1" dirty="0" smtClean="0">
+              <a:rPr lang="en-US" sz="2800" i="1" dirty="0">
                 <a:latin typeface="Cambria" panose="02040503050406030204" pitchFamily="18" charset="0"/>
               </a:rPr>
               <a:t>	</a:t>
             </a:r>
             <a:r>
-              <a:rPr lang="en-US" sz="2400" i="1" dirty="0" smtClean="0">
+              <a:rPr lang="en-US" sz="2400" i="1" dirty="0">
                 <a:latin typeface="Cambria" panose="02040503050406030204" pitchFamily="18" charset="0"/>
               </a:rPr>
               <a:t>Tiêu tốn ít năng lượng cho việc thu/phát sóng.</a:t>
             </a:r>
             <a:br>
-              <a:rPr lang="en-US" sz="2400" i="1" dirty="0" smtClean="0">
+              <a:rPr lang="en-US" sz="2400" i="1" dirty="0">
                 <a:latin typeface="Cambria" panose="02040503050406030204" pitchFamily="18" charset="0"/>
               </a:rPr>
             </a:br>
             <a:r>
-              <a:rPr lang="en-US" sz="2400" i="1" dirty="0" smtClean="0">
+              <a:rPr lang="en-US" sz="2400" i="1" dirty="0">
                 <a:latin typeface="Cambria" panose="02040503050406030204" pitchFamily="18" charset="0"/>
               </a:rPr>
               <a:t>	Tiêu tốn ít băng thông.</a:t>
             </a:r>
             <a:br>
-              <a:rPr lang="en-US" sz="2400" i="1" dirty="0" smtClean="0">
+              <a:rPr lang="en-US" sz="2400" i="1" dirty="0">
                 <a:latin typeface="Cambria" panose="02040503050406030204" pitchFamily="18" charset="0"/>
               </a:rPr>
             </a:br>
             <a:r>
-              <a:rPr lang="en-US" sz="2400" i="1" dirty="0" smtClean="0">
+              <a:rPr lang="en-US" sz="2400" i="1" dirty="0">
                 <a:latin typeface="Cambria" panose="02040503050406030204" pitchFamily="18" charset="0"/>
               </a:rPr>
               <a:t>	Hoạt động trong mạng mắt lưới.</a:t>
             </a:r>
           </a:p>
           <a:p>
-            <a:pPr lvl="0">
+            <a:pPr>
               <a:lnSpc>
                 <a:spcPct val="90000"/>
               </a:lnSpc>
@@ -16760,39 +16667,39 @@
               </a:spcBef>
             </a:pPr>
             <a:r>
-              <a:rPr lang="en-US" sz="2400" dirty="0" smtClean="0">
+              <a:rPr lang="en-US" sz="2400" dirty="0">
                 <a:latin typeface="Cambria" panose="02040503050406030204" pitchFamily="18" charset="0"/>
               </a:rPr>
               <a:t> 	Một số thiết bị giao tiếp qua Wifi hay Bluetooth, nhưng đa số tận dụng các kết nối sử dụng dải tầng dưới mức GHz Zigbee.</a:t>
             </a:r>
             <a:r>
-              <a:rPr lang="en-US" sz="2400" i="1" dirty="0" smtClean="0">
+              <a:rPr lang="en-US" sz="2400" i="1" dirty="0">
                 <a:latin typeface="Cambria" panose="02040503050406030204" pitchFamily="18" charset="0"/>
               </a:rPr>
               <a:t/>
             </a:r>
             <a:br>
-              <a:rPr lang="en-US" sz="2400" i="1" dirty="0" smtClean="0">
+              <a:rPr lang="en-US" sz="2400" i="1" dirty="0">
                 <a:latin typeface="Cambria" panose="02040503050406030204" pitchFamily="18" charset="0"/>
               </a:rPr>
             </a:br>
             <a:r>
-              <a:rPr lang="en-US" sz="2800" i="1" dirty="0" smtClean="0">
+              <a:rPr lang="en-US" sz="2800" i="1" dirty="0">
                 <a:latin typeface="Cambria" panose="02040503050406030204" pitchFamily="18" charset="0"/>
               </a:rPr>
               <a:t/>
             </a:r>
             <a:br>
-              <a:rPr lang="en-US" sz="2800" i="1" dirty="0" smtClean="0">
+              <a:rPr lang="en-US" sz="2800" i="1" dirty="0">
                 <a:latin typeface="Cambria" panose="02040503050406030204" pitchFamily="18" charset="0"/>
               </a:rPr>
             </a:br>
-            <a:endParaRPr lang="en-US" sz="2800" i="1" dirty="0" smtClean="0">
+            <a:endParaRPr lang="en-US" sz="2800" i="1" dirty="0">
               <a:latin typeface="Cambria" panose="02040503050406030204" pitchFamily="18" charset="0"/>
             </a:endParaRPr>
           </a:p>
           <a:p>
-            <a:pPr marL="457200" lvl="0" indent="-457200">
+            <a:pPr marL="457200" indent="-457200">
               <a:lnSpc>
                 <a:spcPct val="90000"/>
               </a:lnSpc>
@@ -16914,7 +16821,7 @@
         </p:nvSpPr>
         <p:spPr>
           <a:xfrm>
-            <a:off x="1593436" y="139164"/>
+            <a:off x="1593440" y="139168"/>
             <a:ext cx="9782801" cy="1239837"/>
           </a:xfrm>
         </p:spPr>
@@ -16938,7 +16845,7 @@
         </p:nvSpPr>
         <p:spPr>
           <a:xfrm>
-            <a:off x="3997669" y="304800"/>
+            <a:off x="3997673" y="304804"/>
             <a:ext cx="4402167" cy="830997"/>
           </a:xfrm>
           <a:prstGeom prst="rect">
@@ -16998,7 +16905,7 @@
           <a:lstStyle/>
           <a:p>
             <a:r>
-              <a:rPr lang="en-US" sz="2800" b="1" dirty="0" smtClean="0">
+              <a:rPr lang="en-US" sz="2800" b="1" dirty="0">
                 <a:latin typeface="Cambria" panose="02040503050406030204" pitchFamily="18" charset="0"/>
               </a:rPr>
               <a:t>Zigbee là gì?</a:t>
@@ -17118,7 +17025,7 @@
               <a:buChar char="Ø"/>
             </a:pPr>
             <a:r>
-              <a:rPr lang="en-US" sz="2800" dirty="0" smtClean="0">
+              <a:rPr lang="en-US" sz="2800" dirty="0">
                 <a:latin typeface="Cambria" panose="02040503050406030204" pitchFamily="18" charset="0"/>
               </a:rPr>
               <a:t>Một </a:t>
@@ -17131,7 +17038,7 @@
             </a:r>
           </a:p>
           <a:p>
-            <a:pPr marL="457200" lvl="0" indent="-457200">
+            <a:pPr marL="457200" indent="-457200">
               <a:lnSpc>
                 <a:spcPct val="90000"/>
               </a:lnSpc>
@@ -17142,7 +17049,7 @@
               <a:buChar char="Ø"/>
             </a:pPr>
             <a:r>
-              <a:rPr lang="en-US" sz="2800" dirty="0" smtClean="0">
+              <a:rPr lang="en-US" sz="2800" dirty="0">
                 <a:latin typeface="Cambria" panose="02040503050406030204" pitchFamily="18" charset="0"/>
               </a:rPr>
               <a:t>Công </a:t>
@@ -17154,14 +17061,14 @@
               <a:t>nghệ hoạt động trong phạm vi </a:t>
             </a:r>
             <a:r>
-              <a:rPr lang="en-US" sz="2800" dirty="0" smtClean="0">
+              <a:rPr lang="en-US" sz="2800" dirty="0">
                 <a:latin typeface="Cambria" panose="02040503050406030204" pitchFamily="18" charset="0"/>
               </a:rPr>
               <a:t>hẹp</a:t>
             </a:r>
           </a:p>
           <a:p>
-            <a:pPr marL="457200" lvl="0" indent="-457200">
+            <a:pPr marL="457200" indent="-457200">
               <a:lnSpc>
                 <a:spcPct val="90000"/>
               </a:lnSpc>
@@ -17172,7 +17079,7 @@
               <a:buChar char="Ø"/>
             </a:pPr>
             <a:r>
-              <a:rPr lang="en-US" sz="2800" dirty="0" smtClean="0">
+              <a:rPr lang="en-US" sz="2800" dirty="0">
                 <a:latin typeface="Cambria" panose="02040503050406030204" pitchFamily="18" charset="0"/>
               </a:rPr>
               <a:t>Tiêu </a:t>
@@ -17184,50 +17091,50 @@
               <a:t>thụ ít năng lượng để phục vụ việc kết nối và quản lý các cảm biến – sensor</a:t>
             </a:r>
             <a:r>
-              <a:rPr lang="en-US" sz="2800" dirty="0" smtClean="0">
+              <a:rPr lang="en-US" sz="2800" dirty="0">
                 <a:latin typeface="Cambria" panose="02040503050406030204" pitchFamily="18" charset="0"/>
               </a:rPr>
               <a:t/>
             </a:r>
             <a:br>
-              <a:rPr lang="en-US" sz="2800" dirty="0" smtClean="0">
+              <a:rPr lang="en-US" sz="2800" dirty="0">
                 <a:latin typeface="Cambria" panose="02040503050406030204" pitchFamily="18" charset="0"/>
               </a:rPr>
             </a:br>
             <a:r>
-              <a:rPr lang="en-US" sz="2800" i="1" dirty="0" smtClean="0">
+              <a:rPr lang="en-US" sz="2800" i="1" dirty="0">
                 <a:latin typeface="Cambria" panose="02040503050406030204" pitchFamily="18" charset="0"/>
               </a:rPr>
               <a:t>	</a:t>
             </a:r>
             <a:r>
-              <a:rPr lang="en-US" sz="2400" i="1" dirty="0" smtClean="0">
+              <a:rPr lang="en-US" sz="2400" i="1" dirty="0">
                 <a:latin typeface="Cambria" panose="02040503050406030204" pitchFamily="18" charset="0"/>
               </a:rPr>
               <a:t/>
             </a:r>
             <a:br>
-              <a:rPr lang="en-US" sz="2400" i="1" dirty="0" smtClean="0">
+              <a:rPr lang="en-US" sz="2400" i="1" dirty="0">
                 <a:latin typeface="Cambria" panose="02040503050406030204" pitchFamily="18" charset="0"/>
               </a:rPr>
             </a:br>
             <a:r>
-              <a:rPr lang="en-US" sz="2800" i="1" dirty="0" smtClean="0">
+              <a:rPr lang="en-US" sz="2800" i="1" dirty="0">
                 <a:latin typeface="Cambria" panose="02040503050406030204" pitchFamily="18" charset="0"/>
               </a:rPr>
               <a:t/>
             </a:r>
             <a:br>
-              <a:rPr lang="en-US" sz="2800" i="1" dirty="0" smtClean="0">
+              <a:rPr lang="en-US" sz="2800" i="1" dirty="0">
                 <a:latin typeface="Cambria" panose="02040503050406030204" pitchFamily="18" charset="0"/>
               </a:rPr>
             </a:br>
-            <a:endParaRPr lang="en-US" sz="2800" i="1" dirty="0" smtClean="0">
+            <a:endParaRPr lang="en-US" sz="2800" i="1" dirty="0">
               <a:latin typeface="Cambria" panose="02040503050406030204" pitchFamily="18" charset="0"/>
             </a:endParaRPr>
           </a:p>
           <a:p>
-            <a:pPr marL="457200" lvl="0" indent="-457200">
+            <a:pPr marL="457200" indent="-457200">
               <a:lnSpc>
                 <a:spcPct val="90000"/>
               </a:lnSpc>
@@ -17264,7 +17171,7 @@
         </p:blipFill>
         <p:spPr bwMode="auto">
           <a:xfrm>
-            <a:off x="5408612" y="1817422"/>
+            <a:off x="5408616" y="1817426"/>
             <a:ext cx="6257925" cy="4614157"/>
           </a:xfrm>
           <a:prstGeom prst="rect">
@@ -17337,7 +17244,7 @@
         </p:nvSpPr>
         <p:spPr>
           <a:xfrm>
-            <a:off x="1593436" y="139164"/>
+            <a:off x="1593440" y="139168"/>
             <a:ext cx="9782801" cy="1239837"/>
           </a:xfrm>
         </p:spPr>
@@ -17361,7 +17268,7 @@
         </p:nvSpPr>
         <p:spPr>
           <a:xfrm>
-            <a:off x="3997669" y="304800"/>
+            <a:off x="3997673" y="304804"/>
             <a:ext cx="4402167" cy="830997"/>
           </a:xfrm>
           <a:prstGeom prst="rect">
@@ -17421,10 +17328,10 @@
           <a:lstStyle/>
           <a:p>
             <a:r>
-              <a:rPr lang="en-US" sz="2800" b="1" dirty="0" smtClean="0">
-                <a:latin typeface="Cambria" panose="02040503050406030204" pitchFamily="18" charset="0"/>
-              </a:rPr>
-              <a:t>Ưu và nhược điểm của Zigbee?</a:t>
+              <a:rPr lang="en-US" sz="2800" b="1" dirty="0">
+                <a:latin typeface="Cambria" panose="02040503050406030204" pitchFamily="18" charset="0"/>
+              </a:rPr>
+              <a:t>Ưu và nhược điểm của Zigbee</a:t>
             </a:r>
             <a:endParaRPr lang="en-US" sz="2800" dirty="0">
               <a:latin typeface="Cambria" panose="02040503050406030204" pitchFamily="18" charset="0"/>
@@ -17503,7 +17410,7 @@
           <a:p>
             <a:pPr algn="ctr"/>
             <a:r>
-              <a:rPr lang="en-US" dirty="0" smtClean="0"/>
+              <a:rPr lang="en-US" dirty="0"/>
               <a:t>6</a:t>
             </a:r>
             <a:endParaRPr lang="en-US" dirty="0"/>
@@ -17540,13 +17447,13 @@
               </a:spcBef>
             </a:pPr>
             <a:r>
-              <a:rPr lang="en-US" sz="2800" dirty="0" smtClean="0">
+              <a:rPr lang="en-US" sz="2800" dirty="0">
                 <a:latin typeface="Cambria" panose="02040503050406030204" pitchFamily="18" charset="0"/>
               </a:rPr>
               <a:t>	</a:t>
             </a:r>
             <a:r>
-              <a:rPr lang="en-US" sz="3200" b="1" dirty="0" smtClean="0">
+              <a:rPr lang="en-US" sz="3200" b="1" dirty="0">
                 <a:latin typeface="Cambria" panose="02040503050406030204" pitchFamily="18" charset="0"/>
               </a:rPr>
               <a:t>Ưu điểm</a:t>
@@ -17561,7 +17468,7 @@
               <a:buChar char="•"/>
             </a:pPr>
             <a:r>
-              <a:rPr lang="en-US" sz="2400" dirty="0" smtClean="0">
+              <a:rPr lang="en-US" sz="2400" dirty="0">
                 <a:latin typeface="Cambria" panose="02040503050406030204" pitchFamily="18" charset="0"/>
               </a:rPr>
               <a:t>Giá </a:t>
@@ -17579,7 +17486,7 @@
               <a:buChar char="•"/>
             </a:pPr>
             <a:r>
-              <a:rPr lang="en-US" sz="2400" dirty="0" smtClean="0">
+              <a:rPr lang="en-US" sz="2400" dirty="0">
                 <a:latin typeface="Cambria" panose="02040503050406030204" pitchFamily="18" charset="0"/>
               </a:rPr>
               <a:t>Tiêu </a:t>
@@ -17597,7 +17504,7 @@
               <a:buChar char="•"/>
             </a:pPr>
             <a:r>
-              <a:rPr lang="en-US" sz="2400" dirty="0" smtClean="0">
+              <a:rPr lang="en-US" sz="2400" dirty="0">
                 <a:latin typeface="Cambria" panose="02040503050406030204" pitchFamily="18" charset="0"/>
               </a:rPr>
               <a:t>Kiến </a:t>
@@ -17615,7 +17522,7 @@
               <a:buChar char="•"/>
             </a:pPr>
             <a:r>
-              <a:rPr lang="en-US" sz="2400" dirty="0" smtClean="0">
+              <a:rPr lang="en-US" sz="2400" dirty="0">
                 <a:latin typeface="Cambria" panose="02040503050406030204" pitchFamily="18" charset="0"/>
               </a:rPr>
               <a:t>Được </a:t>
@@ -17633,7 +17540,7 @@
               <a:buChar char="•"/>
             </a:pPr>
             <a:r>
-              <a:rPr lang="en-US" sz="2400" dirty="0" smtClean="0">
+              <a:rPr lang="en-US" sz="2400" dirty="0">
                 <a:latin typeface="Cambria" panose="02040503050406030204" pitchFamily="18" charset="0"/>
               </a:rPr>
               <a:t>Số </a:t>
@@ -17644,7 +17551,7 @@
               </a:rPr>
               <a:t>lượng các nút lớn (65k)</a:t>
             </a:r>
-            <a:endParaRPr lang="en-US" sz="2400" dirty="0" smtClean="0">
+            <a:endParaRPr lang="en-US" sz="2400" dirty="0">
               <a:latin typeface="Cambria" panose="02040503050406030204" pitchFamily="18" charset="0"/>
             </a:endParaRPr>
           </a:p>
@@ -17658,7 +17565,7 @@
         </p:nvSpPr>
         <p:spPr>
           <a:xfrm>
-            <a:off x="6457848" y="2514600"/>
+            <a:off x="6457848" y="2514604"/>
             <a:ext cx="4486376" cy="2382191"/>
           </a:xfrm>
           <a:prstGeom prst="rect">
@@ -17680,13 +17587,13 @@
               </a:spcBef>
             </a:pPr>
             <a:r>
-              <a:rPr lang="en-US" sz="2800" dirty="0" smtClean="0">
+              <a:rPr lang="en-US" sz="2800" dirty="0">
                 <a:latin typeface="Cambria" panose="02040503050406030204" pitchFamily="18" charset="0"/>
               </a:rPr>
               <a:t>	</a:t>
             </a:r>
             <a:r>
-              <a:rPr lang="en-US" sz="3200" b="1" dirty="0" smtClean="0">
+              <a:rPr lang="en-US" sz="3200" b="1" dirty="0">
                 <a:latin typeface="Cambria" panose="02040503050406030204" pitchFamily="18" charset="0"/>
               </a:rPr>
               <a:t>Nhược điểm</a:t>
@@ -17698,7 +17605,7 @@
               <a:buChar char="•"/>
             </a:pPr>
             <a:r>
-              <a:rPr lang="en-US" sz="2400" dirty="0" smtClean="0">
+              <a:rPr lang="en-US" sz="2400" dirty="0">
                 <a:latin typeface="Cambria" panose="02040503050406030204" pitchFamily="18" charset="0"/>
               </a:rPr>
               <a:t>Lỗi </a:t>
@@ -17707,7 +17614,19 @@
               <a:rPr lang="en-US" sz="2400" dirty="0">
                 <a:latin typeface="Cambria" panose="02040503050406030204" pitchFamily="18" charset="0"/>
               </a:rPr>
-              <a:t>ở một điểm chính có thể</a:t>
+              <a:t>ở một điểm chính có </a:t>
+            </a:r>
+            <a:r>
+              <a:rPr lang="en-US" sz="2400" dirty="0">
+                <a:latin typeface="Cambria" panose="02040503050406030204" pitchFamily="18" charset="0"/>
+              </a:rPr>
+              <a:t>thể gây </a:t>
+            </a:r>
+            <a:r>
+              <a:rPr lang="en-US" sz="2400" dirty="0">
+                <a:latin typeface="Cambria" panose="02040503050406030204" pitchFamily="18" charset="0"/>
+              </a:rPr>
+              <a:t>lỗi hệ thống.</a:t>
             </a:r>
           </a:p>
           <a:p>
@@ -17719,7 +17638,13 @@
               <a:rPr lang="en-US" sz="2400" dirty="0">
                 <a:latin typeface="Cambria" panose="02040503050406030204" pitchFamily="18" charset="0"/>
               </a:rPr>
-              <a:t>gây lỗi hệ thống.</a:t>
+              <a:t>Tốc </a:t>
+            </a:r>
+            <a:r>
+              <a:rPr lang="en-US" sz="2400" dirty="0">
+                <a:latin typeface="Cambria" panose="02040503050406030204" pitchFamily="18" charset="0"/>
+              </a:rPr>
+              <a:t>độ truyền thấp</a:t>
             </a:r>
           </a:p>
           <a:p>
@@ -17728,46 +17653,28 @@
               <a:buChar char="•"/>
             </a:pPr>
             <a:r>
-              <a:rPr lang="en-US" sz="2400" dirty="0" smtClean="0">
-                <a:latin typeface="Cambria" panose="02040503050406030204" pitchFamily="18" charset="0"/>
-              </a:rPr>
-              <a:t>Tốc </a:t>
-            </a:r>
-            <a:r>
               <a:rPr lang="en-US" sz="2400" dirty="0">
                 <a:latin typeface="Cambria" panose="02040503050406030204" pitchFamily="18" charset="0"/>
               </a:rPr>
-              <a:t>độ truyền thấp</a:t>
-            </a:r>
-          </a:p>
-          <a:p>
-            <a:pPr marL="342900" indent="-342900">
-              <a:buFont typeface="Arial" panose="020B0604020202020204" pitchFamily="34" charset="0"/>
-              <a:buChar char="•"/>
-            </a:pPr>
-            <a:r>
-              <a:rPr lang="en-US" sz="2400" dirty="0" smtClean="0">
-                <a:latin typeface="Cambria" panose="02040503050406030204" pitchFamily="18" charset="0"/>
-              </a:rPr>
               <a:t>Chưa </a:t>
             </a:r>
             <a:r>
               <a:rPr lang="en-US" sz="2400" dirty="0">
                 <a:latin typeface="Cambria" panose="02040503050406030204" pitchFamily="18" charset="0"/>
               </a:rPr>
-              <a:t>có đầy đủ các thiết bị</a:t>
-            </a:r>
-          </a:p>
-          <a:p>
-            <a:pPr marL="342900" indent="-342900">
-              <a:buFont typeface="Arial" panose="020B0604020202020204" pitchFamily="34" charset="0"/>
-              <a:buChar char="•"/>
-            </a:pPr>
+              <a:t>có đầy đủ các thiết </a:t>
+            </a:r>
             <a:r>
               <a:rPr lang="en-US" sz="2400" dirty="0">
                 <a:latin typeface="Cambria" panose="02040503050406030204" pitchFamily="18" charset="0"/>
               </a:rPr>
-              <a:t>để phát triển</a:t>
+              <a:t>bị để </a:t>
+            </a:r>
+            <a:r>
+              <a:rPr lang="en-US" sz="2400" dirty="0">
+                <a:latin typeface="Cambria" panose="02040503050406030204" pitchFamily="18" charset="0"/>
+              </a:rPr>
+              <a:t>phát triển</a:t>
             </a:r>
             <a:endParaRPr lang="en-US" sz="2400" i="1" dirty="0">
               <a:latin typeface="Cambria" panose="02040503050406030204" pitchFamily="18" charset="0"/>
@@ -17785,13 +17692,13 @@
   <p:clrMapOvr>
     <a:masterClrMapping/>
   </p:clrMapOvr>
-  <mc:AlternateContent xmlns:mc="http://schemas.openxmlformats.org/markup-compatibility/2006">
-    <mc:Choice xmlns:p14="http://schemas.microsoft.com/office/powerpoint/2010/main" Requires="p14">
+  <mc:AlternateContent xmlns:mc="http://schemas.openxmlformats.org/markup-compatibility/2006" xmlns:p14="http://schemas.microsoft.com/office/powerpoint/2010/main">
+    <mc:Choice Requires="p14">
       <p:transition spd="med" p14:dur="700">
         <p:fade/>
       </p:transition>
     </mc:Choice>
-    <mc:Fallback>
+    <mc:Fallback xmlns="">
       <p:transition spd="med">
         <p:fade/>
       </p:transition>
@@ -17836,7 +17743,7 @@
         </p:nvSpPr>
         <p:spPr>
           <a:xfrm>
-            <a:off x="1593436" y="139164"/>
+            <a:off x="1593440" y="139168"/>
             <a:ext cx="9782801" cy="1239837"/>
           </a:xfrm>
         </p:spPr>
@@ -17860,7 +17767,7 @@
         </p:nvSpPr>
         <p:spPr>
           <a:xfrm>
-            <a:off x="3997669" y="304800"/>
+            <a:off x="3997673" y="304804"/>
             <a:ext cx="4402167" cy="830997"/>
           </a:xfrm>
           <a:prstGeom prst="rect">
@@ -17907,7 +17814,7 @@
         <p:spPr>
           <a:xfrm>
             <a:off x="1416373" y="1817422"/>
-            <a:ext cx="2694456" cy="523220"/>
+            <a:ext cx="2532553" cy="523220"/>
           </a:xfrm>
           <a:prstGeom prst="rect">
             <a:avLst/>
@@ -17920,10 +17827,10 @@
           <a:lstStyle/>
           <a:p>
             <a:r>
-              <a:rPr lang="en-US" sz="2800" b="1" dirty="0" smtClean="0">
-                <a:latin typeface="Cambria" panose="02040503050406030204" pitchFamily="18" charset="0"/>
-              </a:rPr>
-              <a:t>Dải tần Zigbee?</a:t>
+              <a:rPr lang="en-US" sz="2800" b="1" dirty="0">
+                <a:latin typeface="Cambria" panose="02040503050406030204" pitchFamily="18" charset="0"/>
+              </a:rPr>
+              <a:t>Dải tần Zigbee</a:t>
             </a:r>
             <a:endParaRPr lang="en-US" sz="2800" dirty="0">
               <a:latin typeface="Cambria" panose="02040503050406030204" pitchFamily="18" charset="0"/>
@@ -18002,7 +17909,7 @@
           <a:p>
             <a:pPr algn="ctr"/>
             <a:r>
-              <a:rPr lang="en-US" dirty="0" smtClean="0"/>
+              <a:rPr lang="en-US" dirty="0"/>
               <a:t>7</a:t>
             </a:r>
             <a:endParaRPr lang="en-US" dirty="0"/>
@@ -18030,7 +17937,7 @@
           </a:bodyPr>
           <a:lstStyle/>
           <a:p>
-            <a:pPr marL="457200" lvl="0" indent="-457200">
+            <a:pPr marL="457200" indent="-457200">
               <a:lnSpc>
                 <a:spcPct val="90000"/>
               </a:lnSpc>
@@ -18047,7 +17954,7 @@
               <a:t>T</a:t>
             </a:r>
             <a:r>
-              <a:rPr lang="en-US" sz="2400" dirty="0" smtClean="0">
+              <a:rPr lang="en-US" sz="2400" dirty="0">
                 <a:latin typeface="Cambria" panose="02040503050406030204" pitchFamily="18" charset="0"/>
               </a:rPr>
               <a:t>hực </a:t>
@@ -18059,14 +17966,14 @@
               <a:t>chất là tín hiệu </a:t>
             </a:r>
             <a:r>
-              <a:rPr lang="en-US" sz="2400" dirty="0" smtClean="0">
+              <a:rPr lang="en-US" sz="2400" dirty="0">
                 <a:latin typeface="Cambria" panose="02040503050406030204" pitchFamily="18" charset="0"/>
               </a:rPr>
               <a:t>radio</a:t>
             </a:r>
           </a:p>
           <a:p>
-            <a:pPr marL="457200" lvl="0" indent="-457200">
+            <a:pPr marL="457200" indent="-457200">
               <a:lnSpc>
                 <a:spcPct val="90000"/>
               </a:lnSpc>
@@ -18077,7 +17984,7 @@
               <a:buChar char="Ø"/>
             </a:pPr>
             <a:r>
-              <a:rPr lang="en-US" sz="2400" dirty="0" smtClean="0">
+              <a:rPr lang="en-US" sz="2400" dirty="0">
                 <a:latin typeface="Cambria" panose="02040503050406030204" pitchFamily="18" charset="0"/>
               </a:rPr>
               <a:t>Hỗ trợ các dải tần:</a:t>
@@ -18119,7 +18026,7 @@
               <a:t>Dải 2,4 Ghz - 2,835 Ghz: có 16 kênh tín hiệu từ 11 - 26 với tốc độ truyền 250 kb/s</a:t>
             </a:r>
             <a:r>
-              <a:rPr lang="en-US" sz="2200" dirty="0" smtClean="0">
+              <a:rPr lang="en-US" sz="2200" dirty="0">
                 <a:latin typeface="Cambria" panose="02040503050406030204" pitchFamily="18" charset="0"/>
               </a:rPr>
               <a:t>.</a:t>
@@ -18136,33 +18043,33 @@
               </a:rPr>
             </a:br>
             <a:r>
-              <a:rPr lang="en-US" sz="2400" i="1" dirty="0" smtClean="0">
+              <a:rPr lang="en-US" sz="2400" i="1" dirty="0">
                 <a:latin typeface="Cambria" panose="02040503050406030204" pitchFamily="18" charset="0"/>
               </a:rPr>
               <a:t>	</a:t>
             </a:r>
             <a:br>
-              <a:rPr lang="en-US" sz="2400" i="1" dirty="0" smtClean="0">
+              <a:rPr lang="en-US" sz="2400" i="1" dirty="0">
                 <a:latin typeface="Cambria" panose="02040503050406030204" pitchFamily="18" charset="0"/>
               </a:rPr>
             </a:br>
             <a:r>
-              <a:rPr lang="en-US" sz="2400" i="1" dirty="0" smtClean="0">
+              <a:rPr lang="en-US" sz="2400" i="1" dirty="0">
                 <a:latin typeface="Cambria" panose="02040503050406030204" pitchFamily="18" charset="0"/>
               </a:rPr>
               <a:t/>
             </a:r>
             <a:br>
-              <a:rPr lang="en-US" sz="2400" i="1" dirty="0" smtClean="0">
+              <a:rPr lang="en-US" sz="2400" i="1" dirty="0">
                 <a:latin typeface="Cambria" panose="02040503050406030204" pitchFamily="18" charset="0"/>
               </a:rPr>
             </a:br>
-            <a:endParaRPr lang="en-US" sz="2400" i="1" dirty="0" smtClean="0">
+            <a:endParaRPr lang="en-US" sz="2400" i="1" dirty="0">
               <a:latin typeface="Cambria" panose="02040503050406030204" pitchFamily="18" charset="0"/>
             </a:endParaRPr>
           </a:p>
           <a:p>
-            <a:pPr marL="457200" lvl="0" indent="-457200">
+            <a:pPr marL="457200" indent="-457200">
               <a:lnSpc>
                 <a:spcPct val="90000"/>
               </a:lnSpc>
@@ -18199,7 +18106,7 @@
         </p:blipFill>
         <p:spPr bwMode="auto">
           <a:xfrm>
-            <a:off x="8532812" y="1817422"/>
+            <a:off x="8532816" y="1817422"/>
             <a:ext cx="3251883" cy="2871454"/>
           </a:xfrm>
           <a:prstGeom prst="rect">
@@ -18272,7 +18179,7 @@
         </p:nvSpPr>
         <p:spPr>
           <a:xfrm>
-            <a:off x="1593436" y="139164"/>
+            <a:off x="1593440" y="139168"/>
             <a:ext cx="9782801" cy="1239837"/>
           </a:xfrm>
         </p:spPr>
@@ -18296,7 +18203,7 @@
         </p:nvSpPr>
         <p:spPr>
           <a:xfrm>
-            <a:off x="3997669" y="304800"/>
+            <a:off x="3997673" y="304804"/>
             <a:ext cx="4402167" cy="830997"/>
           </a:xfrm>
           <a:prstGeom prst="rect">
@@ -18343,7 +18250,7 @@
         <p:spPr>
           <a:xfrm>
             <a:off x="1416373" y="1817422"/>
-            <a:ext cx="3040704" cy="523220"/>
+            <a:ext cx="2878801" cy="523220"/>
           </a:xfrm>
           <a:prstGeom prst="rect">
             <a:avLst/>
@@ -18356,16 +18263,10 @@
           <a:lstStyle/>
           <a:p>
             <a:r>
-              <a:rPr lang="en-US" sz="2800" b="1" dirty="0" smtClean="0">
-                <a:latin typeface="Cambria" panose="02040503050406030204" pitchFamily="18" charset="0"/>
-              </a:rPr>
-              <a:t>Kiến</a:t>
-            </a:r>
-            <a:r>
-              <a:rPr lang="en-US" sz="2800" b="1" dirty="0" smtClean="0">
-                <a:latin typeface="Cambria" panose="02040503050406030204" pitchFamily="18" charset="0"/>
-              </a:rPr>
-              <a:t> trúc Zigbee?</a:t>
+              <a:rPr lang="en-US" sz="2800" b="1" dirty="0">
+                <a:latin typeface="Cambria" panose="02040503050406030204" pitchFamily="18" charset="0"/>
+              </a:rPr>
+              <a:t>Kiến trúc Zigbee</a:t>
             </a:r>
             <a:endParaRPr lang="en-US" sz="2800" dirty="0">
               <a:latin typeface="Cambria" panose="02040503050406030204" pitchFamily="18" charset="0"/>
@@ -18447,7 +18348,6 @@
               <a:rPr lang="en-US" dirty="0"/>
               <a:t>8</a:t>
             </a:r>
-            <a:endParaRPr lang="en-US" dirty="0"/>
           </a:p>
         </p:txBody>
       </p:sp>
@@ -18472,7 +18372,7 @@
           </a:bodyPr>
           <a:lstStyle/>
           <a:p>
-            <a:pPr marL="457200" lvl="0" indent="-457200">
+            <a:pPr marL="457200" indent="-457200">
               <a:lnSpc>
                 <a:spcPct val="90000"/>
               </a:lnSpc>
@@ -18483,7 +18383,7 @@
               <a:buChar char="Ø"/>
             </a:pPr>
             <a:r>
-              <a:rPr lang="en-US" sz="2400" dirty="0" smtClean="0">
+              <a:rPr lang="en-US" sz="2400" dirty="0">
                 <a:latin typeface="Cambria" panose="02040503050406030204" pitchFamily="18" charset="0"/>
               </a:rPr>
               <a:t>Xây dựng trên lớp MAC và PHY, định nghĩa theo chuẩn IEEE 802.15.4 </a:t>
@@ -18495,14 +18395,14 @@
               <a:t>dành cho các ứng dụng WPAN tốc độ </a:t>
             </a:r>
             <a:r>
-              <a:rPr lang="en-US" sz="2400" dirty="0" smtClean="0">
+              <a:rPr lang="en-US" sz="2400" dirty="0">
                 <a:latin typeface="Cambria" panose="02040503050406030204" pitchFamily="18" charset="0"/>
               </a:rPr>
               <a:t>thấp</a:t>
             </a:r>
           </a:p>
           <a:p>
-            <a:pPr marL="457200" lvl="0" indent="-457200">
+            <a:pPr marL="457200" indent="-457200">
               <a:lnSpc>
                 <a:spcPct val="90000"/>
               </a:lnSpc>
@@ -18518,45 +18418,39 @@
               </a:rPr>
               <a:t>Đặc tính kỹ thuật Zigbee sau đó thêm vào 4 lớp chính: lớp mạng, lớp ứng dụng, lớp các đối tượng thiết bị Zigbee ( ZDO) và lớp các đối tượng người dùng cho phép tùy biến, linh động trong chuẩn đó.</a:t>
             </a:r>
-            <a:r>
-              <a:rPr lang="en-US" sz="2400" dirty="0">
-                <a:latin typeface="Cambria" panose="02040503050406030204" pitchFamily="18" charset="0"/>
-              </a:rPr>
-              <a:t/>
-            </a:r>
             <a:br>
               <a:rPr lang="en-US" sz="2400" dirty="0">
                 <a:latin typeface="Cambria" panose="02040503050406030204" pitchFamily="18" charset="0"/>
               </a:rPr>
             </a:br>
             <a:r>
-              <a:rPr lang="en-US" sz="2400" i="1" dirty="0" smtClean="0">
+              <a:rPr lang="en-US" sz="2400" i="1" dirty="0">
                 <a:latin typeface="Cambria" panose="02040503050406030204" pitchFamily="18" charset="0"/>
               </a:rPr>
               <a:t>	</a:t>
             </a:r>
             <a:br>
-              <a:rPr lang="en-US" sz="2400" i="1" dirty="0" smtClean="0">
+              <a:rPr lang="en-US" sz="2400" i="1" dirty="0">
                 <a:latin typeface="Cambria" panose="02040503050406030204" pitchFamily="18" charset="0"/>
               </a:rPr>
             </a:br>
             <a:r>
-              <a:rPr lang="en-US" sz="2400" i="1" dirty="0" smtClean="0">
+              <a:rPr lang="en-US" sz="2400" i="1" dirty="0">
                 <a:latin typeface="Cambria" panose="02040503050406030204" pitchFamily="18" charset="0"/>
               </a:rPr>
               <a:t/>
             </a:r>
             <a:br>
-              <a:rPr lang="en-US" sz="2400" i="1" dirty="0" smtClean="0">
+              <a:rPr lang="en-US" sz="2400" i="1" dirty="0">
                 <a:latin typeface="Cambria" panose="02040503050406030204" pitchFamily="18" charset="0"/>
               </a:rPr>
             </a:br>
-            <a:endParaRPr lang="en-US" sz="2400" i="1" dirty="0" smtClean="0">
+            <a:endParaRPr lang="en-US" sz="2400" i="1" dirty="0">
               <a:latin typeface="Cambria" panose="02040503050406030204" pitchFamily="18" charset="0"/>
             </a:endParaRPr>
           </a:p>
           <a:p>
-            <a:pPr marL="457200" lvl="0" indent="-457200">
+            <a:pPr marL="457200" indent="-457200">
               <a:lnSpc>
                 <a:spcPct val="90000"/>
               </a:lnSpc>
@@ -18593,7 +18487,7 @@
         </p:blipFill>
         <p:spPr bwMode="auto">
           <a:xfrm>
-            <a:off x="7999412" y="1817422"/>
+            <a:off x="7999416" y="1817422"/>
             <a:ext cx="3769731" cy="4354778"/>
           </a:xfrm>
           <a:prstGeom prst="rect">
@@ -18615,13 +18509,13 @@
   <p:clrMapOvr>
     <a:masterClrMapping/>
   </p:clrMapOvr>
-  <mc:AlternateContent xmlns:mc="http://schemas.openxmlformats.org/markup-compatibility/2006">
-    <mc:Choice xmlns:p14="http://schemas.microsoft.com/office/powerpoint/2010/main" Requires="p14">
+  <mc:AlternateContent xmlns:mc="http://schemas.openxmlformats.org/markup-compatibility/2006" xmlns:p14="http://schemas.microsoft.com/office/powerpoint/2010/main">
+    <mc:Choice Requires="p14">
       <p:transition spd="med" p14:dur="700">
         <p:fade/>
       </p:transition>
     </mc:Choice>
-    <mc:Fallback>
+    <mc:Fallback xmlns="">
       <p:transition spd="med">
         <p:fade/>
       </p:transition>
@@ -18666,7 +18560,7 @@
         </p:nvSpPr>
         <p:spPr>
           <a:xfrm>
-            <a:off x="1593436" y="139164"/>
+            <a:off x="1593440" y="139168"/>
             <a:ext cx="9782801" cy="1239837"/>
           </a:xfrm>
         </p:spPr>
@@ -18690,7 +18584,7 @@
         </p:nvSpPr>
         <p:spPr>
           <a:xfrm>
-            <a:off x="3997669" y="304800"/>
+            <a:off x="3997673" y="304804"/>
             <a:ext cx="4402167" cy="830997"/>
           </a:xfrm>
           <a:prstGeom prst="rect">
@@ -18736,8 +18630,8 @@
         </p:nvSpPr>
         <p:spPr>
           <a:xfrm>
-            <a:off x="1593436" y="1256555"/>
-            <a:ext cx="3856633" cy="523220"/>
+            <a:off x="1593440" y="1256555"/>
+            <a:ext cx="3694729" cy="523220"/>
           </a:xfrm>
           <a:prstGeom prst="rect">
             <a:avLst/>
@@ -18750,16 +18644,10 @@
           <a:lstStyle/>
           <a:p>
             <a:r>
-              <a:rPr lang="en-US" sz="2800" b="1" dirty="0" smtClean="0">
-                <a:latin typeface="Cambria" panose="02040503050406030204" pitchFamily="18" charset="0"/>
-              </a:rPr>
-              <a:t>Mô hình mạng </a:t>
-            </a:r>
-            <a:r>
-              <a:rPr lang="en-US" sz="2800" b="1" dirty="0" smtClean="0">
-                <a:latin typeface="Cambria" panose="02040503050406030204" pitchFamily="18" charset="0"/>
-              </a:rPr>
-              <a:t>Zigbee?</a:t>
+              <a:rPr lang="en-US" sz="2800" b="1" dirty="0">
+                <a:latin typeface="Cambria" panose="02040503050406030204" pitchFamily="18" charset="0"/>
+              </a:rPr>
+              <a:t>Mô hình mạng Zigbee</a:t>
             </a:r>
             <a:endParaRPr lang="en-US" sz="2800" dirty="0">
               <a:latin typeface="Cambria" panose="02040503050406030204" pitchFamily="18" charset="0"/>
@@ -18838,7 +18726,7 @@
           <a:p>
             <a:pPr algn="ctr"/>
             <a:r>
-              <a:rPr lang="en-US" dirty="0" smtClean="0"/>
+              <a:rPr lang="en-US" dirty="0"/>
               <a:t>9</a:t>
             </a:r>
             <a:endParaRPr lang="en-US" dirty="0"/>
@@ -18853,7 +18741,7 @@
         </p:nvSpPr>
         <p:spPr>
           <a:xfrm>
-            <a:off x="1593436" y="4352340"/>
+            <a:off x="1593440" y="4352340"/>
             <a:ext cx="9148651" cy="2279598"/>
           </a:xfrm>
           <a:prstGeom prst="rect">
@@ -18877,7 +18765,7 @@
               <a:buChar char="Ø"/>
             </a:pPr>
             <a:r>
-              <a:rPr lang="en-US" sz="2200" dirty="0" smtClean="0">
+              <a:rPr lang="en-US" sz="2200" dirty="0">
                 <a:latin typeface="Cambria" panose="02040503050406030204" pitchFamily="18" charset="0"/>
               </a:rPr>
               <a:t>Zigbee </a:t>
@@ -18889,19 +18777,19 @@
               <a:t>Coordinator (ZC</a:t>
             </a:r>
             <a:r>
-              <a:rPr lang="en-US" sz="2200" dirty="0" smtClean="0">
-                <a:latin typeface="Cambria" panose="02040503050406030204" pitchFamily="18" charset="0"/>
-              </a:rPr>
-              <a:t>): kích </a:t>
-            </a:r>
-            <a:r>
               <a:rPr lang="en-US" sz="2200" dirty="0">
                 <a:latin typeface="Cambria" panose="02040503050406030204" pitchFamily="18" charset="0"/>
               </a:rPr>
+              <a:t>): Chỉ có 1 - kích </a:t>
+            </a:r>
+            <a:r>
+              <a:rPr lang="en-US" sz="2200" dirty="0">
+                <a:latin typeface="Cambria" panose="02040503050406030204" pitchFamily="18" charset="0"/>
+              </a:rPr>
               <a:t>hoạt thông tin về mạng thông qua cấu hình các kênh, PAN ID và hiện trạng ngăn </a:t>
             </a:r>
             <a:r>
-              <a:rPr lang="en-US" sz="2200" dirty="0" smtClean="0">
+              <a:rPr lang="en-US" sz="2200" dirty="0">
                 <a:latin typeface="Cambria" panose="02040503050406030204" pitchFamily="18" charset="0"/>
               </a:rPr>
               <a:t>xếp</a:t>
@@ -18911,7 +18799,7 @@
             </a:endParaRPr>
           </a:p>
           <a:p>
-            <a:pPr marL="457200" lvl="0" indent="-457200">
+            <a:pPr marL="457200" indent="-457200">
               <a:lnSpc>
                 <a:spcPct val="90000"/>
               </a:lnSpc>
@@ -18928,17 +18816,17 @@
               <a:t>Zigbee Router (ZR): thực hiện việc vận chuyển các gói tin trong </a:t>
             </a:r>
             <a:r>
-              <a:rPr lang="en-US" sz="2200" dirty="0" smtClean="0">
-                <a:latin typeface="Cambria" panose="02040503050406030204" pitchFamily="18" charset="0"/>
-              </a:rPr>
-              <a:t>mạng, định vị  địa chỉ cho các ZED của nó</a:t>
+              <a:rPr lang="en-US" sz="2200" dirty="0">
+                <a:latin typeface="Cambria" panose="02040503050406030204" pitchFamily="18" charset="0"/>
+              </a:rPr>
+              <a:t>mạng, thực hiện kết nối, định vị địa chỉ cho các ZED của nó</a:t>
             </a:r>
             <a:endParaRPr lang="en-US" sz="2200" dirty="0">
               <a:latin typeface="Cambria" panose="02040503050406030204" pitchFamily="18" charset="0"/>
             </a:endParaRPr>
           </a:p>
           <a:p>
-            <a:pPr marL="457200" lvl="0" indent="-457200">
+            <a:pPr marL="457200" indent="-457200">
               <a:lnSpc>
                 <a:spcPct val="90000"/>
               </a:lnSpc>
@@ -18952,13 +18840,7 @@
               <a:rPr lang="en-US" sz="2200" dirty="0">
                 <a:latin typeface="Cambria" panose="02040503050406030204" pitchFamily="18" charset="0"/>
               </a:rPr>
-              <a:t>Zigbee End Device (ZED):</a:t>
-            </a:r>
-            <a:r>
-              <a:rPr lang="en-US" sz="2200" dirty="0">
-                <a:latin typeface="Cambria" panose="02040503050406030204" pitchFamily="18" charset="0"/>
-              </a:rPr>
-              <a:t> tối ưu sao cho công suất tiêu thụ là nhỏ nhất nhờ các chế độ bắt tín hiệu và kỹ thuật "sleep"</a:t>
+              <a:t>Zigbee End Device (ZED): tối ưu sao cho công suất tiêu thụ là nhỏ nhất nhờ các chế độ bắt tín hiệu và kỹ thuật "sleep"</a:t>
             </a:r>
           </a:p>
         </p:txBody>
@@ -19006,13 +18888,13 @@
   <p:clrMapOvr>
     <a:masterClrMapping/>
   </p:clrMapOvr>
-  <mc:AlternateContent xmlns:mc="http://schemas.openxmlformats.org/markup-compatibility/2006">
-    <mc:Choice xmlns:p14="http://schemas.microsoft.com/office/powerpoint/2010/main" Requires="p14">
+  <mc:AlternateContent xmlns:mc="http://schemas.openxmlformats.org/markup-compatibility/2006" xmlns:p14="http://schemas.microsoft.com/office/powerpoint/2010/main">
+    <mc:Choice Requires="p14">
       <p:transition spd="med" p14:dur="700">
         <p:fade/>
       </p:transition>
     </mc:Choice>
-    <mc:Fallback>
+    <mc:Fallback xmlns="">
       <p:transition spd="med">
         <p:fade/>
       </p:transition>
